--- a/class/课程2-VUE开发建议.pptx
+++ b/class/课程2-VUE开发建议.pptx
@@ -1,30 +1,33 @@
 
 <file path=ppt/presentation.xml><?xml version="1.0" encoding="utf-8"?>
-<p:presentation xmlns:a="http://schemas.openxmlformats.org/drawingml/2006/main" xmlns:r="http://schemas.openxmlformats.org/officeDocument/2006/relationships" xmlns:p="http://schemas.openxmlformats.org/presentationml/2006/main" saveSubsetFonts="1">
+<p:presentation xmlns:a="http://schemas.openxmlformats.org/drawingml/2006/main" xmlns:r="http://schemas.openxmlformats.org/officeDocument/2006/relationships" xmlns:p="http://schemas.openxmlformats.org/presentationml/2006/main">
   <p:sldMasterIdLst>
-    <p:sldMasterId id="2147483672" r:id="rId1"/>
+    <p:sldMasterId id="2147483648" r:id="rId1"/>
   </p:sldMasterIdLst>
   <p:notesMasterIdLst>
-    <p:notesMasterId r:id="rId17"/>
+    <p:notesMasterId r:id="rId4"/>
   </p:notesMasterIdLst>
   <p:sldIdLst>
-    <p:sldId id="257" r:id="rId2"/>
-    <p:sldId id="258" r:id="rId3"/>
-    <p:sldId id="263" r:id="rId4"/>
-    <p:sldId id="262" r:id="rId5"/>
-    <p:sldId id="259" r:id="rId6"/>
-    <p:sldId id="260" r:id="rId7"/>
-    <p:sldId id="261" r:id="rId8"/>
-    <p:sldId id="264" r:id="rId9"/>
-    <p:sldId id="266" r:id="rId10"/>
-    <p:sldId id="265" r:id="rId11"/>
-    <p:sldId id="267" r:id="rId12"/>
-    <p:sldId id="268" r:id="rId13"/>
-    <p:sldId id="269" r:id="rId14"/>
-    <p:sldId id="270" r:id="rId15"/>
-    <p:sldId id="271" r:id="rId16"/>
+    <p:sldId id="257" r:id="rId3"/>
+    <p:sldId id="258" r:id="rId5"/>
+    <p:sldId id="263" r:id="rId6"/>
+    <p:sldId id="262" r:id="rId7"/>
+    <p:sldId id="259" r:id="rId8"/>
+    <p:sldId id="260" r:id="rId9"/>
+    <p:sldId id="261" r:id="rId10"/>
+    <p:sldId id="264" r:id="rId11"/>
+    <p:sldId id="266" r:id="rId12"/>
+    <p:sldId id="265" r:id="rId13"/>
+    <p:sldId id="267" r:id="rId14"/>
+    <p:sldId id="268" r:id="rId15"/>
+    <p:sldId id="269" r:id="rId16"/>
+    <p:sldId id="270" r:id="rId17"/>
+    <p:sldId id="271" r:id="rId18"/>
+    <p:sldId id="276" r:id="rId19"/>
+    <p:sldId id="277" r:id="rId20"/>
+    <p:sldId id="278" r:id="rId21"/>
   </p:sldIdLst>
-  <p:sldSz cx="12190413" cy="6858000"/>
+  <p:sldSz cx="12190095" cy="6858000"/>
   <p:notesSz cx="6858000" cy="9144000"/>
   <p:defaultTextStyle>
     <a:defPPr>
@@ -206,7 +209,6 @@
           <a:p>
             <a:fld id="{68DF1821-03CA-485E-8311-79F3BC84E31E}" type="datetimeFigureOut">
               <a:rPr lang="zh-CN" altLang="en-US" smtClean="0"/>
-              <a:t>2020/3/8</a:t>
             </a:fld>
             <a:endParaRPr lang="zh-CN" altLang="en-US"/>
           </a:p>
@@ -275,6 +277,7 @@
               <a:rPr lang="zh-CN" altLang="en-US" smtClean="0"/>
               <a:t>单击此处编辑母版文本样式</a:t>
             </a:r>
+            <a:endParaRPr lang="zh-CN" altLang="en-US" smtClean="0"/>
           </a:p>
           <a:p>
             <a:pPr lvl="1"/>
@@ -282,6 +285,7 @@
               <a:rPr lang="zh-CN" altLang="en-US" smtClean="0"/>
               <a:t>第二级</a:t>
             </a:r>
+            <a:endParaRPr lang="zh-CN" altLang="en-US" smtClean="0"/>
           </a:p>
           <a:p>
             <a:pPr lvl="2"/>
@@ -289,6 +293,7 @@
               <a:rPr lang="zh-CN" altLang="en-US" smtClean="0"/>
               <a:t>第三级</a:t>
             </a:r>
+            <a:endParaRPr lang="zh-CN" altLang="en-US" smtClean="0"/>
           </a:p>
           <a:p>
             <a:pPr lvl="3"/>
@@ -296,6 +301,7 @@
               <a:rPr lang="zh-CN" altLang="en-US" smtClean="0"/>
               <a:t>第四级</a:t>
             </a:r>
+            <a:endParaRPr lang="zh-CN" altLang="en-US" smtClean="0"/>
           </a:p>
           <a:p>
             <a:pPr lvl="4"/>
@@ -367,7 +373,6 @@
           <a:p>
             <a:fld id="{41765D0C-337F-4465-BEEC-FCAD5677ABBD}" type="slidenum">
               <a:rPr lang="zh-CN" altLang="en-US" smtClean="0"/>
-              <a:t>‹#›</a:t>
             </a:fld>
             <a:endParaRPr lang="zh-CN" altLang="en-US"/>
           </a:p>
@@ -524,6 +529,7 @@
               <a:rPr lang="zh-CN" altLang="en-US"/>
               <a:t>讲解要点</a:t>
             </a:r>
+            <a:endParaRPr lang="zh-CN" altLang="en-US"/>
           </a:p>
           <a:p>
             <a:endParaRPr lang="zh-CN" altLang="en-US"/>
@@ -553,6 +559,7 @@
               <a:rPr lang="zh-CN" altLang="en-US"/>
               <a:t>工具狠犀利 组件众多 官方对于各种业务逻辑的处理都支持的很到位 </a:t>
             </a:r>
+            <a:endParaRPr lang="zh-CN" altLang="en-US"/>
           </a:p>
           <a:p>
             <a:r>
@@ -571,6 +578,7 @@
               <a:rPr lang="zh-CN" altLang="en-US"/>
               <a:t>新的规范方法得以支持 </a:t>
             </a:r>
+            <a:endParaRPr lang="zh-CN" altLang="en-US"/>
           </a:p>
           <a:p>
             <a:r>
@@ -581,6 +589,7 @@
               <a:rPr lang="zh-CN" altLang="en-US"/>
               <a:t>以上一系列处理措施搞下来 使得前端页面项目变得比以前容易的多的多</a:t>
             </a:r>
+            <a:endParaRPr lang="zh-CN" altLang="en-US"/>
           </a:p>
           <a:p>
             <a:endParaRPr lang="zh-CN" altLang="en-US"/>
@@ -594,6 +603,7 @@
               <a:rPr lang="zh-CN" altLang="en-US"/>
               <a:t>开发难度的下降使得水平差一些甚至是刚入门的开发者也能直接参与到我们的项目开发中来</a:t>
             </a:r>
+            <a:endParaRPr lang="zh-CN" altLang="en-US"/>
           </a:p>
           <a:p>
             <a:endParaRPr lang="zh-CN" altLang="en-US"/>
@@ -607,6 +617,7 @@
               <a:rPr lang="zh-CN" altLang="en-US"/>
               <a:t>这就导致了一种新的问题代码的现象 一大堆简易实现的代码堆叠在一起 使项目的后期维护工作依然繁杂无比</a:t>
             </a:r>
+            <a:endParaRPr lang="zh-CN" altLang="en-US"/>
           </a:p>
           <a:p>
             <a:endParaRPr lang="zh-CN" altLang="en-US"/>
@@ -616,6 +627,7 @@
               <a:rPr lang="zh-CN" altLang="en-US"/>
               <a:t>这里就需要我们进行一下代码工作中的改革</a:t>
             </a:r>
+            <a:endParaRPr lang="zh-CN" altLang="en-US"/>
           </a:p>
           <a:p>
             <a:endParaRPr lang="zh-CN" altLang="en-US"/>
@@ -625,6 +637,7 @@
               <a:rPr lang="zh-CN" altLang="en-US"/>
               <a:t>模块分离  和  编码规范</a:t>
             </a:r>
+            <a:endParaRPr lang="zh-CN" altLang="en-US"/>
           </a:p>
         </p:txBody>
       </p:sp>
@@ -703,7 +716,6 @@
           <a:p>
             <a:fld id="{41765D0C-337F-4465-BEEC-FCAD5677ABBD}" type="slidenum">
               <a:rPr lang="zh-CN" altLang="en-US" smtClean="0"/>
-              <a:t>2</a:t>
             </a:fld>
             <a:endParaRPr lang="zh-CN" altLang="en-US"/>
           </a:p>
@@ -784,7 +796,6 @@
           <a:p>
             <a:fld id="{41765D0C-337F-4465-BEEC-FCAD5677ABBD}" type="slidenum">
               <a:rPr lang="zh-CN" altLang="en-US" smtClean="0"/>
-              <a:t>3</a:t>
             </a:fld>
             <a:endParaRPr lang="zh-CN" altLang="en-US"/>
           </a:p>
@@ -865,7 +876,6 @@
           <a:p>
             <a:fld id="{41765D0C-337F-4465-BEEC-FCAD5677ABBD}" type="slidenum">
               <a:rPr lang="zh-CN" altLang="en-US" smtClean="0"/>
-              <a:t>4</a:t>
             </a:fld>
             <a:endParaRPr lang="zh-CN" altLang="en-US"/>
           </a:p>
@@ -910,15 +920,15 @@
           <p:cNvPicPr/>
           <p:nvPr userDrawn="1">
             <p:custDataLst>
-              <p:tags r:id="rId1"/>
+              <p:tags r:id="rId2"/>
             </p:custDataLst>
           </p:nvPr>
         </p:nvPicPr>
         <p:blipFill>
-          <a:blip r:embed="rId8" r:link="rId9" cstate="print">
+          <a:blip r:embed="rId3" r:link="rId4" cstate="print">
             <a:extLst>
               <a:ext uri="{28A0092B-C50C-407E-A947-70E740481C1C}">
-                <a14:useLocalDpi xmlns="" xmlns:a14="http://schemas.microsoft.com/office/drawing/2010/main" val="0"/>
+                <a14:useLocalDpi xmlns:a14="http://schemas.microsoft.com/office/drawing/2010/main" val="0"/>
               </a:ext>
             </a:extLst>
           </a:blip>
@@ -945,7 +955,7 @@
           <p:nvPr>
             <p:ph type="dt" sz="half" idx="10"/>
             <p:custDataLst>
-              <p:tags r:id="rId2"/>
+              <p:tags r:id="rId5"/>
             </p:custDataLst>
           </p:nvPr>
         </p:nvSpPr>
@@ -976,8 +986,6 @@
                   </a:srgbClr>
                 </a:solidFill>
               </a:rPr>
-              <a:pPr/>
-              <a:t>2020/3/8</a:t>
             </a:fld>
             <a:endParaRPr lang="zh-CN" altLang="en-US">
               <a:solidFill>
@@ -998,7 +1006,7 @@
           <p:nvPr>
             <p:ph type="ftr" sz="quarter" idx="11"/>
             <p:custDataLst>
-              <p:tags r:id="rId3"/>
+              <p:tags r:id="rId6"/>
             </p:custDataLst>
           </p:nvPr>
         </p:nvSpPr>
@@ -1040,7 +1048,7 @@
           <p:nvPr>
             <p:ph type="sldNum" sz="quarter" idx="12"/>
             <p:custDataLst>
-              <p:tags r:id="rId4"/>
+              <p:tags r:id="rId7"/>
             </p:custDataLst>
           </p:nvPr>
         </p:nvSpPr>
@@ -1071,8 +1079,6 @@
                   </a:srgbClr>
                 </a:solidFill>
               </a:rPr>
-              <a:pPr/>
-              <a:t>‹#›</a:t>
             </a:fld>
             <a:endParaRPr lang="zh-CN" altLang="en-US" dirty="0">
               <a:solidFill>
@@ -1093,7 +1099,7 @@
           <p:nvPr>
             <p:ph type="subTitle" idx="14" hasCustomPrompt="1"/>
             <p:custDataLst>
-              <p:tags r:id="rId5"/>
+              <p:tags r:id="rId8"/>
             </p:custDataLst>
           </p:nvPr>
         </p:nvSpPr>
@@ -1160,6 +1166,7 @@
               <a:rPr lang="zh-CN" altLang="en-US"/>
               <a:t>单击此处编辑副标题</a:t>
             </a:r>
+            <a:endParaRPr lang="zh-CN" altLang="en-US"/>
           </a:p>
         </p:txBody>
       </p:sp>
@@ -1172,7 +1179,7 @@
           <p:nvPr>
             <p:ph type="ctrTitle" idx="13" hasCustomPrompt="1"/>
             <p:custDataLst>
-              <p:tags r:id="rId6"/>
+              <p:tags r:id="rId9"/>
             </p:custDataLst>
           </p:nvPr>
         </p:nvSpPr>
@@ -1215,6 +1222,7 @@
               <a:rPr lang="zh-CN" altLang="en-US"/>
               <a:t>编辑标题</a:t>
             </a:r>
+            <a:endParaRPr lang="zh-CN" altLang="en-US"/>
           </a:p>
         </p:txBody>
       </p:sp>
@@ -1257,15 +1265,15 @@
           <p:cNvPicPr/>
           <p:nvPr userDrawn="1">
             <p:custDataLst>
-              <p:tags r:id="rId1"/>
+              <p:tags r:id="rId2"/>
             </p:custDataLst>
           </p:nvPr>
         </p:nvPicPr>
         <p:blipFill>
-          <a:blip r:embed="rId8" r:link="rId9" cstate="print">
+          <a:blip r:embed="rId3" r:link="rId4" cstate="print">
             <a:extLst>
               <a:ext uri="{28A0092B-C50C-407E-A947-70E740481C1C}">
-                <a14:useLocalDpi xmlns="" xmlns:a14="http://schemas.microsoft.com/office/drawing/2010/main" val="0"/>
+                <a14:useLocalDpi xmlns:a14="http://schemas.microsoft.com/office/drawing/2010/main" val="0"/>
               </a:ext>
             </a:extLst>
           </a:blip>
@@ -1289,15 +1297,15 @@
           <p:cNvPicPr/>
           <p:nvPr userDrawn="1">
             <p:custDataLst>
-              <p:tags r:id="rId2"/>
+              <p:tags r:id="rId5"/>
             </p:custDataLst>
           </p:nvPr>
         </p:nvPicPr>
         <p:blipFill>
-          <a:blip r:embed="rId10" r:link="rId11" cstate="print">
+          <a:blip r:embed="rId6" r:link="rId7" cstate="print">
             <a:extLst>
               <a:ext uri="{28A0092B-C50C-407E-A947-70E740481C1C}">
-                <a14:useLocalDpi xmlns="" xmlns:a14="http://schemas.microsoft.com/office/drawing/2010/main" val="0"/>
+                <a14:useLocalDpi xmlns:a14="http://schemas.microsoft.com/office/drawing/2010/main" val="0"/>
               </a:ext>
             </a:extLst>
           </a:blip>
@@ -1324,7 +1332,7 @@
           <p:nvPr>
             <p:ph type="dt" sz="half" idx="10"/>
             <p:custDataLst>
-              <p:tags r:id="rId3"/>
+              <p:tags r:id="rId8"/>
             </p:custDataLst>
           </p:nvPr>
         </p:nvSpPr>
@@ -1355,8 +1363,6 @@
                   </a:srgbClr>
                 </a:solidFill>
               </a:rPr>
-              <a:pPr/>
-              <a:t>2020/3/8</a:t>
             </a:fld>
             <a:endParaRPr lang="zh-CN" altLang="en-US">
               <a:solidFill>
@@ -1377,7 +1383,7 @@
           <p:nvPr>
             <p:ph type="ftr" sz="quarter" idx="11"/>
             <p:custDataLst>
-              <p:tags r:id="rId4"/>
+              <p:tags r:id="rId9"/>
             </p:custDataLst>
           </p:nvPr>
         </p:nvSpPr>
@@ -1419,7 +1425,7 @@
           <p:nvPr>
             <p:ph type="sldNum" sz="quarter" idx="12"/>
             <p:custDataLst>
-              <p:tags r:id="rId5"/>
+              <p:tags r:id="rId10"/>
             </p:custDataLst>
           </p:nvPr>
         </p:nvSpPr>
@@ -1450,8 +1456,6 @@
                   </a:srgbClr>
                 </a:solidFill>
               </a:rPr>
-              <a:pPr/>
-              <a:t>‹#›</a:t>
             </a:fld>
             <a:endParaRPr lang="zh-CN" altLang="en-US">
               <a:solidFill>
@@ -1472,7 +1476,7 @@
           <p:nvPr>
             <p:ph sz="quarter" idx="13"/>
             <p:custDataLst>
-              <p:tags r:id="rId6"/>
+              <p:tags r:id="rId11"/>
             </p:custDataLst>
           </p:nvPr>
         </p:nvSpPr>
@@ -1539,6 +1543,7 @@
               <a:rPr lang="zh-CN" altLang="en-US" dirty="0"/>
               <a:t>单击此处编辑母版文本样式</a:t>
             </a:r>
+            <a:endParaRPr lang="zh-CN" altLang="en-US" dirty="0"/>
           </a:p>
           <a:p>
             <a:pPr lvl="1"/>
@@ -1546,6 +1551,7 @@
               <a:rPr lang="zh-CN" altLang="en-US" dirty="0"/>
               <a:t>第二级</a:t>
             </a:r>
+            <a:endParaRPr lang="zh-CN" altLang="en-US" dirty="0"/>
           </a:p>
           <a:p>
             <a:pPr lvl="2"/>
@@ -1553,6 +1559,7 @@
               <a:rPr lang="zh-CN" altLang="en-US" dirty="0"/>
               <a:t>第三级</a:t>
             </a:r>
+            <a:endParaRPr lang="zh-CN" altLang="en-US" dirty="0"/>
           </a:p>
           <a:p>
             <a:pPr lvl="3"/>
@@ -1560,6 +1567,7 @@
               <a:rPr lang="zh-CN" altLang="en-US" dirty="0"/>
               <a:t>第四级</a:t>
             </a:r>
+            <a:endParaRPr lang="zh-CN" altLang="en-US" dirty="0"/>
           </a:p>
           <a:p>
             <a:pPr lvl="4"/>
@@ -1567,6 +1575,7 @@
               <a:rPr lang="zh-CN" altLang="en-US" dirty="0"/>
               <a:t>第五级</a:t>
             </a:r>
+            <a:endParaRPr lang="zh-CN" altLang="en-US" dirty="0"/>
           </a:p>
         </p:txBody>
       </p:sp>
@@ -1609,15 +1618,15 @@
           <p:cNvPicPr/>
           <p:nvPr userDrawn="1">
             <p:custDataLst>
-              <p:tags r:id="rId1"/>
+              <p:tags r:id="rId2"/>
             </p:custDataLst>
           </p:nvPr>
         </p:nvPicPr>
         <p:blipFill>
-          <a:blip r:embed="rId9" r:link="rId10" cstate="print">
+          <a:blip r:embed="rId3" r:link="rId4" cstate="print">
             <a:extLst>
               <a:ext uri="{28A0092B-C50C-407E-A947-70E740481C1C}">
-                <a14:useLocalDpi xmlns="" xmlns:a14="http://schemas.microsoft.com/office/drawing/2010/main" val="0"/>
+                <a14:useLocalDpi xmlns:a14="http://schemas.microsoft.com/office/drawing/2010/main" val="0"/>
               </a:ext>
             </a:extLst>
           </a:blip>
@@ -1644,7 +1653,7 @@
           <p:nvPr>
             <p:ph type="dt" sz="half" idx="10"/>
             <p:custDataLst>
-              <p:tags r:id="rId2"/>
+              <p:tags r:id="rId5"/>
             </p:custDataLst>
           </p:nvPr>
         </p:nvSpPr>
@@ -1675,8 +1684,6 @@
                   </a:srgbClr>
                 </a:solidFill>
               </a:rPr>
-              <a:pPr/>
-              <a:t>2020/3/8</a:t>
             </a:fld>
             <a:endParaRPr lang="zh-CN" altLang="en-US">
               <a:solidFill>
@@ -1697,7 +1704,7 @@
           <p:nvPr>
             <p:ph type="ftr" sz="quarter" idx="11"/>
             <p:custDataLst>
-              <p:tags r:id="rId3"/>
+              <p:tags r:id="rId6"/>
             </p:custDataLst>
           </p:nvPr>
         </p:nvSpPr>
@@ -1739,7 +1746,7 @@
           <p:nvPr>
             <p:ph type="sldNum" sz="quarter" idx="12"/>
             <p:custDataLst>
-              <p:tags r:id="rId4"/>
+              <p:tags r:id="rId7"/>
             </p:custDataLst>
           </p:nvPr>
         </p:nvSpPr>
@@ -1770,8 +1777,6 @@
                   </a:srgbClr>
                 </a:solidFill>
               </a:rPr>
-              <a:pPr/>
-              <a:t>‹#›</a:t>
             </a:fld>
             <a:endParaRPr lang="zh-CN" altLang="en-US">
               <a:solidFill>
@@ -1789,7 +1794,7 @@
           <p:cNvSpPr/>
           <p:nvPr userDrawn="1">
             <p:custDataLst>
-              <p:tags r:id="rId5"/>
+              <p:tags r:id="rId8"/>
             </p:custDataLst>
           </p:nvPr>
         </p:nvSpPr>
@@ -1908,7 +1913,7 @@
           <p:nvPr>
             <p:ph type="body" idx="14" hasCustomPrompt="1"/>
             <p:custDataLst>
-              <p:tags r:id="rId6"/>
+              <p:tags r:id="rId9"/>
             </p:custDataLst>
           </p:nvPr>
         </p:nvSpPr>
@@ -1971,6 +1976,7 @@
               <a:rPr lang="zh-CN" altLang="en-US"/>
               <a:t>单击此处编辑副标题</a:t>
             </a:r>
+            <a:endParaRPr lang="zh-CN" altLang="en-US"/>
           </a:p>
         </p:txBody>
       </p:sp>
@@ -1983,7 +1989,7 @@
           <p:nvPr>
             <p:ph type="title" idx="13" hasCustomPrompt="1"/>
             <p:custDataLst>
-              <p:tags r:id="rId7"/>
+              <p:tags r:id="rId10"/>
             </p:custDataLst>
           </p:nvPr>
         </p:nvSpPr>
@@ -2026,6 +2032,7 @@
               <a:rPr lang="zh-CN" altLang="en-US"/>
               <a:t>编辑标题</a:t>
             </a:r>
+            <a:endParaRPr lang="zh-CN" altLang="en-US"/>
           </a:p>
         </p:txBody>
       </p:sp>
@@ -2068,15 +2075,15 @@
           <p:cNvPicPr/>
           <p:nvPr userDrawn="1">
             <p:custDataLst>
-              <p:tags r:id="rId1"/>
+              <p:tags r:id="rId2"/>
             </p:custDataLst>
           </p:nvPr>
         </p:nvPicPr>
         <p:blipFill>
-          <a:blip r:embed="rId8" r:link="rId9" cstate="print">
+          <a:blip r:embed="rId3" r:link="rId4" cstate="print">
             <a:extLst>
               <a:ext uri="{28A0092B-C50C-407E-A947-70E740481C1C}">
-                <a14:useLocalDpi xmlns="" xmlns:a14="http://schemas.microsoft.com/office/drawing/2010/main" val="0"/>
+                <a14:useLocalDpi xmlns:a14="http://schemas.microsoft.com/office/drawing/2010/main" val="0"/>
               </a:ext>
             </a:extLst>
           </a:blip>
@@ -2100,15 +2107,15 @@
           <p:cNvPicPr/>
           <p:nvPr userDrawn="1">
             <p:custDataLst>
-              <p:tags r:id="rId2"/>
+              <p:tags r:id="rId5"/>
             </p:custDataLst>
           </p:nvPr>
         </p:nvPicPr>
         <p:blipFill>
-          <a:blip r:embed="rId10" r:link="rId11" cstate="print">
+          <a:blip r:embed="rId6" r:link="rId7" cstate="print">
             <a:extLst>
               <a:ext uri="{28A0092B-C50C-407E-A947-70E740481C1C}">
-                <a14:useLocalDpi xmlns="" xmlns:a14="http://schemas.microsoft.com/office/drawing/2010/main" val="0"/>
+                <a14:useLocalDpi xmlns:a14="http://schemas.microsoft.com/office/drawing/2010/main" val="0"/>
               </a:ext>
             </a:extLst>
           </a:blip>
@@ -2135,7 +2142,7 @@
           <p:nvPr>
             <p:ph type="title"/>
             <p:custDataLst>
-              <p:tags r:id="rId3"/>
+              <p:tags r:id="rId8"/>
             </p:custDataLst>
           </p:nvPr>
         </p:nvSpPr>
@@ -2160,6 +2167,7 @@
               <a:rPr lang="zh-CN" altLang="en-US" dirty="0"/>
               <a:t>单击此处编辑母版标题样式</a:t>
             </a:r>
+            <a:endParaRPr lang="zh-CN" altLang="en-US" dirty="0"/>
           </a:p>
         </p:txBody>
       </p:sp>
@@ -2172,7 +2180,7 @@
           <p:nvPr>
             <p:ph type="dt" sz="half" idx="10"/>
             <p:custDataLst>
-              <p:tags r:id="rId4"/>
+              <p:tags r:id="rId9"/>
             </p:custDataLst>
           </p:nvPr>
         </p:nvSpPr>
@@ -2203,8 +2211,6 @@
                   </a:srgbClr>
                 </a:solidFill>
               </a:rPr>
-              <a:pPr/>
-              <a:t>2020/3/8</a:t>
             </a:fld>
             <a:endParaRPr lang="zh-CN" altLang="en-US">
               <a:solidFill>
@@ -2225,7 +2231,7 @@
           <p:nvPr>
             <p:ph type="ftr" sz="quarter" idx="11"/>
             <p:custDataLst>
-              <p:tags r:id="rId5"/>
+              <p:tags r:id="rId10"/>
             </p:custDataLst>
           </p:nvPr>
         </p:nvSpPr>
@@ -2267,7 +2273,7 @@
           <p:nvPr>
             <p:ph type="sldNum" sz="quarter" idx="12"/>
             <p:custDataLst>
-              <p:tags r:id="rId6"/>
+              <p:tags r:id="rId11"/>
             </p:custDataLst>
           </p:nvPr>
         </p:nvSpPr>
@@ -2298,8 +2304,6 @@
                   </a:srgbClr>
                 </a:solidFill>
               </a:rPr>
-              <a:pPr/>
-              <a:t>‹#›</a:t>
             </a:fld>
             <a:endParaRPr lang="zh-CN" altLang="en-US" dirty="0">
               <a:solidFill>
@@ -2350,7 +2354,7 @@
           <p:cNvSpPr/>
           <p:nvPr userDrawn="1">
             <p:custDataLst>
-              <p:tags r:id="rId1"/>
+              <p:tags r:id="rId2"/>
             </p:custDataLst>
           </p:nvPr>
         </p:nvSpPr>
@@ -2373,7 +2377,7 @@
           <a:effectLst/>
           <a:extLst>
             <a:ext uri="{91240B29-F687-4F45-9708-019B960494DF}">
-              <a14:hiddenLine xmlns="" xmlns:a14="http://schemas.microsoft.com/office/drawing/2010/main" w="12700">
+              <a14:hiddenLine xmlns:a14="http://schemas.microsoft.com/office/drawing/2010/main" w="12700">
                 <a:solidFill>
                   <a:schemeClr val="accent1">
                     <a:shade val="50000"/>
@@ -2424,15 +2428,15 @@
           <p:cNvPicPr/>
           <p:nvPr userDrawn="1">
             <p:custDataLst>
-              <p:tags r:id="rId2"/>
+              <p:tags r:id="rId3"/>
             </p:custDataLst>
           </p:nvPr>
         </p:nvPicPr>
         <p:blipFill>
-          <a:blip r:embed="rId10" r:link="rId11" cstate="print">
+          <a:blip r:embed="rId4" r:link="rId5" cstate="print">
             <a:extLst>
               <a:ext uri="{28A0092B-C50C-407E-A947-70E740481C1C}">
-                <a14:useLocalDpi xmlns="" xmlns:a14="http://schemas.microsoft.com/office/drawing/2010/main" val="0"/>
+                <a14:useLocalDpi xmlns:a14="http://schemas.microsoft.com/office/drawing/2010/main" val="0"/>
               </a:ext>
             </a:extLst>
           </a:blip>
@@ -2456,15 +2460,15 @@
           <p:cNvPicPr/>
           <p:nvPr userDrawn="1">
             <p:custDataLst>
-              <p:tags r:id="rId3"/>
+              <p:tags r:id="rId6"/>
             </p:custDataLst>
           </p:nvPr>
         </p:nvPicPr>
         <p:blipFill>
-          <a:blip r:embed="rId12" r:link="rId13" cstate="print">
+          <a:blip r:embed="rId7" r:link="rId8" cstate="print">
             <a:extLst>
               <a:ext uri="{28A0092B-C50C-407E-A947-70E740481C1C}">
-                <a14:useLocalDpi xmlns="" xmlns:a14="http://schemas.microsoft.com/office/drawing/2010/main" val="0"/>
+                <a14:useLocalDpi xmlns:a14="http://schemas.microsoft.com/office/drawing/2010/main" val="0"/>
               </a:ext>
             </a:extLst>
           </a:blip>
@@ -2491,7 +2495,7 @@
           <p:nvPr>
             <p:ph type="title" hasCustomPrompt="1"/>
             <p:custDataLst>
-              <p:tags r:id="rId4"/>
+              <p:tags r:id="rId9"/>
             </p:custDataLst>
           </p:nvPr>
         </p:nvSpPr>
@@ -2521,6 +2525,7 @@
               <a:rPr lang="zh-CN" altLang="en-US" dirty="0"/>
               <a:t>单击此处编辑标题</a:t>
             </a:r>
+            <a:endParaRPr lang="zh-CN" altLang="en-US" dirty="0"/>
           </a:p>
         </p:txBody>
       </p:sp>
@@ -2533,7 +2538,7 @@
           <p:nvPr>
             <p:ph sz="quarter" idx="13"/>
             <p:custDataLst>
-              <p:tags r:id="rId5"/>
+              <p:tags r:id="rId10"/>
             </p:custDataLst>
           </p:nvPr>
         </p:nvSpPr>
@@ -2600,6 +2605,7 @@
               <a:rPr lang="zh-CN" altLang="en-US" dirty="0"/>
               <a:t>单击此处编辑母版文本样式</a:t>
             </a:r>
+            <a:endParaRPr lang="zh-CN" altLang="en-US" dirty="0"/>
           </a:p>
           <a:p>
             <a:pPr lvl="1"/>
@@ -2607,6 +2613,7 @@
               <a:rPr lang="zh-CN" altLang="en-US" dirty="0"/>
               <a:t>第二级</a:t>
             </a:r>
+            <a:endParaRPr lang="zh-CN" altLang="en-US" dirty="0"/>
           </a:p>
           <a:p>
             <a:pPr lvl="2"/>
@@ -2614,6 +2621,7 @@
               <a:rPr lang="zh-CN" altLang="en-US" dirty="0"/>
               <a:t>第三级</a:t>
             </a:r>
+            <a:endParaRPr lang="zh-CN" altLang="en-US" dirty="0"/>
           </a:p>
           <a:p>
             <a:pPr lvl="3"/>
@@ -2621,6 +2629,7 @@
               <a:rPr lang="zh-CN" altLang="en-US" dirty="0"/>
               <a:t>第四级</a:t>
             </a:r>
+            <a:endParaRPr lang="zh-CN" altLang="en-US" dirty="0"/>
           </a:p>
           <a:p>
             <a:pPr lvl="4"/>
@@ -2628,6 +2637,7 @@
               <a:rPr lang="zh-CN" altLang="en-US" dirty="0"/>
               <a:t>第五级</a:t>
             </a:r>
+            <a:endParaRPr lang="zh-CN" altLang="en-US" dirty="0"/>
           </a:p>
         </p:txBody>
       </p:sp>
@@ -2640,7 +2650,7 @@
           <p:nvPr>
             <p:ph type="dt" sz="half" idx="10"/>
             <p:custDataLst>
-              <p:tags r:id="rId6"/>
+              <p:tags r:id="rId11"/>
             </p:custDataLst>
           </p:nvPr>
         </p:nvSpPr>
@@ -2671,8 +2681,6 @@
                   </a:srgbClr>
                 </a:solidFill>
               </a:rPr>
-              <a:pPr/>
-              <a:t>2020/3/8</a:t>
             </a:fld>
             <a:endParaRPr lang="zh-CN" altLang="en-US">
               <a:solidFill>
@@ -2693,7 +2701,7 @@
           <p:nvPr>
             <p:ph type="ftr" sz="quarter" idx="11"/>
             <p:custDataLst>
-              <p:tags r:id="rId7"/>
+              <p:tags r:id="rId12"/>
             </p:custDataLst>
           </p:nvPr>
         </p:nvSpPr>
@@ -2735,7 +2743,7 @@
           <p:nvPr>
             <p:ph type="sldNum" sz="quarter" idx="12"/>
             <p:custDataLst>
-              <p:tags r:id="rId8"/>
+              <p:tags r:id="rId13"/>
             </p:custDataLst>
           </p:nvPr>
         </p:nvSpPr>
@@ -2766,8 +2774,6 @@
                   </a:srgbClr>
                 </a:solidFill>
               </a:rPr>
-              <a:pPr/>
-              <a:t>‹#›</a:t>
             </a:fld>
             <a:endParaRPr lang="zh-CN" altLang="en-US" dirty="0">
               <a:solidFill>
@@ -2818,7 +2824,7 @@
           <p:cNvSpPr/>
           <p:nvPr userDrawn="1">
             <p:custDataLst>
-              <p:tags r:id="rId1"/>
+              <p:tags r:id="rId2"/>
             </p:custDataLst>
           </p:nvPr>
         </p:nvSpPr>
@@ -2841,7 +2847,7 @@
           <a:effectLst/>
           <a:extLst>
             <a:ext uri="{91240B29-F687-4F45-9708-019B960494DF}">
-              <a14:hiddenLine xmlns="" xmlns:a14="http://schemas.microsoft.com/office/drawing/2010/main" w="12700">
+              <a14:hiddenLine xmlns:a14="http://schemas.microsoft.com/office/drawing/2010/main" w="12700">
                 <a:solidFill>
                   <a:schemeClr val="accent1">
                     <a:shade val="50000"/>
@@ -2892,15 +2898,15 @@
           <p:cNvPicPr/>
           <p:nvPr userDrawn="1">
             <p:custDataLst>
-              <p:tags r:id="rId2"/>
+              <p:tags r:id="rId3"/>
             </p:custDataLst>
           </p:nvPr>
         </p:nvPicPr>
         <p:blipFill>
-          <a:blip r:embed="rId10" r:link="rId11" cstate="print">
+          <a:blip r:embed="rId4" r:link="rId5" cstate="print">
             <a:extLst>
               <a:ext uri="{28A0092B-C50C-407E-A947-70E740481C1C}">
-                <a14:useLocalDpi xmlns="" xmlns:a14="http://schemas.microsoft.com/office/drawing/2010/main" val="0"/>
+                <a14:useLocalDpi xmlns:a14="http://schemas.microsoft.com/office/drawing/2010/main" val="0"/>
               </a:ext>
             </a:extLst>
           </a:blip>
@@ -2927,7 +2933,7 @@
           <p:nvPr>
             <p:ph type="title" hasCustomPrompt="1"/>
             <p:custDataLst>
-              <p:tags r:id="rId3"/>
+              <p:tags r:id="rId6"/>
             </p:custDataLst>
           </p:nvPr>
         </p:nvSpPr>
@@ -2957,6 +2963,7 @@
               <a:rPr lang="zh-CN" altLang="en-US" dirty="0"/>
               <a:t>单击编辑标题</a:t>
             </a:r>
+            <a:endParaRPr lang="zh-CN" altLang="en-US" dirty="0"/>
           </a:p>
         </p:txBody>
       </p:sp>
@@ -2969,7 +2976,7 @@
           <p:nvPr>
             <p:ph type="dt" sz="half" idx="10"/>
             <p:custDataLst>
-              <p:tags r:id="rId4"/>
+              <p:tags r:id="rId7"/>
             </p:custDataLst>
           </p:nvPr>
         </p:nvSpPr>
@@ -3000,8 +3007,6 @@
                   </a:srgbClr>
                 </a:solidFill>
               </a:rPr>
-              <a:pPr/>
-              <a:t>2020/3/8</a:t>
             </a:fld>
             <a:endParaRPr lang="zh-CN" altLang="en-US">
               <a:solidFill>
@@ -3022,7 +3027,7 @@
           <p:nvPr>
             <p:ph type="ftr" sz="quarter" idx="11"/>
             <p:custDataLst>
-              <p:tags r:id="rId5"/>
+              <p:tags r:id="rId8"/>
             </p:custDataLst>
           </p:nvPr>
         </p:nvSpPr>
@@ -3064,7 +3069,7 @@
           <p:nvPr>
             <p:ph type="sldNum" sz="quarter" idx="12"/>
             <p:custDataLst>
-              <p:tags r:id="rId6"/>
+              <p:tags r:id="rId9"/>
             </p:custDataLst>
           </p:nvPr>
         </p:nvSpPr>
@@ -3095,8 +3100,6 @@
                   </a:srgbClr>
                 </a:solidFill>
               </a:rPr>
-              <a:pPr/>
-              <a:t>‹#›</a:t>
             </a:fld>
             <a:endParaRPr lang="zh-CN" altLang="en-US" dirty="0">
               <a:solidFill>
@@ -3117,7 +3120,7 @@
           <p:nvPr>
             <p:ph type="body" sz="quarter" idx="13"/>
             <p:custDataLst>
-              <p:tags r:id="rId7"/>
+              <p:tags r:id="rId10"/>
             </p:custDataLst>
           </p:nvPr>
         </p:nvSpPr>
@@ -3184,6 +3187,7 @@
               <a:rPr lang="zh-CN" altLang="en-US" dirty="0"/>
               <a:t>单击此处编辑母版文本样式</a:t>
             </a:r>
+            <a:endParaRPr lang="zh-CN" altLang="en-US" dirty="0"/>
           </a:p>
           <a:p>
             <a:pPr lvl="1"/>
@@ -3191,6 +3195,7 @@
               <a:rPr lang="zh-CN" altLang="en-US" dirty="0"/>
               <a:t>第二级</a:t>
             </a:r>
+            <a:endParaRPr lang="zh-CN" altLang="en-US" dirty="0"/>
           </a:p>
           <a:p>
             <a:pPr lvl="2"/>
@@ -3198,6 +3203,7 @@
               <a:rPr lang="zh-CN" altLang="en-US" dirty="0"/>
               <a:t>第三级</a:t>
             </a:r>
+            <a:endParaRPr lang="zh-CN" altLang="en-US" dirty="0"/>
           </a:p>
           <a:p>
             <a:pPr lvl="3"/>
@@ -3205,6 +3211,7 @@
               <a:rPr lang="zh-CN" altLang="en-US" dirty="0"/>
               <a:t>第四级</a:t>
             </a:r>
+            <a:endParaRPr lang="zh-CN" altLang="en-US" dirty="0"/>
           </a:p>
           <a:p>
             <a:pPr lvl="4"/>
@@ -3212,6 +3219,7 @@
               <a:rPr lang="zh-CN" altLang="en-US" dirty="0"/>
               <a:t>第五级</a:t>
             </a:r>
+            <a:endParaRPr lang="zh-CN" altLang="en-US" dirty="0"/>
           </a:p>
         </p:txBody>
       </p:sp>
@@ -3224,7 +3232,7 @@
           <p:nvPr>
             <p:ph sz="quarter" idx="14"/>
             <p:custDataLst>
-              <p:tags r:id="rId8"/>
+              <p:tags r:id="rId11"/>
             </p:custDataLst>
           </p:nvPr>
         </p:nvSpPr>
@@ -3291,6 +3299,7 @@
               <a:rPr lang="zh-CN" altLang="en-US" dirty="0"/>
               <a:t>单击此处编辑母版文本样式</a:t>
             </a:r>
+            <a:endParaRPr lang="zh-CN" altLang="en-US" dirty="0"/>
           </a:p>
           <a:p>
             <a:pPr lvl="1"/>
@@ -3298,6 +3307,7 @@
               <a:rPr lang="zh-CN" altLang="en-US" dirty="0"/>
               <a:t>第二级</a:t>
             </a:r>
+            <a:endParaRPr lang="zh-CN" altLang="en-US" dirty="0"/>
           </a:p>
           <a:p>
             <a:pPr lvl="2"/>
@@ -3305,6 +3315,7 @@
               <a:rPr lang="zh-CN" altLang="en-US" dirty="0"/>
               <a:t>第三级</a:t>
             </a:r>
+            <a:endParaRPr lang="zh-CN" altLang="en-US" dirty="0"/>
           </a:p>
           <a:p>
             <a:pPr lvl="3"/>
@@ -3312,6 +3323,7 @@
               <a:rPr lang="zh-CN" altLang="en-US" dirty="0"/>
               <a:t>第四级</a:t>
             </a:r>
+            <a:endParaRPr lang="zh-CN" altLang="en-US" dirty="0"/>
           </a:p>
           <a:p>
             <a:pPr lvl="4"/>
@@ -3319,6 +3331,7 @@
               <a:rPr lang="zh-CN" altLang="en-US" dirty="0"/>
               <a:t>第五级</a:t>
             </a:r>
+            <a:endParaRPr lang="zh-CN" altLang="en-US" dirty="0"/>
           </a:p>
         </p:txBody>
       </p:sp>
@@ -3361,7 +3374,7 @@
           <p:cNvSpPr/>
           <p:nvPr userDrawn="1">
             <p:custDataLst>
-              <p:tags r:id="rId1"/>
+              <p:tags r:id="rId2"/>
             </p:custDataLst>
           </p:nvPr>
         </p:nvSpPr>
@@ -3384,7 +3397,7 @@
           <a:effectLst/>
           <a:extLst>
             <a:ext uri="{91240B29-F687-4F45-9708-019B960494DF}">
-              <a14:hiddenLine xmlns="" xmlns:a14="http://schemas.microsoft.com/office/drawing/2010/main" w="12700">
+              <a14:hiddenLine xmlns:a14="http://schemas.microsoft.com/office/drawing/2010/main" w="12700">
                 <a:solidFill>
                   <a:schemeClr val="accent1">
                     <a:shade val="50000"/>
@@ -3435,15 +3448,15 @@
           <p:cNvPicPr/>
           <p:nvPr userDrawn="1">
             <p:custDataLst>
-              <p:tags r:id="rId2"/>
+              <p:tags r:id="rId3"/>
             </p:custDataLst>
           </p:nvPr>
         </p:nvPicPr>
         <p:blipFill>
-          <a:blip r:embed="rId11" r:link="rId12" cstate="print">
+          <a:blip r:embed="rId4" r:link="rId5" cstate="print">
             <a:extLst>
               <a:ext uri="{28A0092B-C50C-407E-A947-70E740481C1C}">
-                <a14:useLocalDpi xmlns="" xmlns:a14="http://schemas.microsoft.com/office/drawing/2010/main" val="0"/>
+                <a14:useLocalDpi xmlns:a14="http://schemas.microsoft.com/office/drawing/2010/main" val="0"/>
               </a:ext>
             </a:extLst>
           </a:blip>
@@ -3467,15 +3480,15 @@
           <p:cNvPicPr/>
           <p:nvPr userDrawn="1">
             <p:custDataLst>
-              <p:tags r:id="rId3"/>
+              <p:tags r:id="rId6"/>
             </p:custDataLst>
           </p:nvPr>
         </p:nvPicPr>
         <p:blipFill>
-          <a:blip r:embed="rId13" r:link="rId14" cstate="print">
+          <a:blip r:embed="rId7" r:link="rId8" cstate="print">
             <a:extLst>
               <a:ext uri="{28A0092B-C50C-407E-A947-70E740481C1C}">
-                <a14:useLocalDpi xmlns="" xmlns:a14="http://schemas.microsoft.com/office/drawing/2010/main" val="0"/>
+                <a14:useLocalDpi xmlns:a14="http://schemas.microsoft.com/office/drawing/2010/main" val="0"/>
               </a:ext>
             </a:extLst>
           </a:blip>
@@ -3502,7 +3515,7 @@
           <p:nvPr>
             <p:ph type="title"/>
             <p:custDataLst>
-              <p:tags r:id="rId4"/>
+              <p:tags r:id="rId9"/>
             </p:custDataLst>
           </p:nvPr>
         </p:nvSpPr>
@@ -3532,6 +3545,7 @@
               <a:rPr lang="zh-CN" altLang="en-US"/>
               <a:t>单击此处编辑母版标题样式</a:t>
             </a:r>
+            <a:endParaRPr lang="zh-CN" altLang="en-US"/>
           </a:p>
         </p:txBody>
       </p:sp>
@@ -3544,7 +3558,7 @@
           <p:nvPr>
             <p:ph type="dt" sz="half" idx="10"/>
             <p:custDataLst>
-              <p:tags r:id="rId5"/>
+              <p:tags r:id="rId10"/>
             </p:custDataLst>
           </p:nvPr>
         </p:nvSpPr>
@@ -3575,8 +3589,6 @@
                   </a:srgbClr>
                 </a:solidFill>
               </a:rPr>
-              <a:pPr/>
-              <a:t>2020/3/8</a:t>
             </a:fld>
             <a:endParaRPr lang="zh-CN" altLang="en-US">
               <a:solidFill>
@@ -3597,7 +3609,7 @@
           <p:nvPr>
             <p:ph type="ftr" sz="quarter" idx="11"/>
             <p:custDataLst>
-              <p:tags r:id="rId6"/>
+              <p:tags r:id="rId11"/>
             </p:custDataLst>
           </p:nvPr>
         </p:nvSpPr>
@@ -3639,7 +3651,7 @@
           <p:nvPr>
             <p:ph type="sldNum" sz="quarter" idx="12"/>
             <p:custDataLst>
-              <p:tags r:id="rId7"/>
+              <p:tags r:id="rId12"/>
             </p:custDataLst>
           </p:nvPr>
         </p:nvSpPr>
@@ -3670,8 +3682,6 @@
                   </a:srgbClr>
                 </a:solidFill>
               </a:rPr>
-              <a:pPr/>
-              <a:t>‹#›</a:t>
             </a:fld>
             <a:endParaRPr lang="zh-CN" altLang="en-US" dirty="0">
               <a:solidFill>
@@ -3692,7 +3702,7 @@
           <p:nvPr>
             <p:ph type="body" sz="quarter" idx="13"/>
             <p:custDataLst>
-              <p:tags r:id="rId8"/>
+              <p:tags r:id="rId13"/>
             </p:custDataLst>
           </p:nvPr>
         </p:nvSpPr>
@@ -3723,6 +3733,7 @@
               <a:rPr lang="zh-CN" altLang="en-US" dirty="0"/>
               <a:t>单击此处编辑母版文本样式</a:t>
             </a:r>
+            <a:endParaRPr lang="zh-CN" altLang="en-US" dirty="0"/>
           </a:p>
         </p:txBody>
       </p:sp>
@@ -3735,7 +3746,7 @@
           <p:nvPr>
             <p:ph sz="quarter" idx="14"/>
             <p:custDataLst>
-              <p:tags r:id="rId9"/>
+              <p:tags r:id="rId14"/>
             </p:custDataLst>
           </p:nvPr>
         </p:nvSpPr>
@@ -3802,6 +3813,7 @@
               <a:rPr lang="zh-CN" altLang="en-US" dirty="0"/>
               <a:t>单击此处编辑母版文本样式</a:t>
             </a:r>
+            <a:endParaRPr lang="zh-CN" altLang="en-US" dirty="0"/>
           </a:p>
           <a:p>
             <a:pPr lvl="1"/>
@@ -3809,6 +3821,7 @@
               <a:rPr lang="zh-CN" altLang="en-US" dirty="0"/>
               <a:t>第二级</a:t>
             </a:r>
+            <a:endParaRPr lang="zh-CN" altLang="en-US" dirty="0"/>
           </a:p>
           <a:p>
             <a:pPr lvl="2"/>
@@ -3816,6 +3829,7 @@
               <a:rPr lang="zh-CN" altLang="en-US" dirty="0"/>
               <a:t>第三级</a:t>
             </a:r>
+            <a:endParaRPr lang="zh-CN" altLang="en-US" dirty="0"/>
           </a:p>
           <a:p>
             <a:pPr lvl="3"/>
@@ -3823,6 +3837,7 @@
               <a:rPr lang="zh-CN" altLang="en-US" dirty="0"/>
               <a:t>第四级</a:t>
             </a:r>
+            <a:endParaRPr lang="zh-CN" altLang="en-US" dirty="0"/>
           </a:p>
           <a:p>
             <a:pPr lvl="4"/>
@@ -3830,6 +3845,7 @@
               <a:rPr lang="zh-CN" altLang="en-US" dirty="0"/>
               <a:t>第五级</a:t>
             </a:r>
+            <a:endParaRPr lang="zh-CN" altLang="en-US" dirty="0"/>
           </a:p>
         </p:txBody>
       </p:sp>
@@ -3872,7 +3888,7 @@
           <p:cNvSpPr/>
           <p:nvPr userDrawn="1">
             <p:custDataLst>
-              <p:tags r:id="rId1"/>
+              <p:tags r:id="rId2"/>
             </p:custDataLst>
           </p:nvPr>
         </p:nvSpPr>
@@ -3895,7 +3911,7 @@
           <a:effectLst/>
           <a:extLst>
             <a:ext uri="{91240B29-F687-4F45-9708-019B960494DF}">
-              <a14:hiddenLine xmlns="" xmlns:a14="http://schemas.microsoft.com/office/drawing/2010/main" w="12700">
+              <a14:hiddenLine xmlns:a14="http://schemas.microsoft.com/office/drawing/2010/main" w="12700">
                 <a:solidFill>
                   <a:schemeClr val="accent1">
                     <a:shade val="50000"/>
@@ -3946,15 +3962,15 @@
           <p:cNvPicPr/>
           <p:nvPr userDrawn="1">
             <p:custDataLst>
-              <p:tags r:id="rId2"/>
+              <p:tags r:id="rId3"/>
             </p:custDataLst>
           </p:nvPr>
         </p:nvPicPr>
         <p:blipFill>
-          <a:blip r:embed="rId11" r:link="rId12" cstate="print">
+          <a:blip r:embed="rId4" r:link="rId5" cstate="print">
             <a:extLst>
               <a:ext uri="{28A0092B-C50C-407E-A947-70E740481C1C}">
-                <a14:useLocalDpi xmlns="" xmlns:a14="http://schemas.microsoft.com/office/drawing/2010/main" val="0"/>
+                <a14:useLocalDpi xmlns:a14="http://schemas.microsoft.com/office/drawing/2010/main" val="0"/>
               </a:ext>
             </a:extLst>
           </a:blip>
@@ -3978,15 +3994,15 @@
           <p:cNvPicPr/>
           <p:nvPr userDrawn="1">
             <p:custDataLst>
-              <p:tags r:id="rId3"/>
+              <p:tags r:id="rId6"/>
             </p:custDataLst>
           </p:nvPr>
         </p:nvPicPr>
         <p:blipFill>
-          <a:blip r:embed="rId13" r:link="rId14" cstate="print">
+          <a:blip r:embed="rId7" r:link="rId8" cstate="print">
             <a:extLst>
               <a:ext uri="{28A0092B-C50C-407E-A947-70E740481C1C}">
-                <a14:useLocalDpi xmlns="" xmlns:a14="http://schemas.microsoft.com/office/drawing/2010/main" val="0"/>
+                <a14:useLocalDpi xmlns:a14="http://schemas.microsoft.com/office/drawing/2010/main" val="0"/>
               </a:ext>
             </a:extLst>
           </a:blip>
@@ -4013,7 +4029,7 @@
           <p:nvPr>
             <p:ph type="title"/>
             <p:custDataLst>
-              <p:tags r:id="rId4"/>
+              <p:tags r:id="rId9"/>
             </p:custDataLst>
           </p:nvPr>
         </p:nvSpPr>
@@ -4043,6 +4059,7 @@
               <a:rPr lang="zh-CN" altLang="en-US" dirty="0"/>
               <a:t>单击此处编辑母版标题样式</a:t>
             </a:r>
+            <a:endParaRPr lang="zh-CN" altLang="en-US" dirty="0"/>
           </a:p>
         </p:txBody>
       </p:sp>
@@ -4055,7 +4072,7 @@
           <p:nvPr>
             <p:ph type="dt" sz="half" idx="10"/>
             <p:custDataLst>
-              <p:tags r:id="rId5"/>
+              <p:tags r:id="rId10"/>
             </p:custDataLst>
           </p:nvPr>
         </p:nvSpPr>
@@ -4086,8 +4103,6 @@
                   </a:srgbClr>
                 </a:solidFill>
               </a:rPr>
-              <a:pPr/>
-              <a:t>2020/3/8</a:t>
             </a:fld>
             <a:endParaRPr lang="zh-CN" altLang="en-US">
               <a:solidFill>
@@ -4108,7 +4123,7 @@
           <p:nvPr>
             <p:ph type="ftr" sz="quarter" idx="11"/>
             <p:custDataLst>
-              <p:tags r:id="rId6"/>
+              <p:tags r:id="rId11"/>
             </p:custDataLst>
           </p:nvPr>
         </p:nvSpPr>
@@ -4150,7 +4165,7 @@
           <p:nvPr>
             <p:ph type="sldNum" sz="quarter" idx="12"/>
             <p:custDataLst>
-              <p:tags r:id="rId7"/>
+              <p:tags r:id="rId12"/>
             </p:custDataLst>
           </p:nvPr>
         </p:nvSpPr>
@@ -4181,8 +4196,6 @@
                   </a:srgbClr>
                 </a:solidFill>
               </a:rPr>
-              <a:pPr/>
-              <a:t>‹#›</a:t>
             </a:fld>
             <a:endParaRPr lang="zh-CN" altLang="en-US" dirty="0">
               <a:solidFill>
@@ -4203,7 +4216,7 @@
           <p:nvPr>
             <p:ph sz="quarter" idx="13"/>
             <p:custDataLst>
-              <p:tags r:id="rId8"/>
+              <p:tags r:id="rId13"/>
             </p:custDataLst>
           </p:nvPr>
         </p:nvSpPr>
@@ -4270,6 +4283,7 @@
               <a:rPr lang="zh-CN" altLang="en-US" dirty="0"/>
               <a:t>单击此处编辑母版文本样式</a:t>
             </a:r>
+            <a:endParaRPr lang="zh-CN" altLang="en-US" dirty="0"/>
           </a:p>
           <a:p>
             <a:pPr lvl="1"/>
@@ -4277,6 +4291,7 @@
               <a:rPr lang="zh-CN" altLang="en-US" dirty="0"/>
               <a:t>第二级</a:t>
             </a:r>
+            <a:endParaRPr lang="zh-CN" altLang="en-US" dirty="0"/>
           </a:p>
           <a:p>
             <a:pPr lvl="2"/>
@@ -4284,6 +4299,7 @@
               <a:rPr lang="zh-CN" altLang="en-US" dirty="0"/>
               <a:t>第三级</a:t>
             </a:r>
+            <a:endParaRPr lang="zh-CN" altLang="en-US" dirty="0"/>
           </a:p>
           <a:p>
             <a:pPr lvl="3"/>
@@ -4291,6 +4307,7 @@
               <a:rPr lang="zh-CN" altLang="en-US" dirty="0"/>
               <a:t>第四级</a:t>
             </a:r>
+            <a:endParaRPr lang="zh-CN" altLang="en-US" dirty="0"/>
           </a:p>
           <a:p>
             <a:pPr lvl="4"/>
@@ -4298,6 +4315,7 @@
               <a:rPr lang="zh-CN" altLang="en-US" dirty="0"/>
               <a:t>第五级</a:t>
             </a:r>
+            <a:endParaRPr lang="zh-CN" altLang="en-US" dirty="0"/>
           </a:p>
         </p:txBody>
       </p:sp>
@@ -4310,7 +4328,7 @@
           <p:nvPr>
             <p:ph type="body" sz="quarter" idx="14"/>
             <p:custDataLst>
-              <p:tags r:id="rId9"/>
+              <p:tags r:id="rId14"/>
             </p:custDataLst>
           </p:nvPr>
         </p:nvSpPr>
@@ -4341,6 +4359,7 @@
               <a:rPr lang="zh-CN" altLang="en-US" dirty="0"/>
               <a:t>单击此处编辑母版文本样式</a:t>
             </a:r>
+            <a:endParaRPr lang="zh-CN" altLang="en-US" dirty="0"/>
           </a:p>
         </p:txBody>
       </p:sp>
@@ -4383,7 +4402,7 @@
           <p:cNvSpPr/>
           <p:nvPr userDrawn="1">
             <p:custDataLst>
-              <p:tags r:id="rId1"/>
+              <p:tags r:id="rId2"/>
             </p:custDataLst>
           </p:nvPr>
         </p:nvSpPr>
@@ -4406,7 +4425,7 @@
           <a:effectLst/>
           <a:extLst>
             <a:ext uri="{91240B29-F687-4F45-9708-019B960494DF}">
-              <a14:hiddenLine xmlns="" xmlns:a14="http://schemas.microsoft.com/office/drawing/2010/main" w="12700">
+              <a14:hiddenLine xmlns:a14="http://schemas.microsoft.com/office/drawing/2010/main" w="12700">
                 <a:solidFill>
                   <a:schemeClr val="accent1">
                     <a:shade val="50000"/>
@@ -4457,15 +4476,15 @@
           <p:cNvPicPr/>
           <p:nvPr userDrawn="1">
             <p:custDataLst>
-              <p:tags r:id="rId2"/>
+              <p:tags r:id="rId3"/>
             </p:custDataLst>
           </p:nvPr>
         </p:nvPicPr>
         <p:blipFill>
-          <a:blip r:embed="rId13" r:link="rId14" cstate="print">
+          <a:blip r:embed="rId4" r:link="rId5" cstate="print">
             <a:extLst>
               <a:ext uri="{28A0092B-C50C-407E-A947-70E740481C1C}">
-                <a14:useLocalDpi xmlns="" xmlns:a14="http://schemas.microsoft.com/office/drawing/2010/main" val="0"/>
+                <a14:useLocalDpi xmlns:a14="http://schemas.microsoft.com/office/drawing/2010/main" val="0"/>
               </a:ext>
             </a:extLst>
           </a:blip>
@@ -4489,15 +4508,15 @@
           <p:cNvPicPr/>
           <p:nvPr userDrawn="1">
             <p:custDataLst>
-              <p:tags r:id="rId3"/>
+              <p:tags r:id="rId6"/>
             </p:custDataLst>
           </p:nvPr>
         </p:nvPicPr>
         <p:blipFill>
-          <a:blip r:embed="rId15" r:link="rId16" cstate="print">
+          <a:blip r:embed="rId7" r:link="rId8" cstate="print">
             <a:extLst>
               <a:ext uri="{28A0092B-C50C-407E-A947-70E740481C1C}">
-                <a14:useLocalDpi xmlns="" xmlns:a14="http://schemas.microsoft.com/office/drawing/2010/main" val="0"/>
+                <a14:useLocalDpi xmlns:a14="http://schemas.microsoft.com/office/drawing/2010/main" val="0"/>
               </a:ext>
             </a:extLst>
           </a:blip>
@@ -4524,7 +4543,7 @@
           <p:nvPr>
             <p:ph type="title"/>
             <p:custDataLst>
-              <p:tags r:id="rId4"/>
+              <p:tags r:id="rId9"/>
             </p:custDataLst>
           </p:nvPr>
         </p:nvSpPr>
@@ -4554,6 +4573,7 @@
               <a:rPr lang="zh-CN" altLang="en-US" dirty="0"/>
               <a:t>单击此处编辑母版标题样式</a:t>
             </a:r>
+            <a:endParaRPr lang="zh-CN" altLang="en-US" dirty="0"/>
           </a:p>
         </p:txBody>
       </p:sp>
@@ -4566,7 +4586,7 @@
           <p:nvPr>
             <p:ph type="dt" sz="half" idx="10"/>
             <p:custDataLst>
-              <p:tags r:id="rId5"/>
+              <p:tags r:id="rId10"/>
             </p:custDataLst>
           </p:nvPr>
         </p:nvSpPr>
@@ -4597,8 +4617,6 @@
                   </a:srgbClr>
                 </a:solidFill>
               </a:rPr>
-              <a:pPr/>
-              <a:t>2020/3/8</a:t>
             </a:fld>
             <a:endParaRPr lang="zh-CN" altLang="en-US">
               <a:solidFill>
@@ -4619,7 +4637,7 @@
           <p:nvPr>
             <p:ph type="ftr" sz="quarter" idx="11"/>
             <p:custDataLst>
-              <p:tags r:id="rId6"/>
+              <p:tags r:id="rId11"/>
             </p:custDataLst>
           </p:nvPr>
         </p:nvSpPr>
@@ -4661,7 +4679,7 @@
           <p:nvPr>
             <p:ph type="sldNum" sz="quarter" idx="12"/>
             <p:custDataLst>
-              <p:tags r:id="rId7"/>
+              <p:tags r:id="rId12"/>
             </p:custDataLst>
           </p:nvPr>
         </p:nvSpPr>
@@ -4692,8 +4710,6 @@
                   </a:srgbClr>
                 </a:solidFill>
               </a:rPr>
-              <a:pPr/>
-              <a:t>‹#›</a:t>
             </a:fld>
             <a:endParaRPr lang="zh-CN" altLang="en-US" dirty="0">
               <a:solidFill>
@@ -4714,7 +4730,7 @@
           <p:nvPr>
             <p:ph sz="quarter" idx="13"/>
             <p:custDataLst>
-              <p:tags r:id="rId8"/>
+              <p:tags r:id="rId13"/>
             </p:custDataLst>
           </p:nvPr>
         </p:nvSpPr>
@@ -4781,6 +4797,7 @@
               <a:rPr lang="zh-CN" altLang="en-US" dirty="0"/>
               <a:t>单击此处编辑母版文本样式</a:t>
             </a:r>
+            <a:endParaRPr lang="zh-CN" altLang="en-US" dirty="0"/>
           </a:p>
           <a:p>
             <a:pPr lvl="1"/>
@@ -4788,6 +4805,7 @@
               <a:rPr lang="zh-CN" altLang="en-US" dirty="0"/>
               <a:t>第二级</a:t>
             </a:r>
+            <a:endParaRPr lang="zh-CN" altLang="en-US" dirty="0"/>
           </a:p>
           <a:p>
             <a:pPr lvl="2"/>
@@ -4795,6 +4813,7 @@
               <a:rPr lang="zh-CN" altLang="en-US" dirty="0"/>
               <a:t>第三级</a:t>
             </a:r>
+            <a:endParaRPr lang="zh-CN" altLang="en-US" dirty="0"/>
           </a:p>
           <a:p>
             <a:pPr lvl="3"/>
@@ -4802,6 +4821,7 @@
               <a:rPr lang="zh-CN" altLang="en-US" dirty="0"/>
               <a:t>第四级</a:t>
             </a:r>
+            <a:endParaRPr lang="zh-CN" altLang="en-US" dirty="0"/>
           </a:p>
           <a:p>
             <a:pPr lvl="4"/>
@@ -4809,6 +4829,7 @@
               <a:rPr lang="zh-CN" altLang="en-US" dirty="0"/>
               <a:t>第五级</a:t>
             </a:r>
+            <a:endParaRPr lang="zh-CN" altLang="en-US" dirty="0"/>
           </a:p>
         </p:txBody>
       </p:sp>
@@ -4821,7 +4842,7 @@
           <p:nvPr>
             <p:ph sz="quarter" idx="14"/>
             <p:custDataLst>
-              <p:tags r:id="rId9"/>
+              <p:tags r:id="rId14"/>
             </p:custDataLst>
           </p:nvPr>
         </p:nvSpPr>
@@ -4888,6 +4909,7 @@
               <a:rPr lang="zh-CN" altLang="en-US" dirty="0"/>
               <a:t>单击此处编辑母版文本样式</a:t>
             </a:r>
+            <a:endParaRPr lang="zh-CN" altLang="en-US" dirty="0"/>
           </a:p>
           <a:p>
             <a:pPr lvl="1"/>
@@ -4895,6 +4917,7 @@
               <a:rPr lang="zh-CN" altLang="en-US" dirty="0"/>
               <a:t>第二级</a:t>
             </a:r>
+            <a:endParaRPr lang="zh-CN" altLang="en-US" dirty="0"/>
           </a:p>
           <a:p>
             <a:pPr lvl="2"/>
@@ -4902,6 +4925,7 @@
               <a:rPr lang="zh-CN" altLang="en-US" dirty="0"/>
               <a:t>第三级</a:t>
             </a:r>
+            <a:endParaRPr lang="zh-CN" altLang="en-US" dirty="0"/>
           </a:p>
           <a:p>
             <a:pPr lvl="3"/>
@@ -4909,6 +4933,7 @@
               <a:rPr lang="zh-CN" altLang="en-US" dirty="0"/>
               <a:t>第四级</a:t>
             </a:r>
+            <a:endParaRPr lang="zh-CN" altLang="en-US" dirty="0"/>
           </a:p>
           <a:p>
             <a:pPr lvl="4"/>
@@ -4916,6 +4941,7 @@
               <a:rPr lang="zh-CN" altLang="en-US" dirty="0"/>
               <a:t>第五级</a:t>
             </a:r>
+            <a:endParaRPr lang="zh-CN" altLang="en-US" dirty="0"/>
           </a:p>
         </p:txBody>
       </p:sp>
@@ -4928,7 +4954,7 @@
           <p:nvPr>
             <p:ph type="body" sz="quarter" idx="15"/>
             <p:custDataLst>
-              <p:tags r:id="rId10"/>
+              <p:tags r:id="rId15"/>
             </p:custDataLst>
           </p:nvPr>
         </p:nvSpPr>
@@ -4959,6 +4985,7 @@
               <a:rPr lang="zh-CN" altLang="en-US" dirty="0"/>
               <a:t>单击此处编辑母版文本样式</a:t>
             </a:r>
+            <a:endParaRPr lang="zh-CN" altLang="en-US" dirty="0"/>
           </a:p>
         </p:txBody>
       </p:sp>
@@ -4971,7 +4998,7 @@
           <p:nvPr>
             <p:ph type="body" sz="quarter" idx="16"/>
             <p:custDataLst>
-              <p:tags r:id="rId11"/>
+              <p:tags r:id="rId16"/>
             </p:custDataLst>
           </p:nvPr>
         </p:nvSpPr>
@@ -5002,6 +5029,7 @@
               <a:rPr lang="zh-CN" altLang="en-US" dirty="0"/>
               <a:t>单击此处编辑母版文本样式</a:t>
             </a:r>
+            <a:endParaRPr lang="zh-CN" altLang="en-US" dirty="0"/>
           </a:p>
         </p:txBody>
       </p:sp>
@@ -5044,7 +5072,7 @@
           <p:cNvSpPr/>
           <p:nvPr userDrawn="1">
             <p:custDataLst>
-              <p:tags r:id="rId1"/>
+              <p:tags r:id="rId2"/>
             </p:custDataLst>
           </p:nvPr>
         </p:nvSpPr>
@@ -5067,7 +5095,7 @@
           <a:effectLst/>
           <a:extLst>
             <a:ext uri="{91240B29-F687-4F45-9708-019B960494DF}">
-              <a14:hiddenLine xmlns="" xmlns:a14="http://schemas.microsoft.com/office/drawing/2010/main" w="12700">
+              <a14:hiddenLine xmlns:a14="http://schemas.microsoft.com/office/drawing/2010/main" w="12700">
                 <a:solidFill>
                   <a:schemeClr val="accent1">
                     <a:shade val="50000"/>
@@ -5118,15 +5146,15 @@
           <p:cNvPicPr/>
           <p:nvPr userDrawn="1">
             <p:custDataLst>
-              <p:tags r:id="rId2"/>
+              <p:tags r:id="rId3"/>
             </p:custDataLst>
           </p:nvPr>
         </p:nvPicPr>
         <p:blipFill>
-          <a:blip r:embed="rId10" r:link="rId11" cstate="print">
+          <a:blip r:embed="rId4" r:link="rId5" cstate="print">
             <a:extLst>
               <a:ext uri="{28A0092B-C50C-407E-A947-70E740481C1C}">
-                <a14:useLocalDpi xmlns="" xmlns:a14="http://schemas.microsoft.com/office/drawing/2010/main" val="0"/>
+                <a14:useLocalDpi xmlns:a14="http://schemas.microsoft.com/office/drawing/2010/main" val="0"/>
               </a:ext>
             </a:extLst>
           </a:blip>
@@ -5150,15 +5178,15 @@
           <p:cNvPicPr/>
           <p:nvPr userDrawn="1">
             <p:custDataLst>
-              <p:tags r:id="rId3"/>
+              <p:tags r:id="rId6"/>
             </p:custDataLst>
           </p:nvPr>
         </p:nvPicPr>
         <p:blipFill>
-          <a:blip r:embed="rId12" r:link="rId13" cstate="print">
+          <a:blip r:embed="rId7" r:link="rId8" cstate="print">
             <a:extLst>
               <a:ext uri="{28A0092B-C50C-407E-A947-70E740481C1C}">
-                <a14:useLocalDpi xmlns="" xmlns:a14="http://schemas.microsoft.com/office/drawing/2010/main" val="0"/>
+                <a14:useLocalDpi xmlns:a14="http://schemas.microsoft.com/office/drawing/2010/main" val="0"/>
               </a:ext>
             </a:extLst>
           </a:blip>
@@ -5185,7 +5213,7 @@
           <p:nvPr>
             <p:ph type="title" hasCustomPrompt="1"/>
             <p:custDataLst>
-              <p:tags r:id="rId4"/>
+              <p:tags r:id="rId9"/>
             </p:custDataLst>
           </p:nvPr>
         </p:nvSpPr>
@@ -5215,6 +5243,7 @@
               <a:rPr lang="zh-CN" altLang="en-US" dirty="0"/>
               <a:t>单击此处编辑标题</a:t>
             </a:r>
+            <a:endParaRPr lang="zh-CN" altLang="en-US" dirty="0"/>
           </a:p>
         </p:txBody>
       </p:sp>
@@ -5227,7 +5256,7 @@
           <p:nvPr>
             <p:ph type="dt" sz="half" idx="10"/>
             <p:custDataLst>
-              <p:tags r:id="rId5"/>
+              <p:tags r:id="rId10"/>
             </p:custDataLst>
           </p:nvPr>
         </p:nvSpPr>
@@ -5258,8 +5287,6 @@
                   </a:srgbClr>
                 </a:solidFill>
               </a:rPr>
-              <a:pPr/>
-              <a:t>2020/3/8</a:t>
             </a:fld>
             <a:endParaRPr lang="zh-CN" altLang="en-US">
               <a:solidFill>
@@ -5280,7 +5307,7 @@
           <p:nvPr>
             <p:ph type="ftr" sz="quarter" idx="11"/>
             <p:custDataLst>
-              <p:tags r:id="rId6"/>
+              <p:tags r:id="rId11"/>
             </p:custDataLst>
           </p:nvPr>
         </p:nvSpPr>
@@ -5322,7 +5349,7 @@
           <p:nvPr>
             <p:ph type="sldNum" sz="quarter" idx="12"/>
             <p:custDataLst>
-              <p:tags r:id="rId7"/>
+              <p:tags r:id="rId12"/>
             </p:custDataLst>
           </p:nvPr>
         </p:nvSpPr>
@@ -5353,8 +5380,6 @@
                   </a:srgbClr>
                 </a:solidFill>
               </a:rPr>
-              <a:pPr/>
-              <a:t>‹#›</a:t>
             </a:fld>
             <a:endParaRPr lang="zh-CN" altLang="en-US" dirty="0">
               <a:solidFill>
@@ -5375,7 +5400,7 @@
           <p:nvPr>
             <p:ph type="body" sz="quarter" idx="13"/>
             <p:custDataLst>
-              <p:tags r:id="rId8"/>
+              <p:tags r:id="rId13"/>
             </p:custDataLst>
           </p:nvPr>
         </p:nvSpPr>
@@ -5406,6 +5431,7 @@
               <a:rPr lang="zh-CN" altLang="en-US" dirty="0"/>
               <a:t>单击此处编辑母版文本样式</a:t>
             </a:r>
+            <a:endParaRPr lang="zh-CN" altLang="en-US" dirty="0"/>
           </a:p>
         </p:txBody>
       </p:sp>
@@ -5448,15 +5474,15 @@
           <p:cNvPicPr/>
           <p:nvPr userDrawn="1">
             <p:custDataLst>
-              <p:tags r:id="rId1"/>
+              <p:tags r:id="rId2"/>
             </p:custDataLst>
           </p:nvPr>
         </p:nvPicPr>
         <p:blipFill>
-          <a:blip r:embed="rId9" r:link="rId10" cstate="print">
+          <a:blip r:embed="rId3" r:link="rId4" cstate="print">
             <a:extLst>
               <a:ext uri="{28A0092B-C50C-407E-A947-70E740481C1C}">
-                <a14:useLocalDpi xmlns="" xmlns:a14="http://schemas.microsoft.com/office/drawing/2010/main" val="0"/>
+                <a14:useLocalDpi xmlns:a14="http://schemas.microsoft.com/office/drawing/2010/main" val="0"/>
               </a:ext>
             </a:extLst>
           </a:blip>
@@ -5480,15 +5506,15 @@
           <p:cNvPicPr/>
           <p:nvPr userDrawn="1">
             <p:custDataLst>
-              <p:tags r:id="rId2"/>
+              <p:tags r:id="rId5"/>
             </p:custDataLst>
           </p:nvPr>
         </p:nvPicPr>
         <p:blipFill>
-          <a:blip r:embed="rId11" r:link="rId12" cstate="print">
+          <a:blip r:embed="rId6" r:link="rId7" cstate="print">
             <a:extLst>
               <a:ext uri="{28A0092B-C50C-407E-A947-70E740481C1C}">
-                <a14:useLocalDpi xmlns="" xmlns:a14="http://schemas.microsoft.com/office/drawing/2010/main" val="0"/>
+                <a14:useLocalDpi xmlns:a14="http://schemas.microsoft.com/office/drawing/2010/main" val="0"/>
               </a:ext>
             </a:extLst>
           </a:blip>
@@ -5515,7 +5541,7 @@
           <p:nvPr>
             <p:ph type="title"/>
             <p:custDataLst>
-              <p:tags r:id="rId3"/>
+              <p:tags r:id="rId8"/>
             </p:custDataLst>
           </p:nvPr>
         </p:nvSpPr>
@@ -5555,6 +5581,9 @@
               </a:rPr>
               <a:t>单击此处编辑母版标题样式</a:t>
             </a:r>
+            <a:endParaRPr dirty="0">
+              <a:sym typeface="+mn-ea"/>
+            </a:endParaRPr>
           </a:p>
         </p:txBody>
       </p:sp>
@@ -5567,7 +5596,7 @@
           <p:nvPr>
             <p:ph idx="1"/>
             <p:custDataLst>
-              <p:tags r:id="rId4"/>
+              <p:tags r:id="rId9"/>
             </p:custDataLst>
           </p:nvPr>
         </p:nvSpPr>
@@ -5709,6 +5738,9 @@
               </a:rPr>
               <a:t>单击此处编辑母版文本样式</a:t>
             </a:r>
+            <a:endParaRPr dirty="0">
+              <a:sym typeface="+mn-ea"/>
+            </a:endParaRPr>
           </a:p>
           <a:p>
             <a:pPr lvl="1"/>
@@ -5718,6 +5750,9 @@
               </a:rPr>
               <a:t>第二级</a:t>
             </a:r>
+            <a:endParaRPr dirty="0">
+              <a:sym typeface="+mn-ea"/>
+            </a:endParaRPr>
           </a:p>
           <a:p>
             <a:pPr lvl="2"/>
@@ -5727,6 +5762,9 @@
               </a:rPr>
               <a:t>第三级</a:t>
             </a:r>
+            <a:endParaRPr dirty="0">
+              <a:sym typeface="+mn-ea"/>
+            </a:endParaRPr>
           </a:p>
           <a:p>
             <a:pPr lvl="3"/>
@@ -5736,6 +5774,9 @@
               </a:rPr>
               <a:t>第四级</a:t>
             </a:r>
+            <a:endParaRPr dirty="0">
+              <a:sym typeface="+mn-ea"/>
+            </a:endParaRPr>
           </a:p>
           <a:p>
             <a:pPr lvl="4"/>
@@ -5745,6 +5786,9 @@
               </a:rPr>
               <a:t>第五级</a:t>
             </a:r>
+            <a:endParaRPr dirty="0">
+              <a:sym typeface="+mn-ea"/>
+            </a:endParaRPr>
           </a:p>
         </p:txBody>
       </p:sp>
@@ -5757,7 +5801,7 @@
           <p:nvPr>
             <p:ph type="dt" sz="half" idx="10"/>
             <p:custDataLst>
-              <p:tags r:id="rId5"/>
+              <p:tags r:id="rId10"/>
             </p:custDataLst>
           </p:nvPr>
         </p:nvSpPr>
@@ -5788,8 +5832,6 @@
                   </a:srgbClr>
                 </a:solidFill>
               </a:rPr>
-              <a:pPr/>
-              <a:t>2020/3/8</a:t>
             </a:fld>
             <a:endParaRPr lang="zh-CN" altLang="en-US">
               <a:solidFill>
@@ -5810,7 +5852,7 @@
           <p:nvPr>
             <p:ph type="ftr" sz="quarter" idx="11"/>
             <p:custDataLst>
-              <p:tags r:id="rId6"/>
+              <p:tags r:id="rId11"/>
             </p:custDataLst>
           </p:nvPr>
         </p:nvSpPr>
@@ -5852,7 +5894,7 @@
           <p:nvPr>
             <p:ph type="sldNum" sz="quarter" idx="12"/>
             <p:custDataLst>
-              <p:tags r:id="rId7"/>
+              <p:tags r:id="rId12"/>
             </p:custDataLst>
           </p:nvPr>
         </p:nvSpPr>
@@ -5883,8 +5925,6 @@
                   </a:srgbClr>
                 </a:solidFill>
               </a:rPr>
-              <a:pPr/>
-              <a:t>‹#›</a:t>
             </a:fld>
             <a:endParaRPr lang="zh-CN" altLang="en-US">
               <a:solidFill>
@@ -5935,15 +5975,15 @@
           <p:cNvPicPr/>
           <p:nvPr userDrawn="1">
             <p:custDataLst>
-              <p:tags r:id="rId1"/>
+              <p:tags r:id="rId2"/>
             </p:custDataLst>
           </p:nvPr>
         </p:nvPicPr>
         <p:blipFill>
-          <a:blip r:embed="rId7" r:link="rId8" cstate="print">
+          <a:blip r:embed="rId3" r:link="rId4" cstate="print">
             <a:extLst>
               <a:ext uri="{28A0092B-C50C-407E-A947-70E740481C1C}">
-                <a14:useLocalDpi xmlns="" xmlns:a14="http://schemas.microsoft.com/office/drawing/2010/main" val="0"/>
+                <a14:useLocalDpi xmlns:a14="http://schemas.microsoft.com/office/drawing/2010/main" val="0"/>
               </a:ext>
             </a:extLst>
           </a:blip>
@@ -5970,7 +6010,7 @@
           <p:nvPr>
             <p:ph type="dt" sz="half" idx="10"/>
             <p:custDataLst>
-              <p:tags r:id="rId2"/>
+              <p:tags r:id="rId5"/>
             </p:custDataLst>
           </p:nvPr>
         </p:nvSpPr>
@@ -6001,8 +6041,6 @@
                   </a:srgbClr>
                 </a:solidFill>
               </a:rPr>
-              <a:pPr/>
-              <a:t>2020/3/8</a:t>
             </a:fld>
             <a:endParaRPr lang="zh-CN" altLang="en-US">
               <a:solidFill>
@@ -6023,7 +6061,7 @@
           <p:nvPr>
             <p:ph type="ftr" sz="quarter" idx="11"/>
             <p:custDataLst>
-              <p:tags r:id="rId3"/>
+              <p:tags r:id="rId6"/>
             </p:custDataLst>
           </p:nvPr>
         </p:nvSpPr>
@@ -6065,7 +6103,7 @@
           <p:nvPr>
             <p:ph type="sldNum" sz="quarter" idx="12"/>
             <p:custDataLst>
-              <p:tags r:id="rId4"/>
+              <p:tags r:id="rId7"/>
             </p:custDataLst>
           </p:nvPr>
         </p:nvSpPr>
@@ -6096,8 +6134,6 @@
                   </a:srgbClr>
                 </a:solidFill>
               </a:rPr>
-              <a:pPr/>
-              <a:t>‹#›</a:t>
             </a:fld>
             <a:endParaRPr lang="zh-CN" altLang="en-US">
               <a:solidFill>
@@ -6118,7 +6154,7 @@
           <p:nvPr>
             <p:ph type="ctrTitle" idx="13" hasCustomPrompt="1"/>
             <p:custDataLst>
-              <p:tags r:id="rId5"/>
+              <p:tags r:id="rId8"/>
             </p:custDataLst>
           </p:nvPr>
         </p:nvSpPr>
@@ -6161,6 +6197,7 @@
               <a:rPr lang="zh-CN" altLang="en-US"/>
               <a:t>编辑标题</a:t>
             </a:r>
+            <a:endParaRPr lang="zh-CN" altLang="en-US"/>
           </a:p>
         </p:txBody>
       </p:sp>
@@ -6203,15 +6240,15 @@
           <p:cNvPicPr/>
           <p:nvPr userDrawn="1">
             <p:custDataLst>
-              <p:tags r:id="rId1"/>
+              <p:tags r:id="rId2"/>
             </p:custDataLst>
           </p:nvPr>
         </p:nvPicPr>
         <p:blipFill>
-          <a:blip r:embed="rId10" r:link="rId11" cstate="print">
+          <a:blip r:embed="rId3" r:link="rId4" cstate="print">
             <a:extLst>
               <a:ext uri="{28A0092B-C50C-407E-A947-70E740481C1C}">
-                <a14:useLocalDpi xmlns="" xmlns:a14="http://schemas.microsoft.com/office/drawing/2010/main" val="0"/>
+                <a14:useLocalDpi xmlns:a14="http://schemas.microsoft.com/office/drawing/2010/main" val="0"/>
               </a:ext>
             </a:extLst>
           </a:blip>
@@ -6235,15 +6272,15 @@
           <p:cNvPicPr/>
           <p:nvPr userDrawn="1">
             <p:custDataLst>
-              <p:tags r:id="rId2"/>
+              <p:tags r:id="rId5"/>
             </p:custDataLst>
           </p:nvPr>
         </p:nvPicPr>
         <p:blipFill>
-          <a:blip r:embed="rId12" r:link="rId13" cstate="print">
+          <a:blip r:embed="rId6" r:link="rId7" cstate="print">
             <a:extLst>
               <a:ext uri="{28A0092B-C50C-407E-A947-70E740481C1C}">
-                <a14:useLocalDpi xmlns="" xmlns:a14="http://schemas.microsoft.com/office/drawing/2010/main" val="0"/>
+                <a14:useLocalDpi xmlns:a14="http://schemas.microsoft.com/office/drawing/2010/main" val="0"/>
               </a:ext>
             </a:extLst>
           </a:blip>
@@ -6270,7 +6307,7 @@
           <p:nvPr>
             <p:ph type="title"/>
             <p:custDataLst>
-              <p:tags r:id="rId3"/>
+              <p:tags r:id="rId8"/>
             </p:custDataLst>
           </p:nvPr>
         </p:nvSpPr>
@@ -6310,6 +6347,9 @@
               </a:rPr>
               <a:t>单击此处编辑母版标题样式</a:t>
             </a:r>
+            <a:endParaRPr>
+              <a:sym typeface="+mn-ea"/>
+            </a:endParaRPr>
           </a:p>
         </p:txBody>
       </p:sp>
@@ -6322,7 +6362,7 @@
           <p:nvPr>
             <p:ph sz="half" idx="1"/>
             <p:custDataLst>
-              <p:tags r:id="rId4"/>
+              <p:tags r:id="rId9"/>
             </p:custDataLst>
           </p:nvPr>
         </p:nvSpPr>
@@ -6464,6 +6504,9 @@
               </a:rPr>
               <a:t>单击此处编辑母版文本样式</a:t>
             </a:r>
+            <a:endParaRPr>
+              <a:sym typeface="+mn-ea"/>
+            </a:endParaRPr>
           </a:p>
           <a:p>
             <a:pPr lvl="1"/>
@@ -6473,6 +6516,9 @@
               </a:rPr>
               <a:t>第二级</a:t>
             </a:r>
+            <a:endParaRPr>
+              <a:sym typeface="+mn-ea"/>
+            </a:endParaRPr>
           </a:p>
           <a:p>
             <a:pPr lvl="2"/>
@@ -6482,6 +6528,9 @@
               </a:rPr>
               <a:t>第三级</a:t>
             </a:r>
+            <a:endParaRPr>
+              <a:sym typeface="+mn-ea"/>
+            </a:endParaRPr>
           </a:p>
           <a:p>
             <a:pPr lvl="3"/>
@@ -6491,6 +6540,9 @@
               </a:rPr>
               <a:t>第四级</a:t>
             </a:r>
+            <a:endParaRPr>
+              <a:sym typeface="+mn-ea"/>
+            </a:endParaRPr>
           </a:p>
           <a:p>
             <a:pPr lvl="4"/>
@@ -6500,6 +6552,9 @@
               </a:rPr>
               <a:t>第五级</a:t>
             </a:r>
+            <a:endParaRPr>
+              <a:sym typeface="+mn-ea"/>
+            </a:endParaRPr>
           </a:p>
         </p:txBody>
       </p:sp>
@@ -6512,7 +6567,7 @@
           <p:nvPr>
             <p:ph sz="half" idx="2"/>
             <p:custDataLst>
-              <p:tags r:id="rId5"/>
+              <p:tags r:id="rId10"/>
             </p:custDataLst>
           </p:nvPr>
         </p:nvSpPr>
@@ -6579,6 +6634,7 @@
               <a:rPr lang="zh-CN" altLang="en-US" dirty="0"/>
               <a:t>单击此处编辑母版文本样式</a:t>
             </a:r>
+            <a:endParaRPr lang="zh-CN" altLang="en-US" dirty="0"/>
           </a:p>
           <a:p>
             <a:pPr lvl="1"/>
@@ -6586,6 +6642,7 @@
               <a:rPr lang="zh-CN" altLang="en-US" dirty="0"/>
               <a:t>第二级</a:t>
             </a:r>
+            <a:endParaRPr lang="zh-CN" altLang="en-US" dirty="0"/>
           </a:p>
           <a:p>
             <a:pPr lvl="2"/>
@@ -6593,6 +6650,7 @@
               <a:rPr lang="zh-CN" altLang="en-US" dirty="0"/>
               <a:t>第三级</a:t>
             </a:r>
+            <a:endParaRPr lang="zh-CN" altLang="en-US" dirty="0"/>
           </a:p>
           <a:p>
             <a:pPr lvl="3"/>
@@ -6600,6 +6658,7 @@
               <a:rPr lang="zh-CN" altLang="en-US" dirty="0"/>
               <a:t>第四级</a:t>
             </a:r>
+            <a:endParaRPr lang="zh-CN" altLang="en-US" dirty="0"/>
           </a:p>
           <a:p>
             <a:pPr lvl="4"/>
@@ -6607,6 +6666,7 @@
               <a:rPr lang="zh-CN" altLang="en-US" dirty="0"/>
               <a:t>第五级</a:t>
             </a:r>
+            <a:endParaRPr lang="zh-CN" altLang="en-US" dirty="0"/>
           </a:p>
         </p:txBody>
       </p:sp>
@@ -6619,7 +6679,7 @@
           <p:nvPr>
             <p:ph type="dt" sz="half" idx="10"/>
             <p:custDataLst>
-              <p:tags r:id="rId6"/>
+              <p:tags r:id="rId11"/>
             </p:custDataLst>
           </p:nvPr>
         </p:nvSpPr>
@@ -6650,8 +6710,6 @@
                   </a:srgbClr>
                 </a:solidFill>
               </a:rPr>
-              <a:pPr/>
-              <a:t>2020/3/8</a:t>
             </a:fld>
             <a:endParaRPr lang="zh-CN" altLang="en-US">
               <a:solidFill>
@@ -6672,7 +6730,7 @@
           <p:nvPr>
             <p:ph type="ftr" sz="quarter" idx="11"/>
             <p:custDataLst>
-              <p:tags r:id="rId7"/>
+              <p:tags r:id="rId12"/>
             </p:custDataLst>
           </p:nvPr>
         </p:nvSpPr>
@@ -6714,7 +6772,7 @@
           <p:nvPr>
             <p:ph type="sldNum" sz="quarter" idx="12"/>
             <p:custDataLst>
-              <p:tags r:id="rId8"/>
+              <p:tags r:id="rId13"/>
             </p:custDataLst>
           </p:nvPr>
         </p:nvSpPr>
@@ -6745,8 +6803,6 @@
                   </a:srgbClr>
                 </a:solidFill>
               </a:rPr>
-              <a:pPr/>
-              <a:t>‹#›</a:t>
             </a:fld>
             <a:endParaRPr lang="zh-CN" altLang="en-US">
               <a:solidFill>
@@ -6797,15 +6853,15 @@
           <p:cNvPicPr/>
           <p:nvPr userDrawn="1">
             <p:custDataLst>
-              <p:tags r:id="rId1"/>
+              <p:tags r:id="rId2"/>
             </p:custDataLst>
           </p:nvPr>
         </p:nvPicPr>
         <p:blipFill>
-          <a:blip r:embed="rId12" r:link="rId13" cstate="print">
+          <a:blip r:embed="rId3" r:link="rId4" cstate="print">
             <a:extLst>
               <a:ext uri="{28A0092B-C50C-407E-A947-70E740481C1C}">
-                <a14:useLocalDpi xmlns="" xmlns:a14="http://schemas.microsoft.com/office/drawing/2010/main" val="0"/>
+                <a14:useLocalDpi xmlns:a14="http://schemas.microsoft.com/office/drawing/2010/main" val="0"/>
               </a:ext>
             </a:extLst>
           </a:blip>
@@ -6829,15 +6885,15 @@
           <p:cNvPicPr/>
           <p:nvPr userDrawn="1">
             <p:custDataLst>
-              <p:tags r:id="rId2"/>
+              <p:tags r:id="rId5"/>
             </p:custDataLst>
           </p:nvPr>
         </p:nvPicPr>
         <p:blipFill>
-          <a:blip r:embed="rId14" r:link="rId15" cstate="print">
+          <a:blip r:embed="rId6" r:link="rId7" cstate="print">
             <a:extLst>
               <a:ext uri="{28A0092B-C50C-407E-A947-70E740481C1C}">
-                <a14:useLocalDpi xmlns="" xmlns:a14="http://schemas.microsoft.com/office/drawing/2010/main" val="0"/>
+                <a14:useLocalDpi xmlns:a14="http://schemas.microsoft.com/office/drawing/2010/main" val="0"/>
               </a:ext>
             </a:extLst>
           </a:blip>
@@ -6864,7 +6920,7 @@
           <p:nvPr>
             <p:ph type="title"/>
             <p:custDataLst>
-              <p:tags r:id="rId3"/>
+              <p:tags r:id="rId8"/>
             </p:custDataLst>
           </p:nvPr>
         </p:nvSpPr>
@@ -6904,6 +6960,9 @@
               </a:rPr>
               <a:t>单击此处编辑母版标题样式</a:t>
             </a:r>
+            <a:endParaRPr dirty="0">
+              <a:sym typeface="+mn-ea"/>
+            </a:endParaRPr>
           </a:p>
         </p:txBody>
       </p:sp>
@@ -6916,7 +6975,7 @@
           <p:nvPr>
             <p:ph type="body" idx="1" hasCustomPrompt="1"/>
             <p:custDataLst>
-              <p:tags r:id="rId4"/>
+              <p:tags r:id="rId9"/>
             </p:custDataLst>
           </p:nvPr>
         </p:nvSpPr>
@@ -6987,6 +7046,7 @@
               <a:rPr lang="zh-CN" altLang="en-US" dirty="0"/>
               <a:t>单击此处编辑文本</a:t>
             </a:r>
+            <a:endParaRPr lang="zh-CN" altLang="en-US" dirty="0"/>
           </a:p>
         </p:txBody>
       </p:sp>
@@ -6999,7 +7059,7 @@
           <p:nvPr>
             <p:ph sz="half" idx="2"/>
             <p:custDataLst>
-              <p:tags r:id="rId5"/>
+              <p:tags r:id="rId10"/>
             </p:custDataLst>
           </p:nvPr>
         </p:nvSpPr>
@@ -7141,6 +7201,9 @@
               </a:rPr>
               <a:t>单击此处编辑母版文本样式</a:t>
             </a:r>
+            <a:endParaRPr dirty="0">
+              <a:sym typeface="+mn-ea"/>
+            </a:endParaRPr>
           </a:p>
           <a:p>
             <a:pPr lvl="1"/>
@@ -7150,6 +7213,9 @@
               </a:rPr>
               <a:t>第二级</a:t>
             </a:r>
+            <a:endParaRPr dirty="0">
+              <a:sym typeface="+mn-ea"/>
+            </a:endParaRPr>
           </a:p>
           <a:p>
             <a:pPr lvl="2"/>
@@ -7159,6 +7225,9 @@
               </a:rPr>
               <a:t>第三级</a:t>
             </a:r>
+            <a:endParaRPr dirty="0">
+              <a:sym typeface="+mn-ea"/>
+            </a:endParaRPr>
           </a:p>
           <a:p>
             <a:pPr lvl="3"/>
@@ -7168,6 +7237,9 @@
               </a:rPr>
               <a:t>第四级</a:t>
             </a:r>
+            <a:endParaRPr dirty="0">
+              <a:sym typeface="+mn-ea"/>
+            </a:endParaRPr>
           </a:p>
           <a:p>
             <a:pPr lvl="4"/>
@@ -7177,6 +7249,9 @@
               </a:rPr>
               <a:t>第五级</a:t>
             </a:r>
+            <a:endParaRPr dirty="0">
+              <a:sym typeface="+mn-ea"/>
+            </a:endParaRPr>
           </a:p>
         </p:txBody>
       </p:sp>
@@ -7189,7 +7264,7 @@
           <p:nvPr>
             <p:ph type="body" sz="quarter" idx="3" hasCustomPrompt="1"/>
             <p:custDataLst>
-              <p:tags r:id="rId6"/>
+              <p:tags r:id="rId11"/>
             </p:custDataLst>
           </p:nvPr>
         </p:nvSpPr>
@@ -7268,6 +7343,9 @@
               </a:rPr>
               <a:t>单击此处编辑文本</a:t>
             </a:r>
+            <a:endParaRPr>
+              <a:sym typeface="+mn-ea"/>
+            </a:endParaRPr>
           </a:p>
         </p:txBody>
       </p:sp>
@@ -7280,7 +7358,7 @@
           <p:nvPr>
             <p:ph sz="quarter" idx="4"/>
             <p:custDataLst>
-              <p:tags r:id="rId7"/>
+              <p:tags r:id="rId12"/>
             </p:custDataLst>
           </p:nvPr>
         </p:nvSpPr>
@@ -7422,6 +7500,9 @@
               </a:rPr>
               <a:t>单击此处编辑母版文本样式</a:t>
             </a:r>
+            <a:endParaRPr dirty="0">
+              <a:sym typeface="+mn-ea"/>
+            </a:endParaRPr>
           </a:p>
           <a:p>
             <a:pPr lvl="1"/>
@@ -7431,6 +7512,9 @@
               </a:rPr>
               <a:t>第二级</a:t>
             </a:r>
+            <a:endParaRPr dirty="0">
+              <a:sym typeface="+mn-ea"/>
+            </a:endParaRPr>
           </a:p>
           <a:p>
             <a:pPr lvl="2"/>
@@ -7440,6 +7524,9 @@
               </a:rPr>
               <a:t>第三级</a:t>
             </a:r>
+            <a:endParaRPr dirty="0">
+              <a:sym typeface="+mn-ea"/>
+            </a:endParaRPr>
           </a:p>
           <a:p>
             <a:pPr lvl="3"/>
@@ -7449,6 +7536,9 @@
               </a:rPr>
               <a:t>第四级</a:t>
             </a:r>
+            <a:endParaRPr dirty="0">
+              <a:sym typeface="+mn-ea"/>
+            </a:endParaRPr>
           </a:p>
           <a:p>
             <a:pPr lvl="4"/>
@@ -7458,6 +7548,9 @@
               </a:rPr>
               <a:t>第五级</a:t>
             </a:r>
+            <a:endParaRPr dirty="0">
+              <a:sym typeface="+mn-ea"/>
+            </a:endParaRPr>
           </a:p>
         </p:txBody>
       </p:sp>
@@ -7470,7 +7563,7 @@
           <p:nvPr>
             <p:ph type="dt" sz="half" idx="10"/>
             <p:custDataLst>
-              <p:tags r:id="rId8"/>
+              <p:tags r:id="rId13"/>
             </p:custDataLst>
           </p:nvPr>
         </p:nvSpPr>
@@ -7501,8 +7594,6 @@
                   </a:srgbClr>
                 </a:solidFill>
               </a:rPr>
-              <a:pPr/>
-              <a:t>2020/3/8</a:t>
             </a:fld>
             <a:endParaRPr lang="zh-CN" altLang="en-US">
               <a:solidFill>
@@ -7523,7 +7614,7 @@
           <p:nvPr>
             <p:ph type="ftr" sz="quarter" idx="11"/>
             <p:custDataLst>
-              <p:tags r:id="rId9"/>
+              <p:tags r:id="rId14"/>
             </p:custDataLst>
           </p:nvPr>
         </p:nvSpPr>
@@ -7565,7 +7656,7 @@
           <p:nvPr>
             <p:ph type="sldNum" sz="quarter" idx="12"/>
             <p:custDataLst>
-              <p:tags r:id="rId10"/>
+              <p:tags r:id="rId15"/>
             </p:custDataLst>
           </p:nvPr>
         </p:nvSpPr>
@@ -7596,8 +7687,6 @@
                   </a:srgbClr>
                 </a:solidFill>
               </a:rPr>
-              <a:pPr/>
-              <a:t>‹#›</a:t>
             </a:fld>
             <a:endParaRPr lang="zh-CN" altLang="en-US">
               <a:solidFill>
@@ -7648,15 +7737,15 @@
           <p:cNvPicPr/>
           <p:nvPr userDrawn="1">
             <p:custDataLst>
-              <p:tags r:id="rId1"/>
+              <p:tags r:id="rId2"/>
             </p:custDataLst>
           </p:nvPr>
         </p:nvPicPr>
         <p:blipFill>
-          <a:blip r:embed="rId8" r:link="rId9" cstate="print">
+          <a:blip r:embed="rId3" r:link="rId4" cstate="print">
             <a:extLst>
               <a:ext uri="{28A0092B-C50C-407E-A947-70E740481C1C}">
-                <a14:useLocalDpi xmlns="" xmlns:a14="http://schemas.microsoft.com/office/drawing/2010/main" val="0"/>
+                <a14:useLocalDpi xmlns:a14="http://schemas.microsoft.com/office/drawing/2010/main" val="0"/>
               </a:ext>
             </a:extLst>
           </a:blip>
@@ -7680,15 +7769,15 @@
           <p:cNvPicPr/>
           <p:nvPr userDrawn="1">
             <p:custDataLst>
-              <p:tags r:id="rId2"/>
+              <p:tags r:id="rId5"/>
             </p:custDataLst>
           </p:nvPr>
         </p:nvPicPr>
         <p:blipFill>
-          <a:blip r:embed="rId10" r:link="rId11" cstate="print">
+          <a:blip r:embed="rId6" r:link="rId7" cstate="print">
             <a:extLst>
               <a:ext uri="{28A0092B-C50C-407E-A947-70E740481C1C}">
-                <a14:useLocalDpi xmlns="" xmlns:a14="http://schemas.microsoft.com/office/drawing/2010/main" val="0"/>
+                <a14:useLocalDpi xmlns:a14="http://schemas.microsoft.com/office/drawing/2010/main" val="0"/>
               </a:ext>
             </a:extLst>
           </a:blip>
@@ -7715,7 +7804,7 @@
           <p:nvPr>
             <p:ph type="title"/>
             <p:custDataLst>
-              <p:tags r:id="rId3"/>
+              <p:tags r:id="rId8"/>
             </p:custDataLst>
           </p:nvPr>
         </p:nvSpPr>
@@ -7750,6 +7839,9 @@
               </a:rPr>
               <a:t>单击此处编辑母版标题样式</a:t>
             </a:r>
+            <a:endParaRPr>
+              <a:sym typeface="+mn-ea"/>
+            </a:endParaRPr>
           </a:p>
         </p:txBody>
       </p:sp>
@@ -7762,7 +7854,7 @@
           <p:nvPr>
             <p:ph type="dt" sz="half" idx="10"/>
             <p:custDataLst>
-              <p:tags r:id="rId4"/>
+              <p:tags r:id="rId9"/>
             </p:custDataLst>
           </p:nvPr>
         </p:nvSpPr>
@@ -7793,8 +7885,6 @@
                   </a:srgbClr>
                 </a:solidFill>
               </a:rPr>
-              <a:pPr/>
-              <a:t>2020/3/8</a:t>
             </a:fld>
             <a:endParaRPr lang="zh-CN" altLang="en-US">
               <a:solidFill>
@@ -7815,7 +7905,7 @@
           <p:nvPr>
             <p:ph type="ftr" sz="quarter" idx="11"/>
             <p:custDataLst>
-              <p:tags r:id="rId5"/>
+              <p:tags r:id="rId10"/>
             </p:custDataLst>
           </p:nvPr>
         </p:nvSpPr>
@@ -7857,7 +7947,7 @@
           <p:nvPr>
             <p:ph type="sldNum" sz="quarter" idx="12"/>
             <p:custDataLst>
-              <p:tags r:id="rId6"/>
+              <p:tags r:id="rId11"/>
             </p:custDataLst>
           </p:nvPr>
         </p:nvSpPr>
@@ -7888,8 +7978,6 @@
                   </a:srgbClr>
                 </a:solidFill>
               </a:rPr>
-              <a:pPr/>
-              <a:t>‹#›</a:t>
             </a:fld>
             <a:endParaRPr lang="zh-CN" altLang="en-US">
               <a:solidFill>
@@ -7943,7 +8031,7 @@
           <p:nvPr>
             <p:ph type="dt" sz="half" idx="10"/>
             <p:custDataLst>
-              <p:tags r:id="rId1"/>
+              <p:tags r:id="rId2"/>
             </p:custDataLst>
           </p:nvPr>
         </p:nvSpPr>
@@ -7974,8 +8062,6 @@
                   </a:srgbClr>
                 </a:solidFill>
               </a:rPr>
-              <a:pPr/>
-              <a:t>2020/3/8</a:t>
             </a:fld>
             <a:endParaRPr lang="zh-CN" altLang="en-US">
               <a:solidFill>
@@ -7996,7 +8082,7 @@
           <p:nvPr>
             <p:ph type="ftr" sz="quarter" idx="11"/>
             <p:custDataLst>
-              <p:tags r:id="rId2"/>
+              <p:tags r:id="rId3"/>
             </p:custDataLst>
           </p:nvPr>
         </p:nvSpPr>
@@ -8038,7 +8124,7 @@
           <p:nvPr>
             <p:ph type="sldNum" sz="quarter" idx="12"/>
             <p:custDataLst>
-              <p:tags r:id="rId3"/>
+              <p:tags r:id="rId4"/>
             </p:custDataLst>
           </p:nvPr>
         </p:nvSpPr>
@@ -8069,8 +8155,6 @@
                   </a:srgbClr>
                 </a:solidFill>
               </a:rPr>
-              <a:pPr/>
-              <a:t>‹#›</a:t>
             </a:fld>
             <a:endParaRPr lang="zh-CN" altLang="en-US">
               <a:solidFill>
@@ -8121,15 +8205,15 @@
           <p:cNvPicPr/>
           <p:nvPr userDrawn="1">
             <p:custDataLst>
-              <p:tags r:id="rId1"/>
+              <p:tags r:id="rId2"/>
             </p:custDataLst>
           </p:nvPr>
         </p:nvPicPr>
         <p:blipFill>
-          <a:blip r:embed="rId10" r:link="rId11" cstate="print">
+          <a:blip r:embed="rId3" r:link="rId4" cstate="print">
             <a:extLst>
               <a:ext uri="{28A0092B-C50C-407E-A947-70E740481C1C}">
-                <a14:useLocalDpi xmlns="" xmlns:a14="http://schemas.microsoft.com/office/drawing/2010/main" val="0"/>
+                <a14:useLocalDpi xmlns:a14="http://schemas.microsoft.com/office/drawing/2010/main" val="0"/>
               </a:ext>
             </a:extLst>
           </a:blip>
@@ -8153,15 +8237,15 @@
           <p:cNvPicPr/>
           <p:nvPr userDrawn="1">
             <p:custDataLst>
-              <p:tags r:id="rId2"/>
+              <p:tags r:id="rId5"/>
             </p:custDataLst>
           </p:nvPr>
         </p:nvPicPr>
         <p:blipFill>
-          <a:blip r:embed="rId12" r:link="rId13" cstate="print">
+          <a:blip r:embed="rId6" r:link="rId7" cstate="print">
             <a:extLst>
               <a:ext uri="{28A0092B-C50C-407E-A947-70E740481C1C}">
-                <a14:useLocalDpi xmlns="" xmlns:a14="http://schemas.microsoft.com/office/drawing/2010/main" val="0"/>
+                <a14:useLocalDpi xmlns:a14="http://schemas.microsoft.com/office/drawing/2010/main" val="0"/>
               </a:ext>
             </a:extLst>
           </a:blip>
@@ -8188,7 +8272,7 @@
           <p:nvPr>
             <p:ph type="title"/>
             <p:custDataLst>
-              <p:tags r:id="rId3"/>
+              <p:tags r:id="rId8"/>
             </p:custDataLst>
           </p:nvPr>
         </p:nvSpPr>
@@ -8228,6 +8312,9 @@
               </a:rPr>
               <a:t>单击此处编辑母版标题样式</a:t>
             </a:r>
+            <a:endParaRPr dirty="0">
+              <a:sym typeface="+mn-ea"/>
+            </a:endParaRPr>
           </a:p>
         </p:txBody>
       </p:sp>
@@ -8240,7 +8327,7 @@
           <p:nvPr>
             <p:ph type="pic" idx="1"/>
             <p:custDataLst>
-              <p:tags r:id="rId4"/>
+              <p:tags r:id="rId9"/>
             </p:custDataLst>
           </p:nvPr>
         </p:nvSpPr>
@@ -8391,7 +8478,7 @@
           <p:nvPr>
             <p:ph type="body" sz="half" idx="2"/>
             <p:custDataLst>
-              <p:tags r:id="rId5"/>
+              <p:tags r:id="rId10"/>
             </p:custDataLst>
           </p:nvPr>
         </p:nvSpPr>
@@ -8438,6 +8525,9 @@
               </a:rPr>
               <a:t>单击此处编辑母版文本样式</a:t>
             </a:r>
+            <a:endParaRPr>
+              <a:sym typeface="+mn-ea"/>
+            </a:endParaRPr>
           </a:p>
         </p:txBody>
       </p:sp>
@@ -8450,7 +8540,7 @@
           <p:nvPr>
             <p:ph type="dt" sz="half" idx="10"/>
             <p:custDataLst>
-              <p:tags r:id="rId6"/>
+              <p:tags r:id="rId11"/>
             </p:custDataLst>
           </p:nvPr>
         </p:nvSpPr>
@@ -8481,8 +8571,6 @@
                   </a:srgbClr>
                 </a:solidFill>
               </a:rPr>
-              <a:pPr/>
-              <a:t>2020/3/8</a:t>
             </a:fld>
             <a:endParaRPr lang="zh-CN" altLang="en-US" dirty="0">
               <a:solidFill>
@@ -8503,7 +8591,7 @@
           <p:nvPr>
             <p:ph type="ftr" sz="quarter" idx="11"/>
             <p:custDataLst>
-              <p:tags r:id="rId7"/>
+              <p:tags r:id="rId12"/>
             </p:custDataLst>
           </p:nvPr>
         </p:nvSpPr>
@@ -8545,7 +8633,7 @@
           <p:nvPr>
             <p:ph type="sldNum" sz="quarter" idx="12"/>
             <p:custDataLst>
-              <p:tags r:id="rId8"/>
+              <p:tags r:id="rId13"/>
             </p:custDataLst>
           </p:nvPr>
         </p:nvSpPr>
@@ -8576,8 +8664,6 @@
                   </a:srgbClr>
                 </a:solidFill>
               </a:rPr>
-              <a:pPr/>
-              <a:t>‹#›</a:t>
             </a:fld>
             <a:endParaRPr lang="zh-CN" altLang="en-US">
               <a:solidFill>
@@ -8628,15 +8714,15 @@
           <p:cNvPicPr/>
           <p:nvPr userDrawn="1">
             <p:custDataLst>
-              <p:tags r:id="rId1"/>
+              <p:tags r:id="rId2"/>
             </p:custDataLst>
           </p:nvPr>
         </p:nvPicPr>
         <p:blipFill>
-          <a:blip r:embed="rId9" r:link="rId10" cstate="print">
+          <a:blip r:embed="rId3" r:link="rId4" cstate="print">
             <a:extLst>
               <a:ext uri="{28A0092B-C50C-407E-A947-70E740481C1C}">
-                <a14:useLocalDpi xmlns="" xmlns:a14="http://schemas.microsoft.com/office/drawing/2010/main" val="0"/>
+                <a14:useLocalDpi xmlns:a14="http://schemas.microsoft.com/office/drawing/2010/main" val="0"/>
               </a:ext>
             </a:extLst>
           </a:blip>
@@ -8660,15 +8746,15 @@
           <p:cNvPicPr/>
           <p:nvPr userDrawn="1">
             <p:custDataLst>
-              <p:tags r:id="rId2"/>
+              <p:tags r:id="rId5"/>
             </p:custDataLst>
           </p:nvPr>
         </p:nvPicPr>
         <p:blipFill>
-          <a:blip r:embed="rId11" r:link="rId12" cstate="print">
+          <a:blip r:embed="rId6" r:link="rId7" cstate="print">
             <a:extLst>
               <a:ext uri="{28A0092B-C50C-407E-A947-70E740481C1C}">
-                <a14:useLocalDpi xmlns="" xmlns:a14="http://schemas.microsoft.com/office/drawing/2010/main" val="0"/>
+                <a14:useLocalDpi xmlns:a14="http://schemas.microsoft.com/office/drawing/2010/main" val="0"/>
               </a:ext>
             </a:extLst>
           </a:blip>
@@ -8695,7 +8781,7 @@
           <p:nvPr>
             <p:ph type="title" orient="vert"/>
             <p:custDataLst>
-              <p:tags r:id="rId3"/>
+              <p:tags r:id="rId8"/>
             </p:custDataLst>
           </p:nvPr>
         </p:nvSpPr>
@@ -8738,6 +8824,9 @@
               </a:rPr>
               <a:t>单击此处编辑母版标题样式</a:t>
             </a:r>
+            <a:endParaRPr>
+              <a:sym typeface="+mn-ea"/>
+            </a:endParaRPr>
           </a:p>
         </p:txBody>
       </p:sp>
@@ -8750,7 +8839,7 @@
           <p:nvPr>
             <p:ph type="body" orient="vert" idx="1"/>
             <p:custDataLst>
-              <p:tags r:id="rId4"/>
+              <p:tags r:id="rId9"/>
             </p:custDataLst>
           </p:nvPr>
         </p:nvSpPr>
@@ -8817,6 +8906,7 @@
               <a:rPr lang="zh-CN" altLang="en-US" dirty="0"/>
               <a:t>单击此处编辑母版文本样式</a:t>
             </a:r>
+            <a:endParaRPr lang="zh-CN" altLang="en-US" dirty="0"/>
           </a:p>
           <a:p>
             <a:pPr lvl="1"/>
@@ -8824,6 +8914,7 @@
               <a:rPr lang="zh-CN" altLang="en-US" dirty="0"/>
               <a:t>第二级</a:t>
             </a:r>
+            <a:endParaRPr lang="zh-CN" altLang="en-US" dirty="0"/>
           </a:p>
           <a:p>
             <a:pPr lvl="2"/>
@@ -8831,6 +8922,7 @@
               <a:rPr lang="zh-CN" altLang="en-US" dirty="0"/>
               <a:t>第三级</a:t>
             </a:r>
+            <a:endParaRPr lang="zh-CN" altLang="en-US" dirty="0"/>
           </a:p>
           <a:p>
             <a:pPr lvl="3"/>
@@ -8838,6 +8930,7 @@
               <a:rPr lang="zh-CN" altLang="en-US" dirty="0"/>
               <a:t>第四级</a:t>
             </a:r>
+            <a:endParaRPr lang="zh-CN" altLang="en-US" dirty="0"/>
           </a:p>
           <a:p>
             <a:pPr lvl="4"/>
@@ -8845,6 +8938,7 @@
               <a:rPr lang="zh-CN" altLang="en-US" dirty="0"/>
               <a:t>第五级</a:t>
             </a:r>
+            <a:endParaRPr lang="zh-CN" altLang="en-US" dirty="0"/>
           </a:p>
         </p:txBody>
       </p:sp>
@@ -8857,7 +8951,7 @@
           <p:nvPr>
             <p:ph type="dt" sz="half" idx="10"/>
             <p:custDataLst>
-              <p:tags r:id="rId5"/>
+              <p:tags r:id="rId10"/>
             </p:custDataLst>
           </p:nvPr>
         </p:nvSpPr>
@@ -8888,8 +8982,6 @@
                   </a:srgbClr>
                 </a:solidFill>
               </a:rPr>
-              <a:pPr/>
-              <a:t>2020/3/8</a:t>
             </a:fld>
             <a:endParaRPr lang="zh-CN" altLang="en-US">
               <a:solidFill>
@@ -8910,7 +9002,7 @@
           <p:nvPr>
             <p:ph type="ftr" sz="quarter" idx="11"/>
             <p:custDataLst>
-              <p:tags r:id="rId6"/>
+              <p:tags r:id="rId11"/>
             </p:custDataLst>
           </p:nvPr>
         </p:nvSpPr>
@@ -8952,7 +9044,7 @@
           <p:nvPr>
             <p:ph type="sldNum" sz="quarter" idx="12"/>
             <p:custDataLst>
-              <p:tags r:id="rId7"/>
+              <p:tags r:id="rId12"/>
             </p:custDataLst>
           </p:nvPr>
         </p:nvSpPr>
@@ -8983,8 +9075,6 @@
                   </a:srgbClr>
                 </a:solidFill>
               </a:rPr>
-              <a:pPr/>
-              <a:t>‹#›</a:t>
             </a:fld>
             <a:endParaRPr lang="zh-CN" altLang="en-US">
               <a:solidFill>
@@ -9038,7 +9128,7 @@
           <p:nvPr>
             <p:ph type="title"/>
             <p:custDataLst>
-              <p:tags r:id="rId20"/>
+              <p:tags r:id="rId19"/>
             </p:custDataLst>
           </p:nvPr>
         </p:nvSpPr>
@@ -9061,6 +9151,7 @@
               <a:rPr lang="zh-CN" altLang="en-US" dirty="0"/>
               <a:t>单击此处编辑母版标题样式</a:t>
             </a:r>
+            <a:endParaRPr lang="zh-CN" altLang="en-US" dirty="0"/>
           </a:p>
         </p:txBody>
       </p:sp>
@@ -9073,7 +9164,7 @@
           <p:nvPr>
             <p:ph type="body" idx="1"/>
             <p:custDataLst>
-              <p:tags r:id="rId21"/>
+              <p:tags r:id="rId20"/>
             </p:custDataLst>
           </p:nvPr>
         </p:nvSpPr>
@@ -9097,6 +9188,7 @@
               <a:rPr lang="zh-CN" altLang="en-US" dirty="0"/>
               <a:t>单击此处编辑母版文本样式</a:t>
             </a:r>
+            <a:endParaRPr lang="zh-CN" altLang="en-US" dirty="0"/>
           </a:p>
           <a:p>
             <a:pPr lvl="1"/>
@@ -9104,6 +9196,7 @@
               <a:rPr lang="zh-CN" altLang="en-US" dirty="0"/>
               <a:t>第二级</a:t>
             </a:r>
+            <a:endParaRPr lang="zh-CN" altLang="en-US" dirty="0"/>
           </a:p>
           <a:p>
             <a:pPr lvl="2"/>
@@ -9111,6 +9204,7 @@
               <a:rPr lang="zh-CN" altLang="en-US" dirty="0"/>
               <a:t>第三级</a:t>
             </a:r>
+            <a:endParaRPr lang="zh-CN" altLang="en-US" dirty="0"/>
           </a:p>
           <a:p>
             <a:pPr lvl="3"/>
@@ -9118,6 +9212,7 @@
               <a:rPr lang="zh-CN" altLang="en-US" dirty="0"/>
               <a:t>第四级</a:t>
             </a:r>
+            <a:endParaRPr lang="zh-CN" altLang="en-US" dirty="0"/>
           </a:p>
           <a:p>
             <a:pPr lvl="4"/>
@@ -9125,6 +9220,7 @@
               <a:rPr lang="zh-CN" altLang="en-US" dirty="0"/>
               <a:t>第五级</a:t>
             </a:r>
+            <a:endParaRPr lang="zh-CN" altLang="en-US" dirty="0"/>
           </a:p>
         </p:txBody>
       </p:sp>
@@ -9137,7 +9233,7 @@
           <p:nvPr>
             <p:ph type="dt" sz="half" idx="2"/>
             <p:custDataLst>
-              <p:tags r:id="rId22"/>
+              <p:tags r:id="rId21"/>
             </p:custDataLst>
           </p:nvPr>
         </p:nvSpPr>
@@ -9176,8 +9272,6 @@
                   </a:srgbClr>
                 </a:solidFill>
               </a:rPr>
-              <a:pPr/>
-              <a:t>2020/3/8</a:t>
             </a:fld>
             <a:endParaRPr lang="zh-CN" altLang="en-US">
               <a:solidFill>
@@ -9198,7 +9292,7 @@
           <p:nvPr>
             <p:ph type="ftr" sz="quarter" idx="3"/>
             <p:custDataLst>
-              <p:tags r:id="rId23"/>
+              <p:tags r:id="rId22"/>
             </p:custDataLst>
           </p:nvPr>
         </p:nvSpPr>
@@ -9248,7 +9342,7 @@
           <p:nvPr>
             <p:ph type="sldNum" sz="quarter" idx="4"/>
             <p:custDataLst>
-              <p:tags r:id="rId24"/>
+              <p:tags r:id="rId23"/>
             </p:custDataLst>
           </p:nvPr>
         </p:nvSpPr>
@@ -9287,8 +9381,6 @@
                   </a:srgbClr>
                 </a:solidFill>
               </a:rPr>
-              <a:pPr/>
-              <a:t>‹#›</a:t>
             </a:fld>
             <a:endParaRPr lang="zh-CN" altLang="en-US" dirty="0">
               <a:solidFill>
@@ -9306,7 +9398,7 @@
           <p:cNvSpPr/>
           <p:nvPr userDrawn="1">
             <p:custDataLst>
-              <p:tags r:id="rId25"/>
+              <p:tags r:id="rId24"/>
             </p:custDataLst>
           </p:nvPr>
         </p:nvSpPr>
@@ -9352,24 +9444,24 @@
   </p:cSld>
   <p:clrMap bg1="lt1" tx1="dk1" bg2="lt2" tx2="dk2" accent1="accent1" accent2="accent2" accent3="accent3" accent4="accent4" accent5="accent5" accent6="accent6" hlink="hlink" folHlink="folHlink"/>
   <p:sldLayoutIdLst>
-    <p:sldLayoutId id="2147483673" r:id="rId1"/>
-    <p:sldLayoutId id="2147483674" r:id="rId2"/>
-    <p:sldLayoutId id="2147483675" r:id="rId3"/>
-    <p:sldLayoutId id="2147483676" r:id="rId4"/>
-    <p:sldLayoutId id="2147483677" r:id="rId5"/>
-    <p:sldLayoutId id="2147483678" r:id="rId6"/>
-    <p:sldLayoutId id="2147483679" r:id="rId7"/>
-    <p:sldLayoutId id="2147483680" r:id="rId8"/>
-    <p:sldLayoutId id="2147483681" r:id="rId9"/>
-    <p:sldLayoutId id="2147483682" r:id="rId10"/>
-    <p:sldLayoutId id="2147483683" r:id="rId11"/>
-    <p:sldLayoutId id="2147483684" r:id="rId12"/>
-    <p:sldLayoutId id="2147483685" r:id="rId13"/>
-    <p:sldLayoutId id="2147483686" r:id="rId14"/>
-    <p:sldLayoutId id="2147483687" r:id="rId15"/>
-    <p:sldLayoutId id="2147483688" r:id="rId16"/>
-    <p:sldLayoutId id="2147483689" r:id="rId17"/>
-    <p:sldLayoutId id="2147483690" r:id="rId18"/>
+    <p:sldLayoutId id="2147483649" r:id="rId1"/>
+    <p:sldLayoutId id="2147483650" r:id="rId2"/>
+    <p:sldLayoutId id="2147483651" r:id="rId3"/>
+    <p:sldLayoutId id="2147483652" r:id="rId4"/>
+    <p:sldLayoutId id="2147483653" r:id="rId5"/>
+    <p:sldLayoutId id="2147483654" r:id="rId6"/>
+    <p:sldLayoutId id="2147483655" r:id="rId7"/>
+    <p:sldLayoutId id="2147483656" r:id="rId8"/>
+    <p:sldLayoutId id="2147483657" r:id="rId9"/>
+    <p:sldLayoutId id="2147483658" r:id="rId10"/>
+    <p:sldLayoutId id="2147483659" r:id="rId11"/>
+    <p:sldLayoutId id="2147483660" r:id="rId12"/>
+    <p:sldLayoutId id="2147483661" r:id="rId13"/>
+    <p:sldLayoutId id="2147483662" r:id="rId14"/>
+    <p:sldLayoutId id="2147483663" r:id="rId15"/>
+    <p:sldLayoutId id="2147483664" r:id="rId16"/>
+    <p:sldLayoutId id="2147483665" r:id="rId17"/>
+    <p:sldLayoutId id="2147483666" r:id="rId18"/>
   </p:sldLayoutIdLst>
   <p:txStyles>
     <p:titleStyle>
@@ -9701,7 +9793,7 @@
           <p:cNvCxnSpPr/>
           <p:nvPr>
             <p:custDataLst>
-              <p:tags r:id="rId2"/>
+              <p:tags r:id="rId1"/>
             </p:custDataLst>
           </p:nvPr>
         </p:nvCxnSpPr>
@@ -9739,7 +9831,7 @@
           <p:nvPr>
             <p:ph type="subTitle" idx="14"/>
             <p:custDataLst>
-              <p:tags r:id="rId3"/>
+              <p:tags r:id="rId2"/>
             </p:custDataLst>
           </p:nvPr>
         </p:nvSpPr>
@@ -9769,7 +9861,7 @@
           <p:nvPr>
             <p:ph type="ctrTitle" idx="13"/>
             <p:custDataLst>
-              <p:tags r:id="rId4"/>
+              <p:tags r:id="rId3"/>
             </p:custDataLst>
           </p:nvPr>
         </p:nvSpPr>
@@ -9815,7 +9907,7 @@
             <p:nvPr/>
           </p:nvPicPr>
           <p:blipFill>
-            <a:blip r:embed="rId7" cstate="print"/>
+            <a:blip r:embed="rId4" cstate="print"/>
             <a:stretch>
               <a:fillRect/>
             </a:stretch>
@@ -9860,13 +9952,18 @@
                 </a:rPr>
                 <a:t>云袭培训专用</a:t>
               </a:r>
+              <a:endParaRPr lang="zh-CN" altLang="en-US" sz="1200">
+                <a:solidFill>
+                  <a:srgbClr val="000000"/>
+                </a:solidFill>
+              </a:endParaRPr>
             </a:p>
           </p:txBody>
         </p:sp>
       </p:grpSp>
     </p:spTree>
     <p:custDataLst>
-      <p:tags r:id="rId1"/>
+      <p:tags r:id="rId5"/>
     </p:custDataLst>
   </p:cSld>
   <p:clrMapOvr>
@@ -10328,6 +10425,7 @@
               <a:rPr lang="en-US" altLang="zh-CN" dirty="0" smtClean="0"/>
               <a:t>..</a:t>
             </a:r>
+            <a:endParaRPr lang="en-US" altLang="zh-CN" dirty="0" smtClean="0"/>
           </a:p>
           <a:p>
             <a:r>
@@ -10850,6 +10948,7 @@
               <a:rPr lang="en-US" altLang="zh-CN" dirty="0" smtClean="0"/>
               <a:t>D….</a:t>
             </a:r>
+            <a:endParaRPr lang="en-US" altLang="zh-CN" dirty="0" smtClean="0"/>
           </a:p>
           <a:p>
             <a:endParaRPr lang="en-US" altLang="zh-CN" dirty="0" smtClean="0"/>
@@ -11110,6 +11209,7 @@
               <a:rPr lang="en-US" altLang="zh-CN" dirty="0" smtClean="0"/>
               <a:t>~</a:t>
             </a:r>
+            <a:endParaRPr lang="en-US" altLang="zh-CN" dirty="0" smtClean="0"/>
           </a:p>
           <a:p>
             <a:r>
@@ -11120,6 +11220,7 @@
               <a:rPr lang="en-US" altLang="zh-CN" dirty="0" smtClean="0"/>
               <a:t>~</a:t>
             </a:r>
+            <a:endParaRPr lang="en-US" altLang="zh-CN" dirty="0" smtClean="0"/>
           </a:p>
           <a:p>
             <a:r>
@@ -11130,6 +11231,7 @@
               <a:rPr lang="en-US" altLang="zh-CN" dirty="0" smtClean="0"/>
               <a:t>~</a:t>
             </a:r>
+            <a:endParaRPr lang="en-US" altLang="zh-CN" dirty="0" smtClean="0"/>
           </a:p>
           <a:p>
             <a:r>
@@ -11140,6 +11242,7 @@
               <a:rPr lang="en-US" altLang="zh-CN" dirty="0" smtClean="0"/>
               <a:t>~</a:t>
             </a:r>
+            <a:endParaRPr lang="en-US" altLang="zh-CN" dirty="0" smtClean="0"/>
           </a:p>
           <a:p>
             <a:r>
@@ -11177,6 +11280,7 @@
               <a:rPr lang="en-US" altLang="zh-CN" dirty="0" smtClean="0"/>
               <a:t>)</a:t>
             </a:r>
+            <a:endParaRPr lang="en-US" altLang="zh-CN" dirty="0" smtClean="0"/>
           </a:p>
           <a:p>
             <a:endParaRPr lang="en-US" altLang="zh-CN" dirty="0" smtClean="0"/>
@@ -11245,6 +11349,7 @@
               <a:rPr lang="en-US" altLang="zh-CN" dirty="0" smtClean="0"/>
               <a:t>~</a:t>
             </a:r>
+            <a:endParaRPr lang="en-US" altLang="zh-CN" dirty="0" smtClean="0"/>
           </a:p>
           <a:p>
             <a:r>
@@ -11519,6 +11624,7 @@
               <a:rPr lang="en-US" altLang="zh-CN" dirty="0" smtClean="0"/>
               <a:t>)</a:t>
             </a:r>
+            <a:endParaRPr lang="en-US" altLang="zh-CN" dirty="0" smtClean="0"/>
           </a:p>
           <a:p>
             <a:endParaRPr lang="en-US" altLang="zh-CN" dirty="0" smtClean="0"/>
@@ -11612,8 +11718,383 @@
               </a:rPr>
               <a:t>data</a:t>
             </a:r>
-          </a:p>
-          <a:p>
+            <a:endParaRPr lang="en-US" altLang="zh-CN" dirty="0" smtClean="0">
+              <a:solidFill>
+                <a:srgbClr val="FF0000"/>
+              </a:solidFill>
+            </a:endParaRPr>
+          </a:p>
+          <a:p>
+            <a:endParaRPr lang="zh-CN" altLang="en-US" dirty="0"/>
+          </a:p>
+        </p:txBody>
+      </p:sp>
+    </p:spTree>
+  </p:cSld>
+  <p:clrMapOvr>
+    <a:masterClrMapping/>
+  </p:clrMapOvr>
+</p:sld>
+</file>
+
+<file path=ppt/slides/slide16.xml><?xml version="1.0" encoding="utf-8"?>
+<p:sld xmlns:a="http://schemas.openxmlformats.org/drawingml/2006/main" xmlns:r="http://schemas.openxmlformats.org/officeDocument/2006/relationships" xmlns:p="http://schemas.openxmlformats.org/presentationml/2006/main">
+  <p:cSld>
+    <p:spTree>
+      <p:nvGrpSpPr>
+        <p:cNvPr id="1" name=""/>
+        <p:cNvGrpSpPr/>
+        <p:nvPr/>
+      </p:nvGrpSpPr>
+      <p:grpSpPr>
+        <a:xfrm>
+          <a:off x="0" y="0"/>
+          <a:ext cx="0" cy="0"/>
+          <a:chOff x="0" y="0"/>
+          <a:chExt cx="0" cy="0"/>
+        </a:xfrm>
+      </p:grpSpPr>
+      <p:sp>
+        <p:nvSpPr>
+          <p:cNvPr id="5" name="标题 4"/>
+          <p:cNvSpPr>
+            <a:spLocks noGrp="1"/>
+          </p:cNvSpPr>
+          <p:nvPr>
+            <p:ph type="title"/>
+          </p:nvPr>
+        </p:nvSpPr>
+        <p:spPr/>
+        <p:txBody>
+          <a:bodyPr>
+            <a:normAutofit fontScale="90000"/>
+          </a:bodyPr>
+          <a:lstStyle/>
+          <a:p>
+            <a:r>
+              <a:rPr lang="zh-CN" altLang="en-US" dirty="0" smtClean="0"/>
+              <a:t> 规范</a:t>
+            </a:r>
+            <a:endParaRPr lang="en-US" altLang="zh-CN" dirty="0" smtClean="0"/>
+          </a:p>
+        </p:txBody>
+      </p:sp>
+      <p:sp>
+        <p:nvSpPr>
+          <p:cNvPr id="6" name="内容占位符 5"/>
+          <p:cNvSpPr>
+            <a:spLocks noGrp="1"/>
+          </p:cNvSpPr>
+          <p:nvPr>
+            <p:ph idx="1"/>
+          </p:nvPr>
+        </p:nvSpPr>
+        <p:spPr/>
+        <p:txBody>
+          <a:bodyPr/>
+          <a:lstStyle/>
+          <a:p>
+            <a:r>
+              <a:rPr lang="zh-CN" altLang="en-US" dirty="0"/>
+              <a:t>定一个团队统一的规范</a:t>
+            </a:r>
+            <a:endParaRPr lang="zh-CN" altLang="en-US" dirty="0"/>
+          </a:p>
+          <a:p>
+            <a:endParaRPr lang="zh-CN" altLang="en-US" dirty="0"/>
+          </a:p>
+          <a:p>
+            <a:r>
+              <a:rPr lang="zh-CN" altLang="en-US" dirty="0"/>
+              <a:t>对个人来说 自己开发的舒服 别人拷用的简单</a:t>
+            </a:r>
+            <a:endParaRPr lang="zh-CN" altLang="en-US" dirty="0"/>
+          </a:p>
+          <a:p>
+            <a:r>
+              <a:rPr lang="zh-CN" altLang="en-US" dirty="0"/>
+              <a:t>对集体来说 随时上手其他伙伴的工作</a:t>
+            </a:r>
+            <a:endParaRPr lang="zh-CN" altLang="en-US" dirty="0"/>
+          </a:p>
+          <a:p>
+            <a:r>
+              <a:rPr lang="zh-CN" altLang="en-US" dirty="0"/>
+              <a:t>对项目来说 风格统一 看着就是一个高端团队的产品</a:t>
+            </a:r>
+            <a:endParaRPr lang="zh-CN" altLang="en-US" dirty="0"/>
+          </a:p>
+          <a:p>
+            <a:r>
+              <a:rPr lang="zh-CN" altLang="en-US" dirty="0"/>
+              <a:t>对公司来说 项目长治久安</a:t>
+            </a:r>
+            <a:endParaRPr lang="zh-CN" altLang="en-US" dirty="0"/>
+          </a:p>
+          <a:p>
+            <a:endParaRPr lang="zh-CN" altLang="en-US" dirty="0"/>
+          </a:p>
+        </p:txBody>
+      </p:sp>
+    </p:spTree>
+  </p:cSld>
+  <p:clrMapOvr>
+    <a:masterClrMapping/>
+  </p:clrMapOvr>
+</p:sld>
+</file>
+
+<file path=ppt/slides/slide17.xml><?xml version="1.0" encoding="utf-8"?>
+<p:sld xmlns:a="http://schemas.openxmlformats.org/drawingml/2006/main" xmlns:r="http://schemas.openxmlformats.org/officeDocument/2006/relationships" xmlns:p="http://schemas.openxmlformats.org/presentationml/2006/main">
+  <p:cSld>
+    <p:spTree>
+      <p:nvGrpSpPr>
+        <p:cNvPr id="1" name=""/>
+        <p:cNvGrpSpPr/>
+        <p:nvPr/>
+      </p:nvGrpSpPr>
+      <p:grpSpPr>
+        <a:xfrm>
+          <a:off x="0" y="0"/>
+          <a:ext cx="0" cy="0"/>
+          <a:chOff x="0" y="0"/>
+          <a:chExt cx="0" cy="0"/>
+        </a:xfrm>
+      </p:grpSpPr>
+      <p:sp>
+        <p:nvSpPr>
+          <p:cNvPr id="5" name="标题 4"/>
+          <p:cNvSpPr>
+            <a:spLocks noGrp="1"/>
+          </p:cNvSpPr>
+          <p:nvPr>
+            <p:ph type="title"/>
+          </p:nvPr>
+        </p:nvSpPr>
+        <p:spPr/>
+        <p:txBody>
+          <a:bodyPr>
+            <a:normAutofit fontScale="90000"/>
+          </a:bodyPr>
+          <a:lstStyle/>
+          <a:p>
+            <a:r>
+              <a:rPr lang="zh-CN" altLang="en-US" dirty="0" smtClean="0"/>
+              <a:t> 规范第一条</a:t>
+            </a:r>
+            <a:endParaRPr lang="en-US" altLang="zh-CN" dirty="0" smtClean="0"/>
+          </a:p>
+        </p:txBody>
+      </p:sp>
+      <p:sp>
+        <p:nvSpPr>
+          <p:cNvPr id="6" name="内容占位符 5"/>
+          <p:cNvSpPr>
+            <a:spLocks noGrp="1"/>
+          </p:cNvSpPr>
+          <p:nvPr>
+            <p:ph idx="1"/>
+          </p:nvPr>
+        </p:nvSpPr>
+        <p:spPr/>
+        <p:txBody>
+          <a:bodyPr/>
+          <a:lstStyle/>
+          <a:p>
+            <a:r>
+              <a:rPr lang="zh-CN" altLang="en-US" dirty="0"/>
+              <a:t>这是一个必须遵守的要求</a:t>
+            </a:r>
+            <a:endParaRPr lang="zh-CN" altLang="en-US" dirty="0"/>
+          </a:p>
+          <a:p>
+            <a:pPr lvl="1"/>
+            <a:r>
+              <a:rPr lang="en-US" altLang="zh-CN" sz="3600" dirty="0">
+                <a:solidFill>
+                  <a:srgbClr val="FF0000"/>
+                </a:solidFill>
+              </a:rPr>
+              <a:t>eslint</a:t>
+            </a:r>
+            <a:r>
+              <a:rPr sz="3600" dirty="0">
+                <a:solidFill>
+                  <a:srgbClr val="FF0000"/>
+                </a:solidFill>
+              </a:rPr>
+              <a:t>校验必须开启</a:t>
+            </a:r>
+            <a:endParaRPr sz="3600" dirty="0">
+              <a:solidFill>
+                <a:srgbClr val="FF0000"/>
+              </a:solidFill>
+            </a:endParaRPr>
+          </a:p>
+          <a:p>
+            <a:pPr lvl="1"/>
+            <a:r>
+              <a:rPr sz="3600" dirty="0">
+                <a:solidFill>
+                  <a:srgbClr val="FF0000"/>
+                </a:solidFill>
+              </a:rPr>
+              <a:t>所有代码格式必须规范</a:t>
+            </a:r>
+            <a:endParaRPr sz="3600" dirty="0">
+              <a:solidFill>
+                <a:srgbClr val="FF0000"/>
+              </a:solidFill>
+            </a:endParaRPr>
+          </a:p>
+          <a:p>
+            <a:pPr lvl="1"/>
+            <a:r>
+              <a:rPr sz="3600" dirty="0">
+                <a:solidFill>
+                  <a:srgbClr val="FF0000"/>
+                </a:solidFill>
+              </a:rPr>
+              <a:t>缩进</a:t>
+            </a:r>
+            <a:r>
+              <a:rPr sz="3600">
+                <a:solidFill>
+                  <a:srgbClr val="FF0000"/>
+                </a:solidFill>
+                <a:sym typeface="+mn-ea"/>
+              </a:rPr>
+              <a:t>必须</a:t>
+            </a:r>
+            <a:r>
+              <a:rPr sz="3600" dirty="0">
+                <a:solidFill>
+                  <a:srgbClr val="FF0000"/>
+                </a:solidFill>
+              </a:rPr>
+              <a:t>严格控制</a:t>
+            </a:r>
+            <a:endParaRPr sz="3600" dirty="0">
+              <a:solidFill>
+                <a:srgbClr val="FF0000"/>
+              </a:solidFill>
+            </a:endParaRPr>
+          </a:p>
+          <a:p>
+            <a:pPr lvl="1"/>
+            <a:r>
+              <a:rPr sz="3600" dirty="0">
+                <a:solidFill>
+                  <a:srgbClr val="FF0000"/>
+                </a:solidFill>
+              </a:rPr>
+              <a:t>每个变量</a:t>
+            </a:r>
+            <a:r>
+              <a:rPr lang="en-US" altLang="zh-CN" sz="3600" dirty="0">
+                <a:solidFill>
+                  <a:srgbClr val="FF0000"/>
+                </a:solidFill>
+              </a:rPr>
+              <a:t>/</a:t>
+            </a:r>
+            <a:r>
+              <a:rPr sz="3600" dirty="0">
+                <a:solidFill>
+                  <a:srgbClr val="FF0000"/>
+                </a:solidFill>
+              </a:rPr>
+              <a:t>方法 必须有注释</a:t>
+            </a:r>
+            <a:endParaRPr sz="3600" dirty="0">
+              <a:solidFill>
+                <a:srgbClr val="FF0000"/>
+              </a:solidFill>
+            </a:endParaRPr>
+          </a:p>
+        </p:txBody>
+      </p:sp>
+    </p:spTree>
+  </p:cSld>
+  <p:clrMapOvr>
+    <a:masterClrMapping/>
+  </p:clrMapOvr>
+</p:sld>
+</file>
+
+<file path=ppt/slides/slide18.xml><?xml version="1.0" encoding="utf-8"?>
+<p:sld xmlns:a="http://schemas.openxmlformats.org/drawingml/2006/main" xmlns:r="http://schemas.openxmlformats.org/officeDocument/2006/relationships" xmlns:p="http://schemas.openxmlformats.org/presentationml/2006/main">
+  <p:cSld>
+    <p:spTree>
+      <p:nvGrpSpPr>
+        <p:cNvPr id="1" name=""/>
+        <p:cNvGrpSpPr/>
+        <p:nvPr/>
+      </p:nvGrpSpPr>
+      <p:grpSpPr>
+        <a:xfrm>
+          <a:off x="0" y="0"/>
+          <a:ext cx="0" cy="0"/>
+          <a:chOff x="0" y="0"/>
+          <a:chExt cx="0" cy="0"/>
+        </a:xfrm>
+      </p:grpSpPr>
+      <p:sp>
+        <p:nvSpPr>
+          <p:cNvPr id="5" name="标题 4"/>
+          <p:cNvSpPr>
+            <a:spLocks noGrp="1"/>
+          </p:cNvSpPr>
+          <p:nvPr>
+            <p:ph type="title"/>
+          </p:nvPr>
+        </p:nvSpPr>
+        <p:spPr/>
+        <p:txBody>
+          <a:bodyPr>
+            <a:normAutofit fontScale="90000"/>
+          </a:bodyPr>
+          <a:lstStyle/>
+          <a:p>
+            <a:r>
+              <a:rPr lang="zh-CN" altLang="en-US" dirty="0" smtClean="0"/>
+              <a:t> 规范第二条</a:t>
+            </a:r>
+            <a:endParaRPr lang="en-US" altLang="zh-CN" dirty="0" smtClean="0"/>
+          </a:p>
+        </p:txBody>
+      </p:sp>
+      <p:sp>
+        <p:nvSpPr>
+          <p:cNvPr id="6" name="内容占位符 5"/>
+          <p:cNvSpPr>
+            <a:spLocks noGrp="1"/>
+          </p:cNvSpPr>
+          <p:nvPr>
+            <p:ph idx="1"/>
+          </p:nvPr>
+        </p:nvSpPr>
+        <p:spPr/>
+        <p:txBody>
+          <a:bodyPr/>
+          <a:lstStyle/>
+          <a:p>
+            <a:r>
+              <a:rPr lang="zh-CN" altLang="en-US" dirty="0"/>
+              <a:t>编码风格</a:t>
+            </a:r>
+            <a:endParaRPr lang="zh-CN" altLang="en-US" dirty="0"/>
+          </a:p>
+          <a:p>
+            <a:pPr lvl="1"/>
+            <a:r>
+              <a:rPr lang="zh-CN" altLang="en-US" dirty="0"/>
+              <a:t>注意 风格可以在一定基础上根据大家的建议随意修改</a:t>
+            </a:r>
+            <a:endParaRPr lang="zh-CN" altLang="en-US" dirty="0"/>
+          </a:p>
+          <a:p>
+            <a:pPr lvl="1"/>
             <a:endParaRPr lang="zh-CN" altLang="en-US" dirty="0"/>
           </a:p>
         </p:txBody>
@@ -12072,11 +12553,12 @@
               <a:rPr lang="en-US" altLang="zh-CN" dirty="0" smtClean="0"/>
               <a:t>]</a:t>
             </a:r>
-          </a:p>
-          <a:p>
             <a:endParaRPr lang="en-US" altLang="zh-CN" dirty="0" smtClean="0"/>
           </a:p>
           <a:p>
+            <a:endParaRPr lang="en-US" altLang="zh-CN" dirty="0" smtClean="0"/>
+          </a:p>
+          <a:p>
             <a:r>
               <a:rPr lang="zh-CN" altLang="en-US" dirty="0" smtClean="0"/>
               <a:t>网络上面说法林林总总 但总而言之就是 </a:t>
@@ -12093,6 +12575,7 @@
               <a:rPr lang="en-US" altLang="zh-CN" dirty="0" smtClean="0"/>
               <a:t>’</a:t>
             </a:r>
+            <a:endParaRPr lang="en-US" altLang="zh-CN" dirty="0" smtClean="0"/>
           </a:p>
           <a:p>
             <a:r>
@@ -12324,6 +12807,7 @@
               <a:rPr lang="en-US" altLang="zh-CN" dirty="0" smtClean="0"/>
               <a:t>)</a:t>
             </a:r>
+            <a:endParaRPr lang="en-US" altLang="zh-CN" dirty="0" smtClean="0"/>
           </a:p>
           <a:p>
             <a:endParaRPr lang="zh-CN" altLang="en-US" dirty="0"/>
@@ -12426,6 +12910,7 @@
               <a:rPr lang="en-US" altLang="zh-CN" dirty="0" smtClean="0"/>
               <a:t>…..</a:t>
             </a:r>
+            <a:endParaRPr lang="en-US" altLang="zh-CN" dirty="0" smtClean="0"/>
           </a:p>
           <a:p>
             <a:r>
@@ -12497,6 +12982,7 @@
               <a:rPr lang="en-US" altLang="zh-CN" dirty="0" smtClean="0"/>
               <a:t>)</a:t>
             </a:r>
+            <a:endParaRPr lang="en-US" altLang="zh-CN" dirty="0" smtClean="0"/>
           </a:p>
           <a:p>
             <a:r>
@@ -12515,6 +13001,7 @@
               <a:rPr lang="en-US" altLang="zh-CN" dirty="0" smtClean="0"/>
               <a:t>)</a:t>
             </a:r>
+            <a:endParaRPr lang="en-US" altLang="zh-CN" dirty="0" smtClean="0"/>
           </a:p>
           <a:p>
             <a:r>
@@ -12537,6 +13024,7 @@
               <a:rPr lang="en-US" altLang="zh-CN" dirty="0" smtClean="0"/>
               <a:t>)</a:t>
             </a:r>
+            <a:endParaRPr lang="en-US" altLang="zh-CN" dirty="0" smtClean="0"/>
           </a:p>
           <a:p>
             <a:r>
@@ -12559,6 +13047,7 @@
               <a:rPr lang="en-US" altLang="zh-CN" dirty="0" smtClean="0"/>
               <a:t>)</a:t>
             </a:r>
+            <a:endParaRPr lang="en-US" altLang="zh-CN" dirty="0" smtClean="0"/>
           </a:p>
           <a:p>
             <a:r>
@@ -12589,6 +13078,7 @@
               <a:rPr lang="en-US" altLang="zh-CN" dirty="0" smtClean="0"/>
               <a:t>)</a:t>
             </a:r>
+            <a:endParaRPr lang="en-US" altLang="zh-CN" dirty="0" smtClean="0"/>
           </a:p>
           <a:p>
             <a:r>
@@ -12611,6 +13101,7 @@
               <a:rPr lang="en-US" altLang="zh-CN" dirty="0" smtClean="0"/>
               <a:t>)</a:t>
             </a:r>
+            <a:endParaRPr lang="en-US" altLang="zh-CN" dirty="0" smtClean="0"/>
           </a:p>
           <a:p>
             <a:r>
@@ -12726,6 +13217,7 @@
               <a:rPr lang="zh-CN" altLang="en-US" dirty="0" smtClean="0"/>
               <a:t>功能</a:t>
             </a:r>
+            <a:endParaRPr lang="zh-CN" altLang="en-US" dirty="0" smtClean="0"/>
           </a:p>
           <a:p>
             <a:r>
@@ -12764,6 +13256,7 @@
               <a:rPr lang="zh-CN" altLang="en-US" dirty="0" smtClean="0"/>
               <a:t>功能</a:t>
             </a:r>
+            <a:endParaRPr lang="zh-CN" altLang="en-US" dirty="0" smtClean="0"/>
           </a:p>
           <a:p>
             <a:r>
@@ -12802,6 +13295,7 @@
               <a:rPr lang="zh-CN" altLang="en-US" dirty="0" smtClean="0"/>
               <a:t>功能</a:t>
             </a:r>
+            <a:endParaRPr lang="zh-CN" altLang="en-US" dirty="0" smtClean="0"/>
           </a:p>
           <a:p>
             <a:r>
@@ -12840,6 +13334,7 @@
               <a:rPr lang="zh-CN" altLang="en-US" dirty="0" smtClean="0"/>
               <a:t>功能</a:t>
             </a:r>
+            <a:endParaRPr lang="zh-CN" altLang="en-US" dirty="0" smtClean="0"/>
           </a:p>
           <a:p>
             <a:r>
@@ -12878,6 +13373,7 @@
               <a:rPr lang="zh-CN" altLang="en-US" dirty="0" smtClean="0"/>
               <a:t>功能</a:t>
             </a:r>
+            <a:endParaRPr lang="zh-CN" altLang="en-US" dirty="0" smtClean="0"/>
           </a:p>
           <a:p>
             <a:endParaRPr lang="zh-CN" altLang="en-US" dirty="0" smtClean="0"/>
@@ -12931,6 +13427,7 @@
               <a:rPr lang="zh-CN" altLang="en-US" dirty="0" smtClean="0"/>
               <a:t>功能</a:t>
             </a:r>
+            <a:endParaRPr lang="zh-CN" altLang="en-US" dirty="0" smtClean="0"/>
           </a:p>
           <a:p>
             <a:r>
@@ -12993,6 +13490,7 @@
               <a:rPr lang="zh-CN" altLang="en-US" dirty="0" smtClean="0"/>
               <a:t>功能</a:t>
             </a:r>
+            <a:endParaRPr lang="zh-CN" altLang="en-US" dirty="0" smtClean="0"/>
           </a:p>
           <a:p>
             <a:endParaRPr lang="en-US" altLang="zh-CN" dirty="0" smtClean="0"/>
@@ -13487,22 +13985,7 @@
 </file>
 
 <file path=ppt/tags/tag1.xml><?xml version="1.0" encoding="utf-8"?>
-<p:tagLst xmlns:a="http://schemas.openxmlformats.org/drawingml/2006/main" xmlns:r="http://schemas.openxmlformats.org/officeDocument/2006/relationships" xmlns:p="http://schemas.openxmlformats.org/presentationml/2006/main">
-  <p:tag name="KSO_WM_UNIT_HIGHLIGHT" val="0"/>
-  <p:tag name="KSO_WM_UNIT_COMPATIBLE" val="0"/>
-  <p:tag name="KSO_WM_UNIT_DIAGRAM_ISNUMVISUAL" val="0"/>
-  <p:tag name="KSO_WM_UNIT_DIAGRAM_ISREFERUNIT" val="0"/>
-  <p:tag name="KSO_WM_UNIT_ID" val="_0**"/>
-  <p:tag name="KSO_WM_UNIT_LAYERLEVEL" val="1"/>
-  <p:tag name="KSO_WM_TAG_VERSION" val="1.0"/>
-  <p:tag name="KSO_WM_BEAUTIFY_FLAG" val="#wm#"/>
-  <p:tag name="KSO_WM_TEMPLATE_CATEGORY" val="custom"/>
-  <p:tag name="KSO_WM_TEMPLATE_INDEX" val="20204681"/>
-</p:tagLst>
-</file>
-
-<file path=ppt/tags/tag10.xml><?xml version="1.0" encoding="utf-8"?>
-<p:tagLst xmlns:a="http://schemas.openxmlformats.org/drawingml/2006/main" xmlns:r="http://schemas.openxmlformats.org/officeDocument/2006/relationships" xmlns:p="http://schemas.openxmlformats.org/presentationml/2006/main">
+<p:tagLst xmlns:p="http://schemas.openxmlformats.org/presentationml/2006/main">
   <p:tag name="KSO_WM_SLIDE_BACKGROUND_MASK_FLAG" val="1"/>
   <p:tag name="KSO_WM_UNIT_HIGHLIGHT" val="0"/>
   <p:tag name="KSO_WM_UNIT_COMPATIBLE" val="0"/>
@@ -13515,87 +13998,21 @@
 </p:tagLst>
 </file>
 
-<file path=ppt/tags/tag100.xml><?xml version="1.0" encoding="utf-8"?>
-<p:tagLst xmlns:a="http://schemas.openxmlformats.org/drawingml/2006/main" xmlns:r="http://schemas.openxmlformats.org/officeDocument/2006/relationships" xmlns:p="http://schemas.openxmlformats.org/presentationml/2006/main">
+<file path=ppt/tags/tag10.xml><?xml version="1.0" encoding="utf-8"?>
+<p:tagLst xmlns:p="http://schemas.openxmlformats.org/presentationml/2006/main">
   <p:tag name="KSO_WM_UNIT_HIGHLIGHT" val="0"/>
   <p:tag name="KSO_WM_UNIT_COMPATIBLE" val="0"/>
   <p:tag name="KSO_WM_UNIT_DIAGRAM_ISNUMVISUAL" val="0"/>
   <p:tag name="KSO_WM_UNIT_DIAGRAM_ISREFERUNIT" val="0"/>
-  <p:tag name="KSO_WM_UNIT_ID" val="_14**"/>
-  <p:tag name="KSO_WM_UNIT_LAYERLEVEL" val="1"/>
-  <p:tag name="KSO_WM_TAG_VERSION" val="1.0"/>
-  <p:tag name="KSO_WM_BEAUTIFY_FLAG" val="#wm#"/>
-  <p:tag name="KSO_WM_SLIDE_BACKGROUND_TYPE" val="leftRight"/>
-  <p:tag name="KSO_WM_SLIDE_BK_DARK_LIGHT" val="2"/>
-</p:tagLst>
-</file>
-
-<file path=ppt/tags/tag101.xml><?xml version="1.0" encoding="utf-8"?>
-<p:tagLst xmlns:a="http://schemas.openxmlformats.org/drawingml/2006/main" xmlns:r="http://schemas.openxmlformats.org/officeDocument/2006/relationships" xmlns:p="http://schemas.openxmlformats.org/presentationml/2006/main">
-  <p:tag name="KSO_WM_UNIT_HIGHLIGHT" val="0"/>
-  <p:tag name="KSO_WM_UNIT_COMPATIBLE" val="0"/>
-  <p:tag name="KSO_WM_UNIT_DIAGRAM_ISNUMVISUAL" val="0"/>
-  <p:tag name="KSO_WM_UNIT_DIAGRAM_ISREFERUNIT" val="0"/>
-  <p:tag name="KSO_WM_UNIT_ID" val="_14**"/>
-  <p:tag name="KSO_WM_UNIT_LAYERLEVEL" val="1"/>
-  <p:tag name="KSO_WM_TAG_VERSION" val="1.0"/>
-  <p:tag name="KSO_WM_BEAUTIFY_FLAG" val="#wm#"/>
-  <p:tag name="KSO_WM_SLIDE_BACKGROUND_TYPE" val="leftRight"/>
-  <p:tag name="KSO_WM_SLIDE_BK_DARK_LIGHT" val="2"/>
-</p:tagLst>
-</file>
-
-<file path=ppt/tags/tag102.xml><?xml version="1.0" encoding="utf-8"?>
-<p:tagLst xmlns:a="http://schemas.openxmlformats.org/drawingml/2006/main" xmlns:r="http://schemas.openxmlformats.org/officeDocument/2006/relationships" xmlns:p="http://schemas.openxmlformats.org/presentationml/2006/main">
-  <p:tag name="KSO_WM_UNIT_TYPE" val="i"/>
-  <p:tag name="KSO_WM_UNIT_SUBTYPE" val="h"/>
-  <p:tag name="KSO_WM_SLIDE_BACKGROUND_TYPE" val="topBottom"/>
-  <p:tag name="KSO_WM_SLIDE_BK_DARK_LIGHT" val="2"/>
-  <p:tag name="KSO_WM_UNIT_HIGHLIGHT" val="0"/>
-  <p:tag name="KSO_WM_UNIT_COMPATIBLE" val="0"/>
-  <p:tag name="KSO_WM_UNIT_DIAGRAM_ISNUMVISUAL" val="0"/>
-  <p:tag name="KSO_WM_UNIT_DIAGRAM_ISREFERUNIT" val="0"/>
-  <p:tag name="KSO_WM_UNIT_INDEX" val="0"/>
-  <p:tag name="KSO_WM_UNIT_ID" val="_15*i*0"/>
-  <p:tag name="KSO_WM_UNIT_BK_DARK_LIGHT" val="2"/>
+  <p:tag name="KSO_WM_UNIT_ID" val="_2**"/>
   <p:tag name="KSO_WM_UNIT_LAYERLEVEL" val="1"/>
   <p:tag name="KSO_WM_TAG_VERSION" val="1.0"/>
   <p:tag name="KSO_WM_BEAUTIFY_FLAG" val="#wm#"/>
 </p:tagLst>
 </file>
 
-<file path=ppt/tags/tag103.xml><?xml version="1.0" encoding="utf-8"?>
-<p:tagLst xmlns:a="http://schemas.openxmlformats.org/drawingml/2006/main" xmlns:r="http://schemas.openxmlformats.org/officeDocument/2006/relationships" xmlns:p="http://schemas.openxmlformats.org/presentationml/2006/main">
-  <p:tag name="KSO_WM_SLIDE_BACKGROUND_TYPE" val="topBottom"/>
-  <p:tag name="KSO_WM_SLIDE_BK_DARK_LIGHT" val="2"/>
-  <p:tag name="KSO_WM_UNIT_HIGHLIGHT" val="0"/>
-  <p:tag name="KSO_WM_UNIT_COMPATIBLE" val="0"/>
-  <p:tag name="KSO_WM_UNIT_DIAGRAM_ISNUMVISUAL" val="0"/>
-  <p:tag name="KSO_WM_UNIT_DIAGRAM_ISREFERUNIT" val="0"/>
-  <p:tag name="KSO_WM_UNIT_ID" val="_15**"/>
-  <p:tag name="KSO_WM_UNIT_LAYERLEVEL" val="1"/>
-  <p:tag name="KSO_WM_TAG_VERSION" val="1.0"/>
-  <p:tag name="KSO_WM_BEAUTIFY_FLAG" val="#wm#"/>
-</p:tagLst>
-</file>
-
-<file path=ppt/tags/tag104.xml><?xml version="1.0" encoding="utf-8"?>
-<p:tagLst xmlns:a="http://schemas.openxmlformats.org/drawingml/2006/main" xmlns:r="http://schemas.openxmlformats.org/officeDocument/2006/relationships" xmlns:p="http://schemas.openxmlformats.org/presentationml/2006/main">
-  <p:tag name="KSO_WM_SLIDE_BACKGROUND_TYPE" val="topBottom"/>
-  <p:tag name="KSO_WM_SLIDE_BK_DARK_LIGHT" val="2"/>
-  <p:tag name="KSO_WM_UNIT_HIGHLIGHT" val="0"/>
-  <p:tag name="KSO_WM_UNIT_COMPATIBLE" val="0"/>
-  <p:tag name="KSO_WM_UNIT_DIAGRAM_ISNUMVISUAL" val="0"/>
-  <p:tag name="KSO_WM_UNIT_DIAGRAM_ISREFERUNIT" val="0"/>
-  <p:tag name="KSO_WM_UNIT_ID" val="_15**"/>
-  <p:tag name="KSO_WM_UNIT_LAYERLEVEL" val="1"/>
-  <p:tag name="KSO_WM_TAG_VERSION" val="1.0"/>
-  <p:tag name="KSO_WM_BEAUTIFY_FLAG" val="#wm#"/>
-</p:tagLst>
-</file>
-
-<file path=ppt/tags/tag105.xml><?xml version="1.0" encoding="utf-8"?>
-<p:tagLst xmlns:a="http://schemas.openxmlformats.org/drawingml/2006/main" xmlns:r="http://schemas.openxmlformats.org/officeDocument/2006/relationships" xmlns:p="http://schemas.openxmlformats.org/presentationml/2006/main">
+<file path=ppt/tags/tag100.xml><?xml version="1.0" encoding="utf-8"?>
+<p:tagLst xmlns:p="http://schemas.openxmlformats.org/presentationml/2006/main">
   <p:tag name="KSO_WM_UNIT_HIGHLIGHT" val="0"/>
   <p:tag name="KSO_WM_UNIT_COMPATIBLE" val="0"/>
   <p:tag name="KSO_WM_UNIT_DIAGRAM_ISNUMVISUAL" val="0"/>
@@ -13609,8 +14026,8 @@
 </p:tagLst>
 </file>
 
-<file path=ppt/tags/tag106.xml><?xml version="1.0" encoding="utf-8"?>
-<p:tagLst xmlns:a="http://schemas.openxmlformats.org/drawingml/2006/main" xmlns:r="http://schemas.openxmlformats.org/officeDocument/2006/relationships" xmlns:p="http://schemas.openxmlformats.org/presentationml/2006/main">
+<file path=ppt/tags/tag101.xml><?xml version="1.0" encoding="utf-8"?>
+<p:tagLst xmlns:p="http://schemas.openxmlformats.org/presentationml/2006/main">
   <p:tag name="KSO_WM_UNIT_HIGHLIGHT" val="0"/>
   <p:tag name="KSO_WM_UNIT_COMPATIBLE" val="0"/>
   <p:tag name="KSO_WM_UNIT_DIAGRAM_ISNUMVISUAL" val="0"/>
@@ -13624,8 +14041,8 @@
 </p:tagLst>
 </file>
 
-<file path=ppt/tags/tag107.xml><?xml version="1.0" encoding="utf-8"?>
-<p:tagLst xmlns:a="http://schemas.openxmlformats.org/drawingml/2006/main" xmlns:r="http://schemas.openxmlformats.org/officeDocument/2006/relationships" xmlns:p="http://schemas.openxmlformats.org/presentationml/2006/main">
+<file path=ppt/tags/tag102.xml><?xml version="1.0" encoding="utf-8"?>
+<p:tagLst xmlns:p="http://schemas.openxmlformats.org/presentationml/2006/main">
   <p:tag name="KSO_WM_UNIT_HIGHLIGHT" val="0"/>
   <p:tag name="KSO_WM_UNIT_COMPATIBLE" val="0"/>
   <p:tag name="KSO_WM_UNIT_DIAGRAM_ISNUMVISUAL" val="0"/>
@@ -13639,8 +14056,8 @@
 </p:tagLst>
 </file>
 
-<file path=ppt/tags/tag108.xml><?xml version="1.0" encoding="utf-8"?>
-<p:tagLst xmlns:a="http://schemas.openxmlformats.org/drawingml/2006/main" xmlns:r="http://schemas.openxmlformats.org/officeDocument/2006/relationships" xmlns:p="http://schemas.openxmlformats.org/presentationml/2006/main">
+<file path=ppt/tags/tag103.xml><?xml version="1.0" encoding="utf-8"?>
+<p:tagLst xmlns:p="http://schemas.openxmlformats.org/presentationml/2006/main">
   <p:tag name="KSO_WM_UNIT_HIGHLIGHT" val="0"/>
   <p:tag name="KSO_WM_UNIT_COMPATIBLE" val="0"/>
   <p:tag name="KSO_WM_UNIT_DIAGRAM_ISNUMVISUAL" val="0"/>
@@ -13654,8 +14071,8 @@
 </p:tagLst>
 </file>
 
-<file path=ppt/tags/tag109.xml><?xml version="1.0" encoding="utf-8"?>
-<p:tagLst xmlns:a="http://schemas.openxmlformats.org/drawingml/2006/main" xmlns:r="http://schemas.openxmlformats.org/officeDocument/2006/relationships" xmlns:p="http://schemas.openxmlformats.org/presentationml/2006/main">
+<file path=ppt/tags/tag104.xml><?xml version="1.0" encoding="utf-8"?>
+<p:tagLst xmlns:p="http://schemas.openxmlformats.org/presentationml/2006/main">
   <p:tag name="KSO_WM_UNIT_HIGHLIGHT" val="0"/>
   <p:tag name="KSO_WM_UNIT_COMPATIBLE" val="0"/>
   <p:tag name="KSO_WM_UNIT_DIAGRAM_ISNUMVISUAL" val="0"/>
@@ -13669,37 +14086,8 @@
 </p:tagLst>
 </file>
 
-<file path=ppt/tags/tag11.xml><?xml version="1.0" encoding="utf-8"?>
-<p:tagLst xmlns:a="http://schemas.openxmlformats.org/drawingml/2006/main" xmlns:r="http://schemas.openxmlformats.org/officeDocument/2006/relationships" xmlns:p="http://schemas.openxmlformats.org/presentationml/2006/main">
-  <p:tag name="KSO_WM_SLIDE_BACKGROUND_MASK_FLAG" val="1"/>
-  <p:tag name="KSO_WM_UNIT_HIGHLIGHT" val="0"/>
-  <p:tag name="KSO_WM_UNIT_COMPATIBLE" val="0"/>
-  <p:tag name="KSO_WM_UNIT_DIAGRAM_ISNUMVISUAL" val="0"/>
-  <p:tag name="KSO_WM_UNIT_DIAGRAM_ISREFERUNIT" val="0"/>
-  <p:tag name="KSO_WM_UNIT_ID" val="_1**"/>
-  <p:tag name="KSO_WM_UNIT_LAYERLEVEL" val="1"/>
-  <p:tag name="KSO_WM_TAG_VERSION" val="1.0"/>
-  <p:tag name="KSO_WM_BEAUTIFY_FLAG" val="#wm#"/>
-</p:tagLst>
-</file>
-
-<file path=ppt/tags/tag110.xml><?xml version="1.0" encoding="utf-8"?>
-<p:tagLst xmlns:a="http://schemas.openxmlformats.org/drawingml/2006/main" xmlns:r="http://schemas.openxmlformats.org/officeDocument/2006/relationships" xmlns:p="http://schemas.openxmlformats.org/presentationml/2006/main">
-  <p:tag name="KSO_WM_UNIT_HIGHLIGHT" val="0"/>
-  <p:tag name="KSO_WM_UNIT_COMPATIBLE" val="0"/>
-  <p:tag name="KSO_WM_UNIT_DIAGRAM_ISNUMVISUAL" val="0"/>
-  <p:tag name="KSO_WM_UNIT_DIAGRAM_ISREFERUNIT" val="0"/>
-  <p:tag name="KSO_WM_UNIT_ID" val="_15**"/>
-  <p:tag name="KSO_WM_UNIT_LAYERLEVEL" val="1"/>
-  <p:tag name="KSO_WM_TAG_VERSION" val="1.0"/>
-  <p:tag name="KSO_WM_BEAUTIFY_FLAG" val="#wm#"/>
-  <p:tag name="KSO_WM_SLIDE_BACKGROUND_TYPE" val="topBottom"/>
-  <p:tag name="KSO_WM_SLIDE_BK_DARK_LIGHT" val="2"/>
-</p:tagLst>
-</file>
-
-<file path=ppt/tags/tag111.xml><?xml version="1.0" encoding="utf-8"?>
-<p:tagLst xmlns:a="http://schemas.openxmlformats.org/drawingml/2006/main" xmlns:r="http://schemas.openxmlformats.org/officeDocument/2006/relationships" xmlns:p="http://schemas.openxmlformats.org/presentationml/2006/main">
+<file path=ppt/tags/tag105.xml><?xml version="1.0" encoding="utf-8"?>
+<p:tagLst xmlns:p="http://schemas.openxmlformats.org/presentationml/2006/main">
   <p:tag name="KSO_WM_UNIT_TYPE" val="i"/>
   <p:tag name="KSO_WM_UNIT_SUBTYPE" val="h"/>
   <p:tag name="KSO_WM_SLIDE_BACKGROUND_TYPE" val="bottomTop"/>
@@ -13717,8 +14105,8 @@
 </p:tagLst>
 </file>
 
-<file path=ppt/tags/tag112.xml><?xml version="1.0" encoding="utf-8"?>
-<p:tagLst xmlns:a="http://schemas.openxmlformats.org/drawingml/2006/main" xmlns:r="http://schemas.openxmlformats.org/officeDocument/2006/relationships" xmlns:p="http://schemas.openxmlformats.org/presentationml/2006/main">
+<file path=ppt/tags/tag106.xml><?xml version="1.0" encoding="utf-8"?>
+<p:tagLst xmlns:p="http://schemas.openxmlformats.org/presentationml/2006/main">
   <p:tag name="KSO_WM_SLIDE_BACKGROUND_TYPE" val="bottomTop"/>
   <p:tag name="KSO_WM_SLIDE_BK_DARK_LIGHT" val="2"/>
   <p:tag name="KSO_WM_UNIT_HIGHLIGHT" val="0"/>
@@ -13732,8 +14120,8 @@
 </p:tagLst>
 </file>
 
-<file path=ppt/tags/tag113.xml><?xml version="1.0" encoding="utf-8"?>
-<p:tagLst xmlns:a="http://schemas.openxmlformats.org/drawingml/2006/main" xmlns:r="http://schemas.openxmlformats.org/officeDocument/2006/relationships" xmlns:p="http://schemas.openxmlformats.org/presentationml/2006/main">
+<file path=ppt/tags/tag107.xml><?xml version="1.0" encoding="utf-8"?>
+<p:tagLst xmlns:p="http://schemas.openxmlformats.org/presentationml/2006/main">
   <p:tag name="KSO_WM_SLIDE_BACKGROUND_TYPE" val="bottomTop"/>
   <p:tag name="KSO_WM_SLIDE_BK_DARK_LIGHT" val="2"/>
   <p:tag name="KSO_WM_UNIT_HIGHLIGHT" val="0"/>
@@ -13747,8 +14135,8 @@
 </p:tagLst>
 </file>
 
-<file path=ppt/tags/tag114.xml><?xml version="1.0" encoding="utf-8"?>
-<p:tagLst xmlns:a="http://schemas.openxmlformats.org/drawingml/2006/main" xmlns:r="http://schemas.openxmlformats.org/officeDocument/2006/relationships" xmlns:p="http://schemas.openxmlformats.org/presentationml/2006/main">
+<file path=ppt/tags/tag108.xml><?xml version="1.0" encoding="utf-8"?>
+<p:tagLst xmlns:p="http://schemas.openxmlformats.org/presentationml/2006/main">
   <p:tag name="KSO_WM_UNIT_HIGHLIGHT" val="0"/>
   <p:tag name="KSO_WM_UNIT_COMPATIBLE" val="0"/>
   <p:tag name="KSO_WM_UNIT_DIAGRAM_ISNUMVISUAL" val="0"/>
@@ -13762,8 +14150,8 @@
 </p:tagLst>
 </file>
 
-<file path=ppt/tags/tag115.xml><?xml version="1.0" encoding="utf-8"?>
-<p:tagLst xmlns:a="http://schemas.openxmlformats.org/drawingml/2006/main" xmlns:r="http://schemas.openxmlformats.org/officeDocument/2006/relationships" xmlns:p="http://schemas.openxmlformats.org/presentationml/2006/main">
+<file path=ppt/tags/tag109.xml><?xml version="1.0" encoding="utf-8"?>
+<p:tagLst xmlns:p="http://schemas.openxmlformats.org/presentationml/2006/main">
   <p:tag name="KSO_WM_UNIT_HIGHLIGHT" val="0"/>
   <p:tag name="KSO_WM_UNIT_COMPATIBLE" val="0"/>
   <p:tag name="KSO_WM_UNIT_DIAGRAM_ISNUMVISUAL" val="0"/>
@@ -13777,8 +14165,21 @@
 </p:tagLst>
 </file>
 
-<file path=ppt/tags/tag116.xml><?xml version="1.0" encoding="utf-8"?>
-<p:tagLst xmlns:a="http://schemas.openxmlformats.org/drawingml/2006/main" xmlns:r="http://schemas.openxmlformats.org/officeDocument/2006/relationships" xmlns:p="http://schemas.openxmlformats.org/presentationml/2006/main">
+<file path=ppt/tags/tag11.xml><?xml version="1.0" encoding="utf-8"?>
+<p:tagLst xmlns:p="http://schemas.openxmlformats.org/presentationml/2006/main">
+  <p:tag name="KSO_WM_UNIT_HIGHLIGHT" val="0"/>
+  <p:tag name="KSO_WM_UNIT_COMPATIBLE" val="0"/>
+  <p:tag name="KSO_WM_UNIT_DIAGRAM_ISNUMVISUAL" val="0"/>
+  <p:tag name="KSO_WM_UNIT_DIAGRAM_ISREFERUNIT" val="0"/>
+  <p:tag name="KSO_WM_UNIT_ID" val="_2**"/>
+  <p:tag name="KSO_WM_UNIT_LAYERLEVEL" val="1"/>
+  <p:tag name="KSO_WM_TAG_VERSION" val="1.0"/>
+  <p:tag name="KSO_WM_BEAUTIFY_FLAG" val="#wm#"/>
+</p:tagLst>
+</file>
+
+<file path=ppt/tags/tag110.xml><?xml version="1.0" encoding="utf-8"?>
+<p:tagLst xmlns:p="http://schemas.openxmlformats.org/presentationml/2006/main">
   <p:tag name="KSO_WM_UNIT_HIGHLIGHT" val="0"/>
   <p:tag name="KSO_WM_UNIT_COMPATIBLE" val="0"/>
   <p:tag name="KSO_WM_UNIT_DIAGRAM_ISNUMVISUAL" val="0"/>
@@ -13792,8 +14193,8 @@
 </p:tagLst>
 </file>
 
-<file path=ppt/tags/tag117.xml><?xml version="1.0" encoding="utf-8"?>
-<p:tagLst xmlns:a="http://schemas.openxmlformats.org/drawingml/2006/main" xmlns:r="http://schemas.openxmlformats.org/officeDocument/2006/relationships" xmlns:p="http://schemas.openxmlformats.org/presentationml/2006/main">
+<file path=ppt/tags/tag111.xml><?xml version="1.0" encoding="utf-8"?>
+<p:tagLst xmlns:p="http://schemas.openxmlformats.org/presentationml/2006/main">
   <p:tag name="KSO_WM_UNIT_HIGHLIGHT" val="0"/>
   <p:tag name="KSO_WM_UNIT_COMPATIBLE" val="0"/>
   <p:tag name="KSO_WM_UNIT_DIAGRAM_ISNUMVISUAL" val="0"/>
@@ -13807,8 +14208,8 @@
 </p:tagLst>
 </file>
 
-<file path=ppt/tags/tag118.xml><?xml version="1.0" encoding="utf-8"?>
-<p:tagLst xmlns:a="http://schemas.openxmlformats.org/drawingml/2006/main" xmlns:r="http://schemas.openxmlformats.org/officeDocument/2006/relationships" xmlns:p="http://schemas.openxmlformats.org/presentationml/2006/main">
+<file path=ppt/tags/tag112.xml><?xml version="1.0" encoding="utf-8"?>
+<p:tagLst xmlns:p="http://schemas.openxmlformats.org/presentationml/2006/main">
   <p:tag name="KSO_WM_UNIT_HIGHLIGHT" val="0"/>
   <p:tag name="KSO_WM_UNIT_COMPATIBLE" val="0"/>
   <p:tag name="KSO_WM_UNIT_DIAGRAM_ISNUMVISUAL" val="0"/>
@@ -13822,8 +14223,8 @@
 </p:tagLst>
 </file>
 
-<file path=ppt/tags/tag119.xml><?xml version="1.0" encoding="utf-8"?>
-<p:tagLst xmlns:a="http://schemas.openxmlformats.org/drawingml/2006/main" xmlns:r="http://schemas.openxmlformats.org/officeDocument/2006/relationships" xmlns:p="http://schemas.openxmlformats.org/presentationml/2006/main">
+<file path=ppt/tags/tag113.xml><?xml version="1.0" encoding="utf-8"?>
+<p:tagLst xmlns:p="http://schemas.openxmlformats.org/presentationml/2006/main">
   <p:tag name="KSO_WM_UNIT_HIGHLIGHT" val="0"/>
   <p:tag name="KSO_WM_UNIT_COMPATIBLE" val="0"/>
   <p:tag name="KSO_WM_UNIT_DIAGRAM_ISNUMVISUAL" val="0"/>
@@ -13837,22 +14238,8 @@
 </p:tagLst>
 </file>
 
-<file path=ppt/tags/tag12.xml><?xml version="1.0" encoding="utf-8"?>
-<p:tagLst xmlns:a="http://schemas.openxmlformats.org/drawingml/2006/main" xmlns:r="http://schemas.openxmlformats.org/officeDocument/2006/relationships" xmlns:p="http://schemas.openxmlformats.org/presentationml/2006/main">
-  <p:tag name="KSO_WM_SLIDE_BACKGROUND_MASK_FLAG" val="1"/>
-  <p:tag name="KSO_WM_UNIT_HIGHLIGHT" val="0"/>
-  <p:tag name="KSO_WM_UNIT_COMPATIBLE" val="0"/>
-  <p:tag name="KSO_WM_UNIT_DIAGRAM_ISNUMVISUAL" val="0"/>
-  <p:tag name="KSO_WM_UNIT_DIAGRAM_ISREFERUNIT" val="0"/>
-  <p:tag name="KSO_WM_UNIT_ID" val="_1**"/>
-  <p:tag name="KSO_WM_UNIT_LAYERLEVEL" val="1"/>
-  <p:tag name="KSO_WM_TAG_VERSION" val="1.0"/>
-  <p:tag name="KSO_WM_BEAUTIFY_FLAG" val="#wm#"/>
-</p:tagLst>
-</file>
-
-<file path=ppt/tags/tag120.xml><?xml version="1.0" encoding="utf-8"?>
-<p:tagLst xmlns:a="http://schemas.openxmlformats.org/drawingml/2006/main" xmlns:r="http://schemas.openxmlformats.org/officeDocument/2006/relationships" xmlns:p="http://schemas.openxmlformats.org/presentationml/2006/main">
+<file path=ppt/tags/tag114.xml><?xml version="1.0" encoding="utf-8"?>
+<p:tagLst xmlns:p="http://schemas.openxmlformats.org/presentationml/2006/main">
   <p:tag name="KSO_WM_UNIT_TYPE" val="i"/>
   <p:tag name="KSO_WM_UNIT_SUBTYPE" val="h"/>
   <p:tag name="KSO_WM_SLIDE_BACKGROUND_TYPE" val="navigation"/>
@@ -13870,8 +14257,8 @@
 </p:tagLst>
 </file>
 
-<file path=ppt/tags/tag121.xml><?xml version="1.0" encoding="utf-8"?>
-<p:tagLst xmlns:a="http://schemas.openxmlformats.org/drawingml/2006/main" xmlns:r="http://schemas.openxmlformats.org/officeDocument/2006/relationships" xmlns:p="http://schemas.openxmlformats.org/presentationml/2006/main">
+<file path=ppt/tags/tag115.xml><?xml version="1.0" encoding="utf-8"?>
+<p:tagLst xmlns:p="http://schemas.openxmlformats.org/presentationml/2006/main">
   <p:tag name="KSO_WM_SLIDE_BACKGROUND_TYPE" val="navigation"/>
   <p:tag name="KSO_WM_SLIDE_BK_DARK_LIGHT" val="2"/>
   <p:tag name="KSO_WM_UNIT_HIGHLIGHT" val="0"/>
@@ -13885,8 +14272,8 @@
 </p:tagLst>
 </file>
 
-<file path=ppt/tags/tag122.xml><?xml version="1.0" encoding="utf-8"?>
-<p:tagLst xmlns:a="http://schemas.openxmlformats.org/drawingml/2006/main" xmlns:r="http://schemas.openxmlformats.org/officeDocument/2006/relationships" xmlns:p="http://schemas.openxmlformats.org/presentationml/2006/main">
+<file path=ppt/tags/tag116.xml><?xml version="1.0" encoding="utf-8"?>
+<p:tagLst xmlns:p="http://schemas.openxmlformats.org/presentationml/2006/main">
   <p:tag name="KSO_WM_SLIDE_BACKGROUND_TYPE" val="navigation"/>
   <p:tag name="KSO_WM_SLIDE_BK_DARK_LIGHT" val="2"/>
   <p:tag name="KSO_WM_UNIT_HIGHLIGHT" val="0"/>
@@ -13900,8 +14287,8 @@
 </p:tagLst>
 </file>
 
-<file path=ppt/tags/tag123.xml><?xml version="1.0" encoding="utf-8"?>
-<p:tagLst xmlns:a="http://schemas.openxmlformats.org/drawingml/2006/main" xmlns:r="http://schemas.openxmlformats.org/officeDocument/2006/relationships" xmlns:p="http://schemas.openxmlformats.org/presentationml/2006/main">
+<file path=ppt/tags/tag117.xml><?xml version="1.0" encoding="utf-8"?>
+<p:tagLst xmlns:p="http://schemas.openxmlformats.org/presentationml/2006/main">
   <p:tag name="KSO_WM_UNIT_HIGHLIGHT" val="0"/>
   <p:tag name="KSO_WM_UNIT_COMPATIBLE" val="0"/>
   <p:tag name="KSO_WM_UNIT_DIAGRAM_ISNUMVISUAL" val="0"/>
@@ -13915,8 +14302,8 @@
 </p:tagLst>
 </file>
 
-<file path=ppt/tags/tag124.xml><?xml version="1.0" encoding="utf-8"?>
-<p:tagLst xmlns:a="http://schemas.openxmlformats.org/drawingml/2006/main" xmlns:r="http://schemas.openxmlformats.org/officeDocument/2006/relationships" xmlns:p="http://schemas.openxmlformats.org/presentationml/2006/main">
+<file path=ppt/tags/tag118.xml><?xml version="1.0" encoding="utf-8"?>
+<p:tagLst xmlns:p="http://schemas.openxmlformats.org/presentationml/2006/main">
   <p:tag name="KSO_WM_UNIT_HIGHLIGHT" val="0"/>
   <p:tag name="KSO_WM_UNIT_COMPATIBLE" val="0"/>
   <p:tag name="KSO_WM_UNIT_DIAGRAM_ISNUMVISUAL" val="0"/>
@@ -13930,8 +14317,8 @@
 </p:tagLst>
 </file>
 
-<file path=ppt/tags/tag125.xml><?xml version="1.0" encoding="utf-8"?>
-<p:tagLst xmlns:a="http://schemas.openxmlformats.org/drawingml/2006/main" xmlns:r="http://schemas.openxmlformats.org/officeDocument/2006/relationships" xmlns:p="http://schemas.openxmlformats.org/presentationml/2006/main">
+<file path=ppt/tags/tag119.xml><?xml version="1.0" encoding="utf-8"?>
+<p:tagLst xmlns:p="http://schemas.openxmlformats.org/presentationml/2006/main">
   <p:tag name="KSO_WM_UNIT_HIGHLIGHT" val="0"/>
   <p:tag name="KSO_WM_UNIT_COMPATIBLE" val="0"/>
   <p:tag name="KSO_WM_UNIT_DIAGRAM_ISNUMVISUAL" val="0"/>
@@ -13945,8 +14332,21 @@
 </p:tagLst>
 </file>
 
-<file path=ppt/tags/tag126.xml><?xml version="1.0" encoding="utf-8"?>
-<p:tagLst xmlns:a="http://schemas.openxmlformats.org/drawingml/2006/main" xmlns:r="http://schemas.openxmlformats.org/officeDocument/2006/relationships" xmlns:p="http://schemas.openxmlformats.org/presentationml/2006/main">
+<file path=ppt/tags/tag12.xml><?xml version="1.0" encoding="utf-8"?>
+<p:tagLst xmlns:p="http://schemas.openxmlformats.org/presentationml/2006/main">
+  <p:tag name="KSO_WM_UNIT_HIGHLIGHT" val="0"/>
+  <p:tag name="KSO_WM_UNIT_COMPATIBLE" val="0"/>
+  <p:tag name="KSO_WM_UNIT_DIAGRAM_ISNUMVISUAL" val="0"/>
+  <p:tag name="KSO_WM_UNIT_DIAGRAM_ISREFERUNIT" val="0"/>
+  <p:tag name="KSO_WM_UNIT_ID" val="_2**"/>
+  <p:tag name="KSO_WM_UNIT_LAYERLEVEL" val="1"/>
+  <p:tag name="KSO_WM_TAG_VERSION" val="1.0"/>
+  <p:tag name="KSO_WM_BEAUTIFY_FLAG" val="#wm#"/>
+</p:tagLst>
+</file>
+
+<file path=ppt/tags/tag120.xml><?xml version="1.0" encoding="utf-8"?>
+<p:tagLst xmlns:p="http://schemas.openxmlformats.org/presentationml/2006/main">
   <p:tag name="KSO_WM_UNIT_HIGHLIGHT" val="0"/>
   <p:tag name="KSO_WM_UNIT_COMPATIBLE" val="0"/>
   <p:tag name="KSO_WM_UNIT_DIAGRAM_ISNUMVISUAL" val="0"/>
@@ -13960,8 +14360,8 @@
 </p:tagLst>
 </file>
 
-<file path=ppt/tags/tag127.xml><?xml version="1.0" encoding="utf-8"?>
-<p:tagLst xmlns:a="http://schemas.openxmlformats.org/drawingml/2006/main" xmlns:r="http://schemas.openxmlformats.org/officeDocument/2006/relationships" xmlns:p="http://schemas.openxmlformats.org/presentationml/2006/main">
+<file path=ppt/tags/tag121.xml><?xml version="1.0" encoding="utf-8"?>
+<p:tagLst xmlns:p="http://schemas.openxmlformats.org/presentationml/2006/main">
   <p:tag name="KSO_WM_UNIT_HIGHLIGHT" val="0"/>
   <p:tag name="KSO_WM_UNIT_COMPATIBLE" val="0"/>
   <p:tag name="KSO_WM_UNIT_DIAGRAM_ISNUMVISUAL" val="0"/>
@@ -13975,8 +14375,8 @@
 </p:tagLst>
 </file>
 
-<file path=ppt/tags/tag128.xml><?xml version="1.0" encoding="utf-8"?>
-<p:tagLst xmlns:a="http://schemas.openxmlformats.org/drawingml/2006/main" xmlns:r="http://schemas.openxmlformats.org/officeDocument/2006/relationships" xmlns:p="http://schemas.openxmlformats.org/presentationml/2006/main">
+<file path=ppt/tags/tag122.xml><?xml version="1.0" encoding="utf-8"?>
+<p:tagLst xmlns:p="http://schemas.openxmlformats.org/presentationml/2006/main">
   <p:tag name="KSO_WM_UNIT_HIGHLIGHT" val="0"/>
   <p:tag name="KSO_WM_UNIT_COMPATIBLE" val="0"/>
   <p:tag name="KSO_WM_UNIT_DIAGRAM_ISNUMVISUAL" val="0"/>
@@ -13990,8 +14390,8 @@
 </p:tagLst>
 </file>
 
-<file path=ppt/tags/tag129.xml><?xml version="1.0" encoding="utf-8"?>
-<p:tagLst xmlns:a="http://schemas.openxmlformats.org/drawingml/2006/main" xmlns:r="http://schemas.openxmlformats.org/officeDocument/2006/relationships" xmlns:p="http://schemas.openxmlformats.org/presentationml/2006/main">
+<file path=ppt/tags/tag123.xml><?xml version="1.0" encoding="utf-8"?>
+<p:tagLst xmlns:p="http://schemas.openxmlformats.org/presentationml/2006/main">
   <p:tag name="KSO_WM_UNIT_HIGHLIGHT" val="0"/>
   <p:tag name="KSO_WM_UNIT_COMPATIBLE" val="0"/>
   <p:tag name="KSO_WM_UNIT_DIAGRAM_ISNUMVISUAL" val="0"/>
@@ -14005,21 +14405,8 @@
 </p:tagLst>
 </file>
 
-<file path=ppt/tags/tag13.xml><?xml version="1.0" encoding="utf-8"?>
-<p:tagLst xmlns:a="http://schemas.openxmlformats.org/drawingml/2006/main" xmlns:r="http://schemas.openxmlformats.org/officeDocument/2006/relationships" xmlns:p="http://schemas.openxmlformats.org/presentationml/2006/main">
-  <p:tag name="KSO_WM_UNIT_HIGHLIGHT" val="0"/>
-  <p:tag name="KSO_WM_UNIT_COMPATIBLE" val="0"/>
-  <p:tag name="KSO_WM_UNIT_DIAGRAM_ISNUMVISUAL" val="0"/>
-  <p:tag name="KSO_WM_UNIT_DIAGRAM_ISREFERUNIT" val="0"/>
-  <p:tag name="KSO_WM_UNIT_ID" val="_2**"/>
-  <p:tag name="KSO_WM_UNIT_LAYERLEVEL" val="1"/>
-  <p:tag name="KSO_WM_TAG_VERSION" val="1.0"/>
-  <p:tag name="KSO_WM_BEAUTIFY_FLAG" val="#wm#"/>
-</p:tagLst>
-</file>
-
-<file path=ppt/tags/tag130.xml><?xml version="1.0" encoding="utf-8"?>
-<p:tagLst xmlns:a="http://schemas.openxmlformats.org/drawingml/2006/main" xmlns:r="http://schemas.openxmlformats.org/officeDocument/2006/relationships" xmlns:p="http://schemas.openxmlformats.org/presentationml/2006/main">
+<file path=ppt/tags/tag124.xml><?xml version="1.0" encoding="utf-8"?>
+<p:tagLst xmlns:p="http://schemas.openxmlformats.org/presentationml/2006/main">
   <p:tag name="KSO_WM_UNIT_HIGHLIGHT" val="0"/>
   <p:tag name="KSO_WM_UNIT_COMPATIBLE" val="0"/>
   <p:tag name="KSO_WM_UNIT_DIAGRAM_ISNUMVISUAL" val="0"/>
@@ -14033,8 +14420,8 @@
 </p:tagLst>
 </file>
 
-<file path=ppt/tags/tag131.xml><?xml version="1.0" encoding="utf-8"?>
-<p:tagLst xmlns:a="http://schemas.openxmlformats.org/drawingml/2006/main" xmlns:r="http://schemas.openxmlformats.org/officeDocument/2006/relationships" xmlns:p="http://schemas.openxmlformats.org/presentationml/2006/main">
+<file path=ppt/tags/tag125.xml><?xml version="1.0" encoding="utf-8"?>
+<p:tagLst xmlns:p="http://schemas.openxmlformats.org/presentationml/2006/main">
   <p:tag name="KSO_WM_UNIT_TYPE" val="i"/>
   <p:tag name="KSO_WM_UNIT_SUBTYPE" val="h"/>
   <p:tag name="KSO_WM_SLIDE_BACKGROUND_TYPE" val="belt"/>
@@ -14052,8 +14439,8 @@
 </p:tagLst>
 </file>
 
-<file path=ppt/tags/tag132.xml><?xml version="1.0" encoding="utf-8"?>
-<p:tagLst xmlns:a="http://schemas.openxmlformats.org/drawingml/2006/main" xmlns:r="http://schemas.openxmlformats.org/officeDocument/2006/relationships" xmlns:p="http://schemas.openxmlformats.org/presentationml/2006/main">
+<file path=ppt/tags/tag126.xml><?xml version="1.0" encoding="utf-8"?>
+<p:tagLst xmlns:p="http://schemas.openxmlformats.org/presentationml/2006/main">
   <p:tag name="KSO_WM_SLIDE_BACKGROUND_TYPE" val="belt"/>
   <p:tag name="KSO_WM_SLIDE_BK_DARK_LIGHT" val="2"/>
   <p:tag name="KSO_WM_UNIT_HIGHLIGHT" val="0"/>
@@ -14067,8 +14454,8 @@
 </p:tagLst>
 </file>
 
-<file path=ppt/tags/tag133.xml><?xml version="1.0" encoding="utf-8"?>
-<p:tagLst xmlns:a="http://schemas.openxmlformats.org/drawingml/2006/main" xmlns:r="http://schemas.openxmlformats.org/officeDocument/2006/relationships" xmlns:p="http://schemas.openxmlformats.org/presentationml/2006/main">
+<file path=ppt/tags/tag127.xml><?xml version="1.0" encoding="utf-8"?>
+<p:tagLst xmlns:p="http://schemas.openxmlformats.org/presentationml/2006/main">
   <p:tag name="KSO_WM_SLIDE_BACKGROUND_TYPE" val="belt"/>
   <p:tag name="KSO_WM_SLIDE_BK_DARK_LIGHT" val="2"/>
   <p:tag name="KSO_WM_UNIT_HIGHLIGHT" val="0"/>
@@ -14082,8 +14469,8 @@
 </p:tagLst>
 </file>
 
-<file path=ppt/tags/tag134.xml><?xml version="1.0" encoding="utf-8"?>
-<p:tagLst xmlns:a="http://schemas.openxmlformats.org/drawingml/2006/main" xmlns:r="http://schemas.openxmlformats.org/officeDocument/2006/relationships" xmlns:p="http://schemas.openxmlformats.org/presentationml/2006/main">
+<file path=ppt/tags/tag128.xml><?xml version="1.0" encoding="utf-8"?>
+<p:tagLst xmlns:p="http://schemas.openxmlformats.org/presentationml/2006/main">
   <p:tag name="KSO_WM_UNIT_HIGHLIGHT" val="0"/>
   <p:tag name="KSO_WM_UNIT_COMPATIBLE" val="0"/>
   <p:tag name="KSO_WM_UNIT_DIAGRAM_ISNUMVISUAL" val="0"/>
@@ -14097,8 +14484,8 @@
 </p:tagLst>
 </file>
 
-<file path=ppt/tags/tag135.xml><?xml version="1.0" encoding="utf-8"?>
-<p:tagLst xmlns:a="http://schemas.openxmlformats.org/drawingml/2006/main" xmlns:r="http://schemas.openxmlformats.org/officeDocument/2006/relationships" xmlns:p="http://schemas.openxmlformats.org/presentationml/2006/main">
+<file path=ppt/tags/tag129.xml><?xml version="1.0" encoding="utf-8"?>
+<p:tagLst xmlns:p="http://schemas.openxmlformats.org/presentationml/2006/main">
   <p:tag name="KSO_WM_UNIT_HIGHLIGHT" val="0"/>
   <p:tag name="KSO_WM_UNIT_COMPATIBLE" val="0"/>
   <p:tag name="KSO_WM_UNIT_DIAGRAM_ISNUMVISUAL" val="0"/>
@@ -14112,8 +14499,21 @@
 </p:tagLst>
 </file>
 
-<file path=ppt/tags/tag136.xml><?xml version="1.0" encoding="utf-8"?>
-<p:tagLst xmlns:a="http://schemas.openxmlformats.org/drawingml/2006/main" xmlns:r="http://schemas.openxmlformats.org/officeDocument/2006/relationships" xmlns:p="http://schemas.openxmlformats.org/presentationml/2006/main">
+<file path=ppt/tags/tag13.xml><?xml version="1.0" encoding="utf-8"?>
+<p:tagLst xmlns:p="http://schemas.openxmlformats.org/presentationml/2006/main">
+  <p:tag name="KSO_WM_UNIT_HIGHLIGHT" val="0"/>
+  <p:tag name="KSO_WM_UNIT_COMPATIBLE" val="0"/>
+  <p:tag name="KSO_WM_UNIT_DIAGRAM_ISNUMVISUAL" val="0"/>
+  <p:tag name="KSO_WM_UNIT_DIAGRAM_ISREFERUNIT" val="0"/>
+  <p:tag name="KSO_WM_UNIT_ID" val="_2**"/>
+  <p:tag name="KSO_WM_UNIT_LAYERLEVEL" val="1"/>
+  <p:tag name="KSO_WM_TAG_VERSION" val="1.0"/>
+  <p:tag name="KSO_WM_BEAUTIFY_FLAG" val="#wm#"/>
+</p:tagLst>
+</file>
+
+<file path=ppt/tags/tag130.xml><?xml version="1.0" encoding="utf-8"?>
+<p:tagLst xmlns:p="http://schemas.openxmlformats.org/presentationml/2006/main">
   <p:tag name="KSO_WM_UNIT_HIGHLIGHT" val="0"/>
   <p:tag name="KSO_WM_UNIT_COMPATIBLE" val="0"/>
   <p:tag name="KSO_WM_UNIT_DIAGRAM_ISNUMVISUAL" val="0"/>
@@ -14127,8 +14527,8 @@
 </p:tagLst>
 </file>
 
-<file path=ppt/tags/tag137.xml><?xml version="1.0" encoding="utf-8"?>
-<p:tagLst xmlns:a="http://schemas.openxmlformats.org/drawingml/2006/main" xmlns:r="http://schemas.openxmlformats.org/officeDocument/2006/relationships" xmlns:p="http://schemas.openxmlformats.org/presentationml/2006/main">
+<file path=ppt/tags/tag131.xml><?xml version="1.0" encoding="utf-8"?>
+<p:tagLst xmlns:p="http://schemas.openxmlformats.org/presentationml/2006/main">
   <p:tag name="KSO_WM_UNIT_HIGHLIGHT" val="0"/>
   <p:tag name="KSO_WM_UNIT_COMPATIBLE" val="0"/>
   <p:tag name="KSO_WM_UNIT_DIAGRAM_ISNUMVISUAL" val="0"/>
@@ -14142,8 +14542,8 @@
 </p:tagLst>
 </file>
 
-<file path=ppt/tags/tag138.xml><?xml version="1.0" encoding="utf-8"?>
-<p:tagLst xmlns:a="http://schemas.openxmlformats.org/drawingml/2006/main" xmlns:r="http://schemas.openxmlformats.org/officeDocument/2006/relationships" xmlns:p="http://schemas.openxmlformats.org/presentationml/2006/main">
+<file path=ppt/tags/tag132.xml><?xml version="1.0" encoding="utf-8"?>
+<p:tagLst xmlns:p="http://schemas.openxmlformats.org/presentationml/2006/main">
   <p:tag name="KSO_WM_UNIT_HIGHLIGHT" val="0"/>
   <p:tag name="KSO_WM_UNIT_COMPATIBLE" val="0"/>
   <p:tag name="KSO_WM_UNIT_DIAGRAM_ISNUMVISUAL" val="0"/>
@@ -14157,42 +14557,91 @@
 </p:tagLst>
 </file>
 
-<file path=ppt/tags/tag139.xml><?xml version="1.0" encoding="utf-8"?>
-<p:tagLst xmlns:a="http://schemas.openxmlformats.org/drawingml/2006/main" xmlns:r="http://schemas.openxmlformats.org/officeDocument/2006/relationships" xmlns:p="http://schemas.openxmlformats.org/presentationml/2006/main">
-  <p:tag name="KSO_WM_SLIDE_ID" val="custom20204677_1"/>
-  <p:tag name="KSO_WM_TEMPLATE_SUBCATEGORY" val="0"/>
-  <p:tag name="KSO_WM_TEMPLATE_MASTER_TYPE" val="1"/>
-  <p:tag name="KSO_WM_TEMPLATE_COLOR_TYPE" val="1"/>
-  <p:tag name="KSO_WM_SLIDE_TYPE" val="title"/>
-  <p:tag name="KSO_WM_SLIDE_SUBTYPE" val="pureTxt"/>
-  <p:tag name="KSO_WM_SLIDE_ITEM_CNT" val="0"/>
-  <p:tag name="KSO_WM_SLIDE_INDEX" val="1"/>
-  <p:tag name="KSO_WM_TAG_VERSION" val="1.0"/>
-  <p:tag name="KSO_WM_BEAUTIFY_FLAG" val="#wm#"/>
-  <p:tag name="KSO_WM_TEMPLATE_CATEGORY" val="custom"/>
-  <p:tag name="KSO_WM_TEMPLATE_INDEX" val="20204677"/>
-  <p:tag name="KSO_WM_SLIDE_LAYOUT" val="a_b"/>
-  <p:tag name="KSO_WM_SLIDE_LAYOUT_CNT" val="1_1"/>
-  <p:tag name="KSO_WM_TEMPLATE_MASTER_THUMB_INDEX" val="12"/>
-  <p:tag name="KSO_WM_TEMPLATE_THUMBS_INDEX" val="1、4、7、8、9、12、17、20、25、26、27"/>
-</p:tagLst>
-</file>
-
-<file path=ppt/tags/tag14.xml><?xml version="1.0" encoding="utf-8"?>
-<p:tagLst xmlns:a="http://schemas.openxmlformats.org/drawingml/2006/main" xmlns:r="http://schemas.openxmlformats.org/officeDocument/2006/relationships" xmlns:p="http://schemas.openxmlformats.org/presentationml/2006/main">
+<file path=ppt/tags/tag133.xml><?xml version="1.0" encoding="utf-8"?>
+<p:tagLst xmlns:p="http://schemas.openxmlformats.org/presentationml/2006/main">
   <p:tag name="KSO_WM_UNIT_HIGHLIGHT" val="0"/>
   <p:tag name="KSO_WM_UNIT_COMPATIBLE" val="0"/>
   <p:tag name="KSO_WM_UNIT_DIAGRAM_ISNUMVISUAL" val="0"/>
   <p:tag name="KSO_WM_UNIT_DIAGRAM_ISREFERUNIT" val="0"/>
-  <p:tag name="KSO_WM_UNIT_ID" val="_2**"/>
+  <p:tag name="KSO_WM_UNIT_ID" val="_0**"/>
+  <p:tag name="KSO_WM_UNIT_LAYERLEVEL" val="1"/>
+  <p:tag name="KSO_WM_TAG_VERSION" val="1.0"/>
+  <p:tag name="KSO_WM_BEAUTIFY_FLAG" val="#wm#"/>
+  <p:tag name="KSO_WM_TEMPLATE_CATEGORY" val="custom"/>
+  <p:tag name="KSO_WM_TEMPLATE_INDEX" val="20204681"/>
+</p:tagLst>
+</file>
+
+<file path=ppt/tags/tag134.xml><?xml version="1.0" encoding="utf-8"?>
+<p:tagLst xmlns:p="http://schemas.openxmlformats.org/presentationml/2006/main">
+  <p:tag name="KSO_WM_UNIT_HIGHLIGHT" val="0"/>
+  <p:tag name="KSO_WM_UNIT_COMPATIBLE" val="0"/>
+  <p:tag name="KSO_WM_UNIT_DIAGRAM_ISNUMVISUAL" val="0"/>
+  <p:tag name="KSO_WM_UNIT_DIAGRAM_ISREFERUNIT" val="0"/>
+  <p:tag name="KSO_WM_UNIT_ID" val="_0**"/>
+  <p:tag name="KSO_WM_UNIT_LAYERLEVEL" val="1"/>
+  <p:tag name="KSO_WM_TAG_VERSION" val="1.0"/>
+  <p:tag name="KSO_WM_BEAUTIFY_FLAG" val="#wm#"/>
+  <p:tag name="KSO_WM_TEMPLATE_CATEGORY" val="custom"/>
+  <p:tag name="KSO_WM_TEMPLATE_INDEX" val="20204681"/>
+</p:tagLst>
+</file>
+
+<file path=ppt/tags/tag135.xml><?xml version="1.0" encoding="utf-8"?>
+<p:tagLst xmlns:p="http://schemas.openxmlformats.org/presentationml/2006/main">
+  <p:tag name="KSO_WM_UNIT_HIGHLIGHT" val="0"/>
+  <p:tag name="KSO_WM_UNIT_COMPATIBLE" val="0"/>
+  <p:tag name="KSO_WM_UNIT_DIAGRAM_ISNUMVISUAL" val="0"/>
+  <p:tag name="KSO_WM_UNIT_DIAGRAM_ISREFERUNIT" val="0"/>
+  <p:tag name="KSO_WM_UNIT_ID" val="_0**"/>
   <p:tag name="KSO_WM_UNIT_LAYERLEVEL" val="1"/>
   <p:tag name="KSO_WM_TAG_VERSION" val="1.0"/>
   <p:tag name="KSO_WM_BEAUTIFY_FLAG" val="#wm#"/>
 </p:tagLst>
 </file>
 
-<file path=ppt/tags/tag140.xml><?xml version="1.0" encoding="utf-8"?>
-<p:tagLst xmlns:a="http://schemas.openxmlformats.org/drawingml/2006/main" xmlns:r="http://schemas.openxmlformats.org/officeDocument/2006/relationships" xmlns:p="http://schemas.openxmlformats.org/presentationml/2006/main">
+<file path=ppt/tags/tag136.xml><?xml version="1.0" encoding="utf-8"?>
+<p:tagLst xmlns:p="http://schemas.openxmlformats.org/presentationml/2006/main">
+  <p:tag name="KSO_WM_UNIT_HIGHLIGHT" val="0"/>
+  <p:tag name="KSO_WM_UNIT_COMPATIBLE" val="0"/>
+  <p:tag name="KSO_WM_UNIT_DIAGRAM_ISNUMVISUAL" val="0"/>
+  <p:tag name="KSO_WM_UNIT_DIAGRAM_ISREFERUNIT" val="0"/>
+  <p:tag name="KSO_WM_UNIT_ID" val="_0**"/>
+  <p:tag name="KSO_WM_UNIT_LAYERLEVEL" val="1"/>
+  <p:tag name="KSO_WM_TAG_VERSION" val="1.0"/>
+  <p:tag name="KSO_WM_BEAUTIFY_FLAG" val="#wm#"/>
+</p:tagLst>
+</file>
+
+<file path=ppt/tags/tag137.xml><?xml version="1.0" encoding="utf-8"?>
+<p:tagLst xmlns:p="http://schemas.openxmlformats.org/presentationml/2006/main">
+  <p:tag name="KSO_WM_UNIT_HIGHLIGHT" val="0"/>
+  <p:tag name="KSO_WM_UNIT_COMPATIBLE" val="0"/>
+  <p:tag name="KSO_WM_UNIT_DIAGRAM_ISNUMVISUAL" val="0"/>
+  <p:tag name="KSO_WM_UNIT_DIAGRAM_ISREFERUNIT" val="0"/>
+  <p:tag name="KSO_WM_UNIT_ID" val="_0**"/>
+  <p:tag name="KSO_WM_UNIT_LAYERLEVEL" val="1"/>
+  <p:tag name="KSO_WM_TAG_VERSION" val="1.0"/>
+  <p:tag name="KSO_WM_BEAUTIFY_FLAG" val="#wm#"/>
+</p:tagLst>
+</file>
+
+<file path=ppt/tags/tag138.xml><?xml version="1.0" encoding="utf-8"?>
+<p:tagLst xmlns:p="http://schemas.openxmlformats.org/presentationml/2006/main">
+  <p:tag name="KSO_WM_TAG_VERSION" val="1.0"/>
+  <p:tag name="KSO_WM_BEAUTIFY_FLAG" val="#wm#"/>
+  <p:tag name="KSO_WM_TEMPLATE_CATEGORY" val="custom"/>
+  <p:tag name="KSO_WM_TEMPLATE_INDEX" val="20204681"/>
+  <p:tag name="KSO_WM_TEMPLATE_SUBCATEGORY" val="0"/>
+  <p:tag name="KSO_WM_TEMPLATE_MASTER_TYPE" val="1"/>
+  <p:tag name="KSO_WM_TEMPLATE_COLOR_TYPE" val="1"/>
+  <p:tag name="KSO_WM_TEMPLATE_MASTER_THUMB_INDEX" val="12"/>
+  <p:tag name="KSO_WM_TEMPLATE_THUMBS_INDEX" val="1、4、7、8、9、12、17、23、26、31、34、37、38"/>
+</p:tagLst>
+</file>
+
+<file path=ppt/tags/tag139.xml><?xml version="1.0" encoding="utf-8"?>
+<p:tagLst xmlns:p="http://schemas.openxmlformats.org/presentationml/2006/main">
   <p:tag name="KSO_WM_UNIT_HIGHLIGHT" val="0"/>
   <p:tag name="KSO_WM_UNIT_COMPATIBLE" val="0"/>
   <p:tag name="KSO_WM_UNIT_DIAGRAM_ISNUMVISUAL" val="0"/>
@@ -14208,8 +14657,21 @@
 </p:tagLst>
 </file>
 
-<file path=ppt/tags/tag141.xml><?xml version="1.0" encoding="utf-8"?>
-<p:tagLst xmlns:a="http://schemas.openxmlformats.org/drawingml/2006/main" xmlns:r="http://schemas.openxmlformats.org/officeDocument/2006/relationships" xmlns:p="http://schemas.openxmlformats.org/presentationml/2006/main">
+<file path=ppt/tags/tag14.xml><?xml version="1.0" encoding="utf-8"?>
+<p:tagLst xmlns:p="http://schemas.openxmlformats.org/presentationml/2006/main">
+  <p:tag name="KSO_WM_UNIT_HIGHLIGHT" val="0"/>
+  <p:tag name="KSO_WM_UNIT_COMPATIBLE" val="0"/>
+  <p:tag name="KSO_WM_UNIT_DIAGRAM_ISNUMVISUAL" val="0"/>
+  <p:tag name="KSO_WM_UNIT_DIAGRAM_ISREFERUNIT" val="0"/>
+  <p:tag name="KSO_WM_UNIT_ID" val="_3**"/>
+  <p:tag name="KSO_WM_UNIT_LAYERLEVEL" val="1"/>
+  <p:tag name="KSO_WM_TAG_VERSION" val="1.0"/>
+  <p:tag name="KSO_WM_BEAUTIFY_FLAG" val="#wm#"/>
+</p:tagLst>
+</file>
+
+<file path=ppt/tags/tag140.xml><?xml version="1.0" encoding="utf-8"?>
+<p:tagLst xmlns:p="http://schemas.openxmlformats.org/presentationml/2006/main">
   <p:tag name="KSO_WM_UNIT_ISCONTENTSTITLE" val="0"/>
   <p:tag name="KSO_WM_UNIT_NOCLEAR" val="0"/>
   <p:tag name="KSO_WM_UNIT_VALUE" val="25"/>
@@ -14230,8 +14692,8 @@
 </p:tagLst>
 </file>
 
-<file path=ppt/tags/tag142.xml><?xml version="1.0" encoding="utf-8"?>
-<p:tagLst xmlns:a="http://schemas.openxmlformats.org/drawingml/2006/main" xmlns:r="http://schemas.openxmlformats.org/officeDocument/2006/relationships" xmlns:p="http://schemas.openxmlformats.org/presentationml/2006/main">
+<file path=ppt/tags/tag141.xml><?xml version="1.0" encoding="utf-8"?>
+<p:tagLst xmlns:p="http://schemas.openxmlformats.org/presentationml/2006/main">
   <p:tag name="KSO_WM_UNIT_HIGHLIGHT" val="0"/>
   <p:tag name="KSO_WM_UNIT_COMPATIBLE" val="0"/>
   <p:tag name="KSO_WM_UNIT_DIAGRAM_ISNUMVISUAL" val="0"/>
@@ -14252,88 +14714,29 @@
 </p:tagLst>
 </file>
 
-<file path=ppt/tags/tag15.xml><?xml version="1.0" encoding="utf-8"?>
-<p:tagLst xmlns:a="http://schemas.openxmlformats.org/drawingml/2006/main" xmlns:r="http://schemas.openxmlformats.org/officeDocument/2006/relationships" xmlns:p="http://schemas.openxmlformats.org/presentationml/2006/main">
-  <p:tag name="KSO_WM_UNIT_HIGHLIGHT" val="0"/>
-  <p:tag name="KSO_WM_UNIT_COMPATIBLE" val="0"/>
-  <p:tag name="KSO_WM_UNIT_DIAGRAM_ISNUMVISUAL" val="0"/>
-  <p:tag name="KSO_WM_UNIT_DIAGRAM_ISREFERUNIT" val="0"/>
-  <p:tag name="KSO_WM_UNIT_ID" val="_2**"/>
-  <p:tag name="KSO_WM_UNIT_LAYERLEVEL" val="1"/>
-  <p:tag name="KSO_WM_TAG_VERSION" val="1.0"/>
-  <p:tag name="KSO_WM_BEAUTIFY_FLAG" val="#wm#"/>
-</p:tagLst>
-</file>
-
-<file path=ppt/tags/tag16.xml><?xml version="1.0" encoding="utf-8"?>
-<p:tagLst xmlns:a="http://schemas.openxmlformats.org/drawingml/2006/main" xmlns:r="http://schemas.openxmlformats.org/officeDocument/2006/relationships" xmlns:p="http://schemas.openxmlformats.org/presentationml/2006/main">
-  <p:tag name="KSO_WM_UNIT_HIGHLIGHT" val="0"/>
-  <p:tag name="KSO_WM_UNIT_COMPATIBLE" val="0"/>
-  <p:tag name="KSO_WM_UNIT_DIAGRAM_ISNUMVISUAL" val="0"/>
-  <p:tag name="KSO_WM_UNIT_DIAGRAM_ISREFERUNIT" val="0"/>
-  <p:tag name="KSO_WM_UNIT_ID" val="_2**"/>
-  <p:tag name="KSO_WM_UNIT_LAYERLEVEL" val="1"/>
-  <p:tag name="KSO_WM_TAG_VERSION" val="1.0"/>
-  <p:tag name="KSO_WM_BEAUTIFY_FLAG" val="#wm#"/>
-</p:tagLst>
-</file>
-
-<file path=ppt/tags/tag17.xml><?xml version="1.0" encoding="utf-8"?>
-<p:tagLst xmlns:a="http://schemas.openxmlformats.org/drawingml/2006/main" xmlns:r="http://schemas.openxmlformats.org/officeDocument/2006/relationships" xmlns:p="http://schemas.openxmlformats.org/presentationml/2006/main">
-  <p:tag name="KSO_WM_UNIT_HIGHLIGHT" val="0"/>
-  <p:tag name="KSO_WM_UNIT_COMPATIBLE" val="0"/>
-  <p:tag name="KSO_WM_UNIT_DIAGRAM_ISNUMVISUAL" val="0"/>
-  <p:tag name="KSO_WM_UNIT_DIAGRAM_ISREFERUNIT" val="0"/>
-  <p:tag name="KSO_WM_UNIT_ID" val="_2**"/>
-  <p:tag name="KSO_WM_UNIT_LAYERLEVEL" val="1"/>
-  <p:tag name="KSO_WM_TAG_VERSION" val="1.0"/>
-  <p:tag name="KSO_WM_BEAUTIFY_FLAG" val="#wm#"/>
-</p:tagLst>
-</file>
-
-<file path=ppt/tags/tag18.xml><?xml version="1.0" encoding="utf-8"?>
-<p:tagLst xmlns:a="http://schemas.openxmlformats.org/drawingml/2006/main" xmlns:r="http://schemas.openxmlformats.org/officeDocument/2006/relationships" xmlns:p="http://schemas.openxmlformats.org/presentationml/2006/main">
-  <p:tag name="KSO_WM_UNIT_HIGHLIGHT" val="0"/>
-  <p:tag name="KSO_WM_UNIT_COMPATIBLE" val="0"/>
-  <p:tag name="KSO_WM_UNIT_DIAGRAM_ISNUMVISUAL" val="0"/>
-  <p:tag name="KSO_WM_UNIT_DIAGRAM_ISREFERUNIT" val="0"/>
-  <p:tag name="KSO_WM_UNIT_ID" val="_2**"/>
-  <p:tag name="KSO_WM_UNIT_LAYERLEVEL" val="1"/>
-  <p:tag name="KSO_WM_TAG_VERSION" val="1.0"/>
-  <p:tag name="KSO_WM_BEAUTIFY_FLAG" val="#wm#"/>
-</p:tagLst>
-</file>
-
-<file path=ppt/tags/tag19.xml><?xml version="1.0" encoding="utf-8"?>
-<p:tagLst xmlns:a="http://schemas.openxmlformats.org/drawingml/2006/main" xmlns:r="http://schemas.openxmlformats.org/officeDocument/2006/relationships" xmlns:p="http://schemas.openxmlformats.org/presentationml/2006/main">
-  <p:tag name="KSO_WM_UNIT_HIGHLIGHT" val="0"/>
-  <p:tag name="KSO_WM_UNIT_COMPATIBLE" val="0"/>
-  <p:tag name="KSO_WM_UNIT_DIAGRAM_ISNUMVISUAL" val="0"/>
-  <p:tag name="KSO_WM_UNIT_DIAGRAM_ISREFERUNIT" val="0"/>
-  <p:tag name="KSO_WM_UNIT_ID" val="_2**"/>
-  <p:tag name="KSO_WM_UNIT_LAYERLEVEL" val="1"/>
-  <p:tag name="KSO_WM_TAG_VERSION" val="1.0"/>
-  <p:tag name="KSO_WM_BEAUTIFY_FLAG" val="#wm#"/>
-</p:tagLst>
-</file>
-
-<file path=ppt/tags/tag2.xml><?xml version="1.0" encoding="utf-8"?>
-<p:tagLst xmlns:a="http://schemas.openxmlformats.org/drawingml/2006/main" xmlns:r="http://schemas.openxmlformats.org/officeDocument/2006/relationships" xmlns:p="http://schemas.openxmlformats.org/presentationml/2006/main">
-  <p:tag name="KSO_WM_UNIT_HIGHLIGHT" val="0"/>
-  <p:tag name="KSO_WM_UNIT_COMPATIBLE" val="0"/>
-  <p:tag name="KSO_WM_UNIT_DIAGRAM_ISNUMVISUAL" val="0"/>
-  <p:tag name="KSO_WM_UNIT_DIAGRAM_ISREFERUNIT" val="0"/>
-  <p:tag name="KSO_WM_UNIT_ID" val="_0**"/>
-  <p:tag name="KSO_WM_UNIT_LAYERLEVEL" val="1"/>
+<file path=ppt/tags/tag142.xml><?xml version="1.0" encoding="utf-8"?>
+<p:tagLst xmlns:p="http://schemas.openxmlformats.org/presentationml/2006/main">
+  <p:tag name="KSO_WM_SLIDE_ID" val="custom20204677_1"/>
+  <p:tag name="KSO_WM_TEMPLATE_SUBCATEGORY" val="0"/>
+  <p:tag name="KSO_WM_TEMPLATE_MASTER_TYPE" val="1"/>
+  <p:tag name="KSO_WM_TEMPLATE_COLOR_TYPE" val="1"/>
+  <p:tag name="KSO_WM_SLIDE_TYPE" val="title"/>
+  <p:tag name="KSO_WM_SLIDE_SUBTYPE" val="pureTxt"/>
+  <p:tag name="KSO_WM_SLIDE_ITEM_CNT" val="0"/>
+  <p:tag name="KSO_WM_SLIDE_INDEX" val="1"/>
   <p:tag name="KSO_WM_TAG_VERSION" val="1.0"/>
   <p:tag name="KSO_WM_BEAUTIFY_FLAG" val="#wm#"/>
   <p:tag name="KSO_WM_TEMPLATE_CATEGORY" val="custom"/>
-  <p:tag name="KSO_WM_TEMPLATE_INDEX" val="20204681"/>
+  <p:tag name="KSO_WM_TEMPLATE_INDEX" val="20204677"/>
+  <p:tag name="KSO_WM_SLIDE_LAYOUT" val="a_b"/>
+  <p:tag name="KSO_WM_SLIDE_LAYOUT_CNT" val="1_1"/>
+  <p:tag name="KSO_WM_TEMPLATE_MASTER_THUMB_INDEX" val="12"/>
+  <p:tag name="KSO_WM_TEMPLATE_THUMBS_INDEX" val="1、4、7、8、9、12、17、20、25、26、27"/>
 </p:tagLst>
 </file>
 
-<file path=ppt/tags/tag20.xml><?xml version="1.0" encoding="utf-8"?>
-<p:tagLst xmlns:a="http://schemas.openxmlformats.org/drawingml/2006/main" xmlns:r="http://schemas.openxmlformats.org/officeDocument/2006/relationships" xmlns:p="http://schemas.openxmlformats.org/presentationml/2006/main">
+<file path=ppt/tags/tag15.xml><?xml version="1.0" encoding="utf-8"?>
+<p:tagLst xmlns:p="http://schemas.openxmlformats.org/presentationml/2006/main">
   <p:tag name="KSO_WM_UNIT_HIGHLIGHT" val="0"/>
   <p:tag name="KSO_WM_UNIT_COMPATIBLE" val="0"/>
   <p:tag name="KSO_WM_UNIT_DIAGRAM_ISNUMVISUAL" val="0"/>
@@ -14345,8 +14748,8 @@
 </p:tagLst>
 </file>
 
-<file path=ppt/tags/tag21.xml><?xml version="1.0" encoding="utf-8"?>
-<p:tagLst xmlns:a="http://schemas.openxmlformats.org/drawingml/2006/main" xmlns:r="http://schemas.openxmlformats.org/officeDocument/2006/relationships" xmlns:p="http://schemas.openxmlformats.org/presentationml/2006/main">
+<file path=ppt/tags/tag16.xml><?xml version="1.0" encoding="utf-8"?>
+<p:tagLst xmlns:p="http://schemas.openxmlformats.org/presentationml/2006/main">
   <p:tag name="KSO_WM_UNIT_HIGHLIGHT" val="0"/>
   <p:tag name="KSO_WM_UNIT_COMPATIBLE" val="0"/>
   <p:tag name="KSO_WM_UNIT_DIAGRAM_ISNUMVISUAL" val="0"/>
@@ -14358,8 +14761,8 @@
 </p:tagLst>
 </file>
 
-<file path=ppt/tags/tag22.xml><?xml version="1.0" encoding="utf-8"?>
-<p:tagLst xmlns:a="http://schemas.openxmlformats.org/drawingml/2006/main" xmlns:r="http://schemas.openxmlformats.org/officeDocument/2006/relationships" xmlns:p="http://schemas.openxmlformats.org/presentationml/2006/main">
+<file path=ppt/tags/tag17.xml><?xml version="1.0" encoding="utf-8"?>
+<p:tagLst xmlns:p="http://schemas.openxmlformats.org/presentationml/2006/main">
   <p:tag name="KSO_WM_UNIT_HIGHLIGHT" val="0"/>
   <p:tag name="KSO_WM_UNIT_COMPATIBLE" val="0"/>
   <p:tag name="KSO_WM_UNIT_DIAGRAM_ISNUMVISUAL" val="0"/>
@@ -14371,8 +14774,8 @@
 </p:tagLst>
 </file>
 
-<file path=ppt/tags/tag23.xml><?xml version="1.0" encoding="utf-8"?>
-<p:tagLst xmlns:a="http://schemas.openxmlformats.org/drawingml/2006/main" xmlns:r="http://schemas.openxmlformats.org/officeDocument/2006/relationships" xmlns:p="http://schemas.openxmlformats.org/presentationml/2006/main">
+<file path=ppt/tags/tag18.xml><?xml version="1.0" encoding="utf-8"?>
+<p:tagLst xmlns:p="http://schemas.openxmlformats.org/presentationml/2006/main">
   <p:tag name="KSO_WM_UNIT_HIGHLIGHT" val="0"/>
   <p:tag name="KSO_WM_UNIT_COMPATIBLE" val="0"/>
   <p:tag name="KSO_WM_UNIT_DIAGRAM_ISNUMVISUAL" val="0"/>
@@ -14384,21 +14787,8 @@
 </p:tagLst>
 </file>
 
-<file path=ppt/tags/tag24.xml><?xml version="1.0" encoding="utf-8"?>
-<p:tagLst xmlns:a="http://schemas.openxmlformats.org/drawingml/2006/main" xmlns:r="http://schemas.openxmlformats.org/officeDocument/2006/relationships" xmlns:p="http://schemas.openxmlformats.org/presentationml/2006/main">
-  <p:tag name="KSO_WM_UNIT_HIGHLIGHT" val="0"/>
-  <p:tag name="KSO_WM_UNIT_COMPATIBLE" val="0"/>
-  <p:tag name="KSO_WM_UNIT_DIAGRAM_ISNUMVISUAL" val="0"/>
-  <p:tag name="KSO_WM_UNIT_DIAGRAM_ISREFERUNIT" val="0"/>
-  <p:tag name="KSO_WM_UNIT_ID" val="_3**"/>
-  <p:tag name="KSO_WM_UNIT_LAYERLEVEL" val="1"/>
-  <p:tag name="KSO_WM_TAG_VERSION" val="1.0"/>
-  <p:tag name="KSO_WM_BEAUTIFY_FLAG" val="#wm#"/>
-</p:tagLst>
-</file>
-
-<file path=ppt/tags/tag25.xml><?xml version="1.0" encoding="utf-8"?>
-<p:tagLst xmlns:a="http://schemas.openxmlformats.org/drawingml/2006/main" xmlns:r="http://schemas.openxmlformats.org/officeDocument/2006/relationships" xmlns:p="http://schemas.openxmlformats.org/presentationml/2006/main">
+<file path=ppt/tags/tag19.xml><?xml version="1.0" encoding="utf-8"?>
+<p:tagLst xmlns:p="http://schemas.openxmlformats.org/presentationml/2006/main">
   <p:tag name="KSO_WM_UNIT_HIGHLIGHT" val="0"/>
   <p:tag name="KSO_WM_UNIT_COMPATIBLE" val="0"/>
   <p:tag name="KSO_WM_UNIT_DIAGRAM_ISNUMVISUAL" val="0"/>
@@ -14410,633 +14800,8 @@
 </p:tagLst>
 </file>
 
-<file path=ppt/tags/tag26.xml><?xml version="1.0" encoding="utf-8"?>
-<p:tagLst xmlns:a="http://schemas.openxmlformats.org/drawingml/2006/main" xmlns:r="http://schemas.openxmlformats.org/officeDocument/2006/relationships" xmlns:p="http://schemas.openxmlformats.org/presentationml/2006/main">
-  <p:tag name="KSO_WM_UNIT_HIGHLIGHT" val="0"/>
-  <p:tag name="KSO_WM_UNIT_COMPATIBLE" val="0"/>
-  <p:tag name="KSO_WM_UNIT_DIAGRAM_ISNUMVISUAL" val="0"/>
-  <p:tag name="KSO_WM_UNIT_DIAGRAM_ISREFERUNIT" val="0"/>
-  <p:tag name="KSO_WM_UNIT_ID" val="_4**"/>
-  <p:tag name="KSO_WM_UNIT_LAYERLEVEL" val="1"/>
-  <p:tag name="KSO_WM_TAG_VERSION" val="1.0"/>
-  <p:tag name="KSO_WM_BEAUTIFY_FLAG" val="#wm#"/>
-</p:tagLst>
-</file>
-
-<file path=ppt/tags/tag27.xml><?xml version="1.0" encoding="utf-8"?>
-<p:tagLst xmlns:a="http://schemas.openxmlformats.org/drawingml/2006/main" xmlns:r="http://schemas.openxmlformats.org/officeDocument/2006/relationships" xmlns:p="http://schemas.openxmlformats.org/presentationml/2006/main">
-  <p:tag name="KSO_WM_UNIT_HIGHLIGHT" val="0"/>
-  <p:tag name="KSO_WM_UNIT_COMPATIBLE" val="0"/>
-  <p:tag name="KSO_WM_UNIT_DIAGRAM_ISNUMVISUAL" val="0"/>
-  <p:tag name="KSO_WM_UNIT_DIAGRAM_ISREFERUNIT" val="0"/>
-  <p:tag name="KSO_WM_UNIT_ID" val="_4**"/>
-  <p:tag name="KSO_WM_UNIT_LAYERLEVEL" val="1"/>
-  <p:tag name="KSO_WM_TAG_VERSION" val="1.0"/>
-  <p:tag name="KSO_WM_BEAUTIFY_FLAG" val="#wm#"/>
-</p:tagLst>
-</file>
-
-<file path=ppt/tags/tag28.xml><?xml version="1.0" encoding="utf-8"?>
-<p:tagLst xmlns:a="http://schemas.openxmlformats.org/drawingml/2006/main" xmlns:r="http://schemas.openxmlformats.org/officeDocument/2006/relationships" xmlns:p="http://schemas.openxmlformats.org/presentationml/2006/main">
-  <p:tag name="KSO_WM_UNIT_HIGHLIGHT" val="0"/>
-  <p:tag name="KSO_WM_UNIT_COMPATIBLE" val="0"/>
-  <p:tag name="KSO_WM_UNIT_DIAGRAM_ISNUMVISUAL" val="0"/>
-  <p:tag name="KSO_WM_UNIT_DIAGRAM_ISREFERUNIT" val="0"/>
-  <p:tag name="KSO_WM_UNIT_ID" val="_4**"/>
-  <p:tag name="KSO_WM_UNIT_LAYERLEVEL" val="1"/>
-  <p:tag name="KSO_WM_TAG_VERSION" val="1.0"/>
-  <p:tag name="KSO_WM_BEAUTIFY_FLAG" val="#wm#"/>
-</p:tagLst>
-</file>
-
-<file path=ppt/tags/tag29.xml><?xml version="1.0" encoding="utf-8"?>
-<p:tagLst xmlns:a="http://schemas.openxmlformats.org/drawingml/2006/main" xmlns:r="http://schemas.openxmlformats.org/officeDocument/2006/relationships" xmlns:p="http://schemas.openxmlformats.org/presentationml/2006/main">
-  <p:tag name="KSO_WM_UNIT_HIGHLIGHT" val="0"/>
-  <p:tag name="KSO_WM_UNIT_COMPATIBLE" val="0"/>
-  <p:tag name="KSO_WM_UNIT_DIAGRAM_ISNUMVISUAL" val="0"/>
-  <p:tag name="KSO_WM_UNIT_DIAGRAM_ISREFERUNIT" val="0"/>
-  <p:tag name="KSO_WM_UNIT_ID" val="_4**"/>
-  <p:tag name="KSO_WM_UNIT_LAYERLEVEL" val="1"/>
-  <p:tag name="KSO_WM_TAG_VERSION" val="1.0"/>
-  <p:tag name="KSO_WM_BEAUTIFY_FLAG" val="#wm#"/>
-</p:tagLst>
-</file>
-
-<file path=ppt/tags/tag3.xml><?xml version="1.0" encoding="utf-8"?>
-<p:tagLst xmlns:a="http://schemas.openxmlformats.org/drawingml/2006/main" xmlns:r="http://schemas.openxmlformats.org/officeDocument/2006/relationships" xmlns:p="http://schemas.openxmlformats.org/presentationml/2006/main">
-  <p:tag name="KSO_WM_UNIT_HIGHLIGHT" val="0"/>
-  <p:tag name="KSO_WM_UNIT_COMPATIBLE" val="0"/>
-  <p:tag name="KSO_WM_UNIT_DIAGRAM_ISNUMVISUAL" val="0"/>
-  <p:tag name="KSO_WM_UNIT_DIAGRAM_ISREFERUNIT" val="0"/>
-  <p:tag name="KSO_WM_UNIT_ID" val="_0**"/>
-  <p:tag name="KSO_WM_UNIT_LAYERLEVEL" val="1"/>
-  <p:tag name="KSO_WM_TAG_VERSION" val="1.0"/>
-  <p:tag name="KSO_WM_BEAUTIFY_FLAG" val="#wm#"/>
-</p:tagLst>
-</file>
-
-<file path=ppt/tags/tag30.xml><?xml version="1.0" encoding="utf-8"?>
-<p:tagLst xmlns:a="http://schemas.openxmlformats.org/drawingml/2006/main" xmlns:r="http://schemas.openxmlformats.org/officeDocument/2006/relationships" xmlns:p="http://schemas.openxmlformats.org/presentationml/2006/main">
-  <p:tag name="KSO_WM_UNIT_HIGHLIGHT" val="0"/>
-  <p:tag name="KSO_WM_UNIT_COMPATIBLE" val="0"/>
-  <p:tag name="KSO_WM_UNIT_DIAGRAM_ISNUMVISUAL" val="0"/>
-  <p:tag name="KSO_WM_UNIT_DIAGRAM_ISREFERUNIT" val="0"/>
-  <p:tag name="KSO_WM_UNIT_ID" val="_4**"/>
-  <p:tag name="KSO_WM_UNIT_LAYERLEVEL" val="1"/>
-  <p:tag name="KSO_WM_TAG_VERSION" val="1.0"/>
-  <p:tag name="KSO_WM_BEAUTIFY_FLAG" val="#wm#"/>
-</p:tagLst>
-</file>
-
-<file path=ppt/tags/tag31.xml><?xml version="1.0" encoding="utf-8"?>
-<p:tagLst xmlns:a="http://schemas.openxmlformats.org/drawingml/2006/main" xmlns:r="http://schemas.openxmlformats.org/officeDocument/2006/relationships" xmlns:p="http://schemas.openxmlformats.org/presentationml/2006/main">
-  <p:tag name="KSO_WM_UNIT_HIGHLIGHT" val="0"/>
-  <p:tag name="KSO_WM_UNIT_COMPATIBLE" val="0"/>
-  <p:tag name="KSO_WM_UNIT_DIAGRAM_ISNUMVISUAL" val="0"/>
-  <p:tag name="KSO_WM_UNIT_DIAGRAM_ISREFERUNIT" val="0"/>
-  <p:tag name="KSO_WM_UNIT_ID" val="_4**"/>
-  <p:tag name="KSO_WM_UNIT_LAYERLEVEL" val="1"/>
-  <p:tag name="KSO_WM_TAG_VERSION" val="1.0"/>
-  <p:tag name="KSO_WM_BEAUTIFY_FLAG" val="#wm#"/>
-</p:tagLst>
-</file>
-
-<file path=ppt/tags/tag32.xml><?xml version="1.0" encoding="utf-8"?>
-<p:tagLst xmlns:a="http://schemas.openxmlformats.org/drawingml/2006/main" xmlns:r="http://schemas.openxmlformats.org/officeDocument/2006/relationships" xmlns:p="http://schemas.openxmlformats.org/presentationml/2006/main">
-  <p:tag name="KSO_WM_UNIT_HIGHLIGHT" val="0"/>
-  <p:tag name="KSO_WM_UNIT_COMPATIBLE" val="0"/>
-  <p:tag name="KSO_WM_UNIT_DIAGRAM_ISNUMVISUAL" val="0"/>
-  <p:tag name="KSO_WM_UNIT_DIAGRAM_ISREFERUNIT" val="0"/>
-  <p:tag name="KSO_WM_UNIT_ID" val="_4**"/>
-  <p:tag name="KSO_WM_UNIT_LAYERLEVEL" val="1"/>
-  <p:tag name="KSO_WM_TAG_VERSION" val="1.0"/>
-  <p:tag name="KSO_WM_BEAUTIFY_FLAG" val="#wm#"/>
-</p:tagLst>
-</file>
-
-<file path=ppt/tags/tag33.xml><?xml version="1.0" encoding="utf-8"?>
-<p:tagLst xmlns:a="http://schemas.openxmlformats.org/drawingml/2006/main" xmlns:r="http://schemas.openxmlformats.org/officeDocument/2006/relationships" xmlns:p="http://schemas.openxmlformats.org/presentationml/2006/main">
-  <p:tag name="KSO_WM_UNIT_HIGHLIGHT" val="0"/>
-  <p:tag name="KSO_WM_UNIT_COMPATIBLE" val="0"/>
-  <p:tag name="KSO_WM_UNIT_DIAGRAM_ISNUMVISUAL" val="0"/>
-  <p:tag name="KSO_WM_UNIT_DIAGRAM_ISREFERUNIT" val="0"/>
-  <p:tag name="KSO_WM_UNIT_ID" val="_5**"/>
-  <p:tag name="KSO_WM_UNIT_LAYERLEVEL" val="1"/>
-  <p:tag name="KSO_WM_TAG_VERSION" val="1.0"/>
-  <p:tag name="KSO_WM_BEAUTIFY_FLAG" val="#wm#"/>
-</p:tagLst>
-</file>
-
-<file path=ppt/tags/tag34.xml><?xml version="1.0" encoding="utf-8"?>
-<p:tagLst xmlns:a="http://schemas.openxmlformats.org/drawingml/2006/main" xmlns:r="http://schemas.openxmlformats.org/officeDocument/2006/relationships" xmlns:p="http://schemas.openxmlformats.org/presentationml/2006/main">
-  <p:tag name="KSO_WM_UNIT_HIGHLIGHT" val="0"/>
-  <p:tag name="KSO_WM_UNIT_COMPATIBLE" val="0"/>
-  <p:tag name="KSO_WM_UNIT_DIAGRAM_ISNUMVISUAL" val="0"/>
-  <p:tag name="KSO_WM_UNIT_DIAGRAM_ISREFERUNIT" val="0"/>
-  <p:tag name="KSO_WM_UNIT_ID" val="_5**"/>
-  <p:tag name="KSO_WM_UNIT_LAYERLEVEL" val="1"/>
-  <p:tag name="KSO_WM_TAG_VERSION" val="1.0"/>
-  <p:tag name="KSO_WM_BEAUTIFY_FLAG" val="#wm#"/>
-</p:tagLst>
-</file>
-
-<file path=ppt/tags/tag35.xml><?xml version="1.0" encoding="utf-8"?>
-<p:tagLst xmlns:a="http://schemas.openxmlformats.org/drawingml/2006/main" xmlns:r="http://schemas.openxmlformats.org/officeDocument/2006/relationships" xmlns:p="http://schemas.openxmlformats.org/presentationml/2006/main">
-  <p:tag name="KSO_WM_UNIT_HIGHLIGHT" val="0"/>
-  <p:tag name="KSO_WM_UNIT_COMPATIBLE" val="0"/>
-  <p:tag name="KSO_WM_UNIT_DIAGRAM_ISNUMVISUAL" val="0"/>
-  <p:tag name="KSO_WM_UNIT_DIAGRAM_ISREFERUNIT" val="0"/>
-  <p:tag name="KSO_WM_UNIT_ID" val="_5**"/>
-  <p:tag name="KSO_WM_UNIT_LAYERLEVEL" val="1"/>
-  <p:tag name="KSO_WM_TAG_VERSION" val="1.0"/>
-  <p:tag name="KSO_WM_BEAUTIFY_FLAG" val="#wm#"/>
-</p:tagLst>
-</file>
-
-<file path=ppt/tags/tag36.xml><?xml version="1.0" encoding="utf-8"?>
-<p:tagLst xmlns:a="http://schemas.openxmlformats.org/drawingml/2006/main" xmlns:r="http://schemas.openxmlformats.org/officeDocument/2006/relationships" xmlns:p="http://schemas.openxmlformats.org/presentationml/2006/main">
-  <p:tag name="KSO_WM_UNIT_HIGHLIGHT" val="0"/>
-  <p:tag name="KSO_WM_UNIT_COMPATIBLE" val="0"/>
-  <p:tag name="KSO_WM_UNIT_DIAGRAM_ISNUMVISUAL" val="0"/>
-  <p:tag name="KSO_WM_UNIT_DIAGRAM_ISREFERUNIT" val="0"/>
-  <p:tag name="KSO_WM_UNIT_ID" val="_5**"/>
-  <p:tag name="KSO_WM_UNIT_LAYERLEVEL" val="1"/>
-  <p:tag name="KSO_WM_TAG_VERSION" val="1.0"/>
-  <p:tag name="KSO_WM_BEAUTIFY_FLAG" val="#wm#"/>
-</p:tagLst>
-</file>
-
-<file path=ppt/tags/tag37.xml><?xml version="1.0" encoding="utf-8"?>
-<p:tagLst xmlns:a="http://schemas.openxmlformats.org/drawingml/2006/main" xmlns:r="http://schemas.openxmlformats.org/officeDocument/2006/relationships" xmlns:p="http://schemas.openxmlformats.org/presentationml/2006/main">
-  <p:tag name="KSO_WM_UNIT_HIGHLIGHT" val="0"/>
-  <p:tag name="KSO_WM_UNIT_COMPATIBLE" val="0"/>
-  <p:tag name="KSO_WM_UNIT_DIAGRAM_ISNUMVISUAL" val="0"/>
-  <p:tag name="KSO_WM_UNIT_DIAGRAM_ISREFERUNIT" val="0"/>
-  <p:tag name="KSO_WM_UNIT_ID" val="_5**"/>
-  <p:tag name="KSO_WM_UNIT_LAYERLEVEL" val="1"/>
-  <p:tag name="KSO_WM_TAG_VERSION" val="1.0"/>
-  <p:tag name="KSO_WM_BEAUTIFY_FLAG" val="#wm#"/>
-</p:tagLst>
-</file>
-
-<file path=ppt/tags/tag38.xml><?xml version="1.0" encoding="utf-8"?>
-<p:tagLst xmlns:a="http://schemas.openxmlformats.org/drawingml/2006/main" xmlns:r="http://schemas.openxmlformats.org/officeDocument/2006/relationships" xmlns:p="http://schemas.openxmlformats.org/presentationml/2006/main">
-  <p:tag name="KSO_WM_UNIT_HIGHLIGHT" val="0"/>
-  <p:tag name="KSO_WM_UNIT_COMPATIBLE" val="0"/>
-  <p:tag name="KSO_WM_UNIT_DIAGRAM_ISNUMVISUAL" val="0"/>
-  <p:tag name="KSO_WM_UNIT_DIAGRAM_ISREFERUNIT" val="0"/>
-  <p:tag name="KSO_WM_UNIT_ID" val="_5**"/>
-  <p:tag name="KSO_WM_UNIT_LAYERLEVEL" val="1"/>
-  <p:tag name="KSO_WM_TAG_VERSION" val="1.0"/>
-  <p:tag name="KSO_WM_BEAUTIFY_FLAG" val="#wm#"/>
-</p:tagLst>
-</file>
-
-<file path=ppt/tags/tag39.xml><?xml version="1.0" encoding="utf-8"?>
-<p:tagLst xmlns:a="http://schemas.openxmlformats.org/drawingml/2006/main" xmlns:r="http://schemas.openxmlformats.org/officeDocument/2006/relationships" xmlns:p="http://schemas.openxmlformats.org/presentationml/2006/main">
-  <p:tag name="KSO_WM_UNIT_HIGHLIGHT" val="0"/>
-  <p:tag name="KSO_WM_UNIT_COMPATIBLE" val="0"/>
-  <p:tag name="KSO_WM_UNIT_DIAGRAM_ISNUMVISUAL" val="0"/>
-  <p:tag name="KSO_WM_UNIT_DIAGRAM_ISREFERUNIT" val="0"/>
-  <p:tag name="KSO_WM_UNIT_ID" val="_5**"/>
-  <p:tag name="KSO_WM_UNIT_LAYERLEVEL" val="1"/>
-  <p:tag name="KSO_WM_TAG_VERSION" val="1.0"/>
-  <p:tag name="KSO_WM_BEAUTIFY_FLAG" val="#wm#"/>
-</p:tagLst>
-</file>
-
-<file path=ppt/tags/tag4.xml><?xml version="1.0" encoding="utf-8"?>
-<p:tagLst xmlns:a="http://schemas.openxmlformats.org/drawingml/2006/main" xmlns:r="http://schemas.openxmlformats.org/officeDocument/2006/relationships" xmlns:p="http://schemas.openxmlformats.org/presentationml/2006/main">
-  <p:tag name="KSO_WM_UNIT_HIGHLIGHT" val="0"/>
-  <p:tag name="KSO_WM_UNIT_COMPATIBLE" val="0"/>
-  <p:tag name="KSO_WM_UNIT_DIAGRAM_ISNUMVISUAL" val="0"/>
-  <p:tag name="KSO_WM_UNIT_DIAGRAM_ISREFERUNIT" val="0"/>
-  <p:tag name="KSO_WM_UNIT_ID" val="_0**"/>
-  <p:tag name="KSO_WM_UNIT_LAYERLEVEL" val="1"/>
-  <p:tag name="KSO_WM_TAG_VERSION" val="1.0"/>
-  <p:tag name="KSO_WM_BEAUTIFY_FLAG" val="#wm#"/>
-</p:tagLst>
-</file>
-
-<file path=ppt/tags/tag40.xml><?xml version="1.0" encoding="utf-8"?>
-<p:tagLst xmlns:a="http://schemas.openxmlformats.org/drawingml/2006/main" xmlns:r="http://schemas.openxmlformats.org/officeDocument/2006/relationships" xmlns:p="http://schemas.openxmlformats.org/presentationml/2006/main">
-  <p:tag name="KSO_WM_UNIT_HIGHLIGHT" val="0"/>
-  <p:tag name="KSO_WM_UNIT_COMPATIBLE" val="0"/>
-  <p:tag name="KSO_WM_UNIT_DIAGRAM_ISNUMVISUAL" val="0"/>
-  <p:tag name="KSO_WM_UNIT_DIAGRAM_ISREFERUNIT" val="0"/>
-  <p:tag name="KSO_WM_UNIT_ID" val="_5**"/>
-  <p:tag name="KSO_WM_UNIT_LAYERLEVEL" val="1"/>
-  <p:tag name="KSO_WM_TAG_VERSION" val="1.0"/>
-  <p:tag name="KSO_WM_BEAUTIFY_FLAG" val="#wm#"/>
-</p:tagLst>
-</file>
-
-<file path=ppt/tags/tag41.xml><?xml version="1.0" encoding="utf-8"?>
-<p:tagLst xmlns:a="http://schemas.openxmlformats.org/drawingml/2006/main" xmlns:r="http://schemas.openxmlformats.org/officeDocument/2006/relationships" xmlns:p="http://schemas.openxmlformats.org/presentationml/2006/main">
-  <p:tag name="KSO_WM_UNIT_HIGHLIGHT" val="0"/>
-  <p:tag name="KSO_WM_UNIT_COMPATIBLE" val="0"/>
-  <p:tag name="KSO_WM_UNIT_DIAGRAM_ISNUMVISUAL" val="0"/>
-  <p:tag name="KSO_WM_UNIT_DIAGRAM_ISREFERUNIT" val="0"/>
-  <p:tag name="KSO_WM_UNIT_ID" val="_5**"/>
-  <p:tag name="KSO_WM_UNIT_LAYERLEVEL" val="1"/>
-  <p:tag name="KSO_WM_TAG_VERSION" val="1.0"/>
-  <p:tag name="KSO_WM_BEAUTIFY_FLAG" val="#wm#"/>
-</p:tagLst>
-</file>
-
-<file path=ppt/tags/tag42.xml><?xml version="1.0" encoding="utf-8"?>
-<p:tagLst xmlns:a="http://schemas.openxmlformats.org/drawingml/2006/main" xmlns:r="http://schemas.openxmlformats.org/officeDocument/2006/relationships" xmlns:p="http://schemas.openxmlformats.org/presentationml/2006/main">
-  <p:tag name="KSO_WM_UNIT_HIGHLIGHT" val="0"/>
-  <p:tag name="KSO_WM_UNIT_COMPATIBLE" val="0"/>
-  <p:tag name="KSO_WM_UNIT_DIAGRAM_ISNUMVISUAL" val="0"/>
-  <p:tag name="KSO_WM_UNIT_DIAGRAM_ISREFERUNIT" val="0"/>
-  <p:tag name="KSO_WM_UNIT_ID" val="_5**"/>
-  <p:tag name="KSO_WM_UNIT_LAYERLEVEL" val="1"/>
-  <p:tag name="KSO_WM_TAG_VERSION" val="1.0"/>
-  <p:tag name="KSO_WM_BEAUTIFY_FLAG" val="#wm#"/>
-</p:tagLst>
-</file>
-
-<file path=ppt/tags/tag43.xml><?xml version="1.0" encoding="utf-8"?>
-<p:tagLst xmlns:a="http://schemas.openxmlformats.org/drawingml/2006/main" xmlns:r="http://schemas.openxmlformats.org/officeDocument/2006/relationships" xmlns:p="http://schemas.openxmlformats.org/presentationml/2006/main">
-  <p:tag name="KSO_WM_UNIT_HIGHLIGHT" val="0"/>
-  <p:tag name="KSO_WM_UNIT_COMPATIBLE" val="0"/>
-  <p:tag name="KSO_WM_UNIT_DIAGRAM_ISNUMVISUAL" val="0"/>
-  <p:tag name="KSO_WM_UNIT_DIAGRAM_ISREFERUNIT" val="0"/>
-  <p:tag name="KSO_WM_UNIT_ID" val="_6**"/>
-  <p:tag name="KSO_WM_UNIT_LAYERLEVEL" val="1"/>
-  <p:tag name="KSO_WM_TAG_VERSION" val="1.0"/>
-  <p:tag name="KSO_WM_BEAUTIFY_FLAG" val="#wm#"/>
-</p:tagLst>
-</file>
-
-<file path=ppt/tags/tag44.xml><?xml version="1.0" encoding="utf-8"?>
-<p:tagLst xmlns:a="http://schemas.openxmlformats.org/drawingml/2006/main" xmlns:r="http://schemas.openxmlformats.org/officeDocument/2006/relationships" xmlns:p="http://schemas.openxmlformats.org/presentationml/2006/main">
-  <p:tag name="KSO_WM_UNIT_HIGHLIGHT" val="0"/>
-  <p:tag name="KSO_WM_UNIT_COMPATIBLE" val="0"/>
-  <p:tag name="KSO_WM_UNIT_DIAGRAM_ISNUMVISUAL" val="0"/>
-  <p:tag name="KSO_WM_UNIT_DIAGRAM_ISREFERUNIT" val="0"/>
-  <p:tag name="KSO_WM_UNIT_ID" val="_6**"/>
-  <p:tag name="KSO_WM_UNIT_LAYERLEVEL" val="1"/>
-  <p:tag name="KSO_WM_TAG_VERSION" val="1.0"/>
-  <p:tag name="KSO_WM_BEAUTIFY_FLAG" val="#wm#"/>
-</p:tagLst>
-</file>
-
-<file path=ppt/tags/tag45.xml><?xml version="1.0" encoding="utf-8"?>
-<p:tagLst xmlns:a="http://schemas.openxmlformats.org/drawingml/2006/main" xmlns:r="http://schemas.openxmlformats.org/officeDocument/2006/relationships" xmlns:p="http://schemas.openxmlformats.org/presentationml/2006/main">
-  <p:tag name="KSO_WM_UNIT_HIGHLIGHT" val="0"/>
-  <p:tag name="KSO_WM_UNIT_COMPATIBLE" val="0"/>
-  <p:tag name="KSO_WM_UNIT_DIAGRAM_ISNUMVISUAL" val="0"/>
-  <p:tag name="KSO_WM_UNIT_DIAGRAM_ISREFERUNIT" val="0"/>
-  <p:tag name="KSO_WM_UNIT_ID" val="_6**"/>
-  <p:tag name="KSO_WM_UNIT_LAYERLEVEL" val="1"/>
-  <p:tag name="KSO_WM_TAG_VERSION" val="1.0"/>
-  <p:tag name="KSO_WM_BEAUTIFY_FLAG" val="#wm#"/>
-</p:tagLst>
-</file>
-
-<file path=ppt/tags/tag46.xml><?xml version="1.0" encoding="utf-8"?>
-<p:tagLst xmlns:a="http://schemas.openxmlformats.org/drawingml/2006/main" xmlns:r="http://schemas.openxmlformats.org/officeDocument/2006/relationships" xmlns:p="http://schemas.openxmlformats.org/presentationml/2006/main">
-  <p:tag name="KSO_WM_UNIT_HIGHLIGHT" val="0"/>
-  <p:tag name="KSO_WM_UNIT_COMPATIBLE" val="0"/>
-  <p:tag name="KSO_WM_UNIT_DIAGRAM_ISNUMVISUAL" val="0"/>
-  <p:tag name="KSO_WM_UNIT_DIAGRAM_ISREFERUNIT" val="0"/>
-  <p:tag name="KSO_WM_UNIT_ID" val="_6**"/>
-  <p:tag name="KSO_WM_UNIT_LAYERLEVEL" val="1"/>
-  <p:tag name="KSO_WM_TAG_VERSION" val="1.0"/>
-  <p:tag name="KSO_WM_BEAUTIFY_FLAG" val="#wm#"/>
-</p:tagLst>
-</file>
-
-<file path=ppt/tags/tag47.xml><?xml version="1.0" encoding="utf-8"?>
-<p:tagLst xmlns:a="http://schemas.openxmlformats.org/drawingml/2006/main" xmlns:r="http://schemas.openxmlformats.org/officeDocument/2006/relationships" xmlns:p="http://schemas.openxmlformats.org/presentationml/2006/main">
-  <p:tag name="KSO_WM_UNIT_HIGHLIGHT" val="0"/>
-  <p:tag name="KSO_WM_UNIT_COMPATIBLE" val="0"/>
-  <p:tag name="KSO_WM_UNIT_DIAGRAM_ISNUMVISUAL" val="0"/>
-  <p:tag name="KSO_WM_UNIT_DIAGRAM_ISREFERUNIT" val="0"/>
-  <p:tag name="KSO_WM_UNIT_ID" val="_6**"/>
-  <p:tag name="KSO_WM_UNIT_LAYERLEVEL" val="1"/>
-  <p:tag name="KSO_WM_TAG_VERSION" val="1.0"/>
-  <p:tag name="KSO_WM_BEAUTIFY_FLAG" val="#wm#"/>
-</p:tagLst>
-</file>
-
-<file path=ppt/tags/tag48.xml><?xml version="1.0" encoding="utf-8"?>
-<p:tagLst xmlns:a="http://schemas.openxmlformats.org/drawingml/2006/main" xmlns:r="http://schemas.openxmlformats.org/officeDocument/2006/relationships" xmlns:p="http://schemas.openxmlformats.org/presentationml/2006/main">
-  <p:tag name="KSO_WM_UNIT_HIGHLIGHT" val="0"/>
-  <p:tag name="KSO_WM_UNIT_COMPATIBLE" val="0"/>
-  <p:tag name="KSO_WM_UNIT_DIAGRAM_ISNUMVISUAL" val="0"/>
-  <p:tag name="KSO_WM_UNIT_DIAGRAM_ISREFERUNIT" val="0"/>
-  <p:tag name="KSO_WM_UNIT_ID" val="_6**"/>
-  <p:tag name="KSO_WM_UNIT_LAYERLEVEL" val="1"/>
-  <p:tag name="KSO_WM_TAG_VERSION" val="1.0"/>
-  <p:tag name="KSO_WM_BEAUTIFY_FLAG" val="#wm#"/>
-</p:tagLst>
-</file>
-
-<file path=ppt/tags/tag49.xml><?xml version="1.0" encoding="utf-8"?>
-<p:tagLst xmlns:a="http://schemas.openxmlformats.org/drawingml/2006/main" xmlns:r="http://schemas.openxmlformats.org/officeDocument/2006/relationships" xmlns:p="http://schemas.openxmlformats.org/presentationml/2006/main">
-  <p:tag name="KSO_WM_UNIT_HIGHLIGHT" val="0"/>
-  <p:tag name="KSO_WM_UNIT_COMPATIBLE" val="0"/>
-  <p:tag name="KSO_WM_UNIT_DIAGRAM_ISNUMVISUAL" val="0"/>
-  <p:tag name="KSO_WM_UNIT_DIAGRAM_ISREFERUNIT" val="0"/>
-  <p:tag name="KSO_WM_UNIT_ID" val="_7**"/>
-  <p:tag name="KSO_WM_UNIT_LAYERLEVEL" val="1"/>
-  <p:tag name="KSO_WM_TAG_VERSION" val="1.0"/>
-  <p:tag name="KSO_WM_BEAUTIFY_FLAG" val="#wm#"/>
-</p:tagLst>
-</file>
-
-<file path=ppt/tags/tag5.xml><?xml version="1.0" encoding="utf-8"?>
-<p:tagLst xmlns:a="http://schemas.openxmlformats.org/drawingml/2006/main" xmlns:r="http://schemas.openxmlformats.org/officeDocument/2006/relationships" xmlns:p="http://schemas.openxmlformats.org/presentationml/2006/main">
-  <p:tag name="KSO_WM_UNIT_HIGHLIGHT" val="0"/>
-  <p:tag name="KSO_WM_UNIT_COMPATIBLE" val="0"/>
-  <p:tag name="KSO_WM_UNIT_DIAGRAM_ISNUMVISUAL" val="0"/>
-  <p:tag name="KSO_WM_UNIT_DIAGRAM_ISREFERUNIT" val="0"/>
-  <p:tag name="KSO_WM_UNIT_ID" val="_0**"/>
-  <p:tag name="KSO_WM_UNIT_LAYERLEVEL" val="1"/>
-  <p:tag name="KSO_WM_TAG_VERSION" val="1.0"/>
-  <p:tag name="KSO_WM_BEAUTIFY_FLAG" val="#wm#"/>
-</p:tagLst>
-</file>
-
-<file path=ppt/tags/tag50.xml><?xml version="1.0" encoding="utf-8"?>
-<p:tagLst xmlns:a="http://schemas.openxmlformats.org/drawingml/2006/main" xmlns:r="http://schemas.openxmlformats.org/officeDocument/2006/relationships" xmlns:p="http://schemas.openxmlformats.org/presentationml/2006/main">
-  <p:tag name="KSO_WM_UNIT_HIGHLIGHT" val="0"/>
-  <p:tag name="KSO_WM_UNIT_COMPATIBLE" val="0"/>
-  <p:tag name="KSO_WM_UNIT_DIAGRAM_ISNUMVISUAL" val="0"/>
-  <p:tag name="KSO_WM_UNIT_DIAGRAM_ISREFERUNIT" val="0"/>
-  <p:tag name="KSO_WM_UNIT_ID" val="_7**"/>
-  <p:tag name="KSO_WM_UNIT_LAYERLEVEL" val="1"/>
-  <p:tag name="KSO_WM_TAG_VERSION" val="1.0"/>
-  <p:tag name="KSO_WM_BEAUTIFY_FLAG" val="#wm#"/>
-</p:tagLst>
-</file>
-
-<file path=ppt/tags/tag51.xml><?xml version="1.0" encoding="utf-8"?>
-<p:tagLst xmlns:a="http://schemas.openxmlformats.org/drawingml/2006/main" xmlns:r="http://schemas.openxmlformats.org/officeDocument/2006/relationships" xmlns:p="http://schemas.openxmlformats.org/presentationml/2006/main">
-  <p:tag name="KSO_WM_UNIT_HIGHLIGHT" val="0"/>
-  <p:tag name="KSO_WM_UNIT_COMPATIBLE" val="0"/>
-  <p:tag name="KSO_WM_UNIT_DIAGRAM_ISNUMVISUAL" val="0"/>
-  <p:tag name="KSO_WM_UNIT_DIAGRAM_ISREFERUNIT" val="0"/>
-  <p:tag name="KSO_WM_UNIT_ID" val="_7**"/>
-  <p:tag name="KSO_WM_UNIT_LAYERLEVEL" val="1"/>
-  <p:tag name="KSO_WM_TAG_VERSION" val="1.0"/>
-  <p:tag name="KSO_WM_BEAUTIFY_FLAG" val="#wm#"/>
-</p:tagLst>
-</file>
-
-<file path=ppt/tags/tag52.xml><?xml version="1.0" encoding="utf-8"?>
-<p:tagLst xmlns:a="http://schemas.openxmlformats.org/drawingml/2006/main" xmlns:r="http://schemas.openxmlformats.org/officeDocument/2006/relationships" xmlns:p="http://schemas.openxmlformats.org/presentationml/2006/main">
-  <p:tag name="KSO_WM_UNIT_HIGHLIGHT" val="0"/>
-  <p:tag name="KSO_WM_UNIT_COMPATIBLE" val="0"/>
-  <p:tag name="KSO_WM_UNIT_DIAGRAM_ISNUMVISUAL" val="0"/>
-  <p:tag name="KSO_WM_UNIT_DIAGRAM_ISREFERUNIT" val="0"/>
-  <p:tag name="KSO_WM_UNIT_ID" val="_8**"/>
-  <p:tag name="KSO_WM_UNIT_LAYERLEVEL" val="1"/>
-  <p:tag name="KSO_WM_TAG_VERSION" val="1.0"/>
-  <p:tag name="KSO_WM_BEAUTIFY_FLAG" val="#wm#"/>
-</p:tagLst>
-</file>
-
-<file path=ppt/tags/tag53.xml><?xml version="1.0" encoding="utf-8"?>
-<p:tagLst xmlns:a="http://schemas.openxmlformats.org/drawingml/2006/main" xmlns:r="http://schemas.openxmlformats.org/officeDocument/2006/relationships" xmlns:p="http://schemas.openxmlformats.org/presentationml/2006/main">
-  <p:tag name="KSO_WM_UNIT_HIGHLIGHT" val="0"/>
-  <p:tag name="KSO_WM_UNIT_COMPATIBLE" val="0"/>
-  <p:tag name="KSO_WM_UNIT_DIAGRAM_ISNUMVISUAL" val="0"/>
-  <p:tag name="KSO_WM_UNIT_DIAGRAM_ISREFERUNIT" val="0"/>
-  <p:tag name="KSO_WM_UNIT_ID" val="_8**"/>
-  <p:tag name="KSO_WM_UNIT_LAYERLEVEL" val="1"/>
-  <p:tag name="KSO_WM_TAG_VERSION" val="1.0"/>
-  <p:tag name="KSO_WM_BEAUTIFY_FLAG" val="#wm#"/>
-</p:tagLst>
-</file>
-
-<file path=ppt/tags/tag54.xml><?xml version="1.0" encoding="utf-8"?>
-<p:tagLst xmlns:a="http://schemas.openxmlformats.org/drawingml/2006/main" xmlns:r="http://schemas.openxmlformats.org/officeDocument/2006/relationships" xmlns:p="http://schemas.openxmlformats.org/presentationml/2006/main">
-  <p:tag name="KSO_WM_UNIT_HIGHLIGHT" val="0"/>
-  <p:tag name="KSO_WM_UNIT_COMPATIBLE" val="0"/>
-  <p:tag name="KSO_WM_UNIT_DIAGRAM_ISNUMVISUAL" val="0"/>
-  <p:tag name="KSO_WM_UNIT_DIAGRAM_ISREFERUNIT" val="0"/>
-  <p:tag name="KSO_WM_UNIT_ID" val="_8**"/>
-  <p:tag name="KSO_WM_UNIT_LAYERLEVEL" val="1"/>
-  <p:tag name="KSO_WM_TAG_VERSION" val="1.0"/>
-  <p:tag name="KSO_WM_BEAUTIFY_FLAG" val="#wm#"/>
-</p:tagLst>
-</file>
-
-<file path=ppt/tags/tag55.xml><?xml version="1.0" encoding="utf-8"?>
-<p:tagLst xmlns:a="http://schemas.openxmlformats.org/drawingml/2006/main" xmlns:r="http://schemas.openxmlformats.org/officeDocument/2006/relationships" xmlns:p="http://schemas.openxmlformats.org/presentationml/2006/main">
-  <p:tag name="KSO_WM_UNIT_HIGHLIGHT" val="0"/>
-  <p:tag name="KSO_WM_UNIT_COMPATIBLE" val="0"/>
-  <p:tag name="KSO_WM_UNIT_DIAGRAM_ISNUMVISUAL" val="0"/>
-  <p:tag name="KSO_WM_UNIT_DIAGRAM_ISREFERUNIT" val="0"/>
-  <p:tag name="KSO_WM_UNIT_ID" val="_8**"/>
-  <p:tag name="KSO_WM_UNIT_LAYERLEVEL" val="1"/>
-  <p:tag name="KSO_WM_TAG_VERSION" val="1.0"/>
-  <p:tag name="KSO_WM_BEAUTIFY_FLAG" val="#wm#"/>
-</p:tagLst>
-</file>
-
-<file path=ppt/tags/tag56.xml><?xml version="1.0" encoding="utf-8"?>
-<p:tagLst xmlns:a="http://schemas.openxmlformats.org/drawingml/2006/main" xmlns:r="http://schemas.openxmlformats.org/officeDocument/2006/relationships" xmlns:p="http://schemas.openxmlformats.org/presentationml/2006/main">
-  <p:tag name="KSO_WM_UNIT_HIGHLIGHT" val="0"/>
-  <p:tag name="KSO_WM_UNIT_COMPATIBLE" val="0"/>
-  <p:tag name="KSO_WM_UNIT_DIAGRAM_ISNUMVISUAL" val="0"/>
-  <p:tag name="KSO_WM_UNIT_DIAGRAM_ISREFERUNIT" val="0"/>
-  <p:tag name="KSO_WM_UNIT_ID" val="_8**"/>
-  <p:tag name="KSO_WM_UNIT_LAYERLEVEL" val="1"/>
-  <p:tag name="KSO_WM_TAG_VERSION" val="1.0"/>
-  <p:tag name="KSO_WM_BEAUTIFY_FLAG" val="#wm#"/>
-</p:tagLst>
-</file>
-
-<file path=ppt/tags/tag57.xml><?xml version="1.0" encoding="utf-8"?>
-<p:tagLst xmlns:a="http://schemas.openxmlformats.org/drawingml/2006/main" xmlns:r="http://schemas.openxmlformats.org/officeDocument/2006/relationships" xmlns:p="http://schemas.openxmlformats.org/presentationml/2006/main">
-  <p:tag name="KSO_WM_UNIT_HIGHLIGHT" val="0"/>
-  <p:tag name="KSO_WM_UNIT_COMPATIBLE" val="0"/>
-  <p:tag name="KSO_WM_UNIT_DIAGRAM_ISNUMVISUAL" val="0"/>
-  <p:tag name="KSO_WM_UNIT_DIAGRAM_ISREFERUNIT" val="0"/>
-  <p:tag name="KSO_WM_UNIT_ID" val="_8**"/>
-  <p:tag name="KSO_WM_UNIT_LAYERLEVEL" val="1"/>
-  <p:tag name="KSO_WM_TAG_VERSION" val="1.0"/>
-  <p:tag name="KSO_WM_BEAUTIFY_FLAG" val="#wm#"/>
-</p:tagLst>
-</file>
-
-<file path=ppt/tags/tag58.xml><?xml version="1.0" encoding="utf-8"?>
-<p:tagLst xmlns:a="http://schemas.openxmlformats.org/drawingml/2006/main" xmlns:r="http://schemas.openxmlformats.org/officeDocument/2006/relationships" xmlns:p="http://schemas.openxmlformats.org/presentationml/2006/main">
-  <p:tag name="KSO_WM_UNIT_HIGHLIGHT" val="0"/>
-  <p:tag name="KSO_WM_UNIT_COMPATIBLE" val="0"/>
-  <p:tag name="KSO_WM_UNIT_DIAGRAM_ISNUMVISUAL" val="0"/>
-  <p:tag name="KSO_WM_UNIT_DIAGRAM_ISREFERUNIT" val="0"/>
-  <p:tag name="KSO_WM_UNIT_ID" val="_8**"/>
-  <p:tag name="KSO_WM_UNIT_LAYERLEVEL" val="1"/>
-  <p:tag name="KSO_WM_TAG_VERSION" val="1.0"/>
-  <p:tag name="KSO_WM_BEAUTIFY_FLAG" val="#wm#"/>
-</p:tagLst>
-</file>
-
-<file path=ppt/tags/tag59.xml><?xml version="1.0" encoding="utf-8"?>
-<p:tagLst xmlns:a="http://schemas.openxmlformats.org/drawingml/2006/main" xmlns:r="http://schemas.openxmlformats.org/officeDocument/2006/relationships" xmlns:p="http://schemas.openxmlformats.org/presentationml/2006/main">
-  <p:tag name="KSO_WM_UNIT_HIGHLIGHT" val="0"/>
-  <p:tag name="KSO_WM_UNIT_COMPATIBLE" val="0"/>
-  <p:tag name="KSO_WM_UNIT_DIAGRAM_ISNUMVISUAL" val="0"/>
-  <p:tag name="KSO_WM_UNIT_DIAGRAM_ISREFERUNIT" val="0"/>
-  <p:tag name="KSO_WM_UNIT_ID" val="_8**"/>
-  <p:tag name="KSO_WM_UNIT_LAYERLEVEL" val="1"/>
-  <p:tag name="KSO_WM_TAG_VERSION" val="1.0"/>
-  <p:tag name="KSO_WM_BEAUTIFY_FLAG" val="#wm#"/>
-</p:tagLst>
-</file>
-
-<file path=ppt/tags/tag6.xml><?xml version="1.0" encoding="utf-8"?>
-<p:tagLst xmlns:a="http://schemas.openxmlformats.org/drawingml/2006/main" xmlns:r="http://schemas.openxmlformats.org/officeDocument/2006/relationships" xmlns:p="http://schemas.openxmlformats.org/presentationml/2006/main">
-  <p:tag name="KSO_WM_TAG_VERSION" val="1.0"/>
-  <p:tag name="KSO_WM_BEAUTIFY_FLAG" val="#wm#"/>
-  <p:tag name="KSO_WM_TEMPLATE_CATEGORY" val="custom"/>
-  <p:tag name="KSO_WM_TEMPLATE_INDEX" val="20204681"/>
-  <p:tag name="KSO_WM_TEMPLATE_SUBCATEGORY" val="0"/>
-  <p:tag name="KSO_WM_TEMPLATE_MASTER_TYPE" val="1"/>
-  <p:tag name="KSO_WM_TEMPLATE_COLOR_TYPE" val="1"/>
-  <p:tag name="KSO_WM_TEMPLATE_MASTER_THUMB_INDEX" val="12"/>
-  <p:tag name="KSO_WM_TEMPLATE_THUMBS_INDEX" val="1、4、7、8、9、12、17、23、26、31、34、37、38"/>
-</p:tagLst>
-</file>
-
-<file path=ppt/tags/tag60.xml><?xml version="1.0" encoding="utf-8"?>
-<p:tagLst xmlns:a="http://schemas.openxmlformats.org/drawingml/2006/main" xmlns:r="http://schemas.openxmlformats.org/officeDocument/2006/relationships" xmlns:p="http://schemas.openxmlformats.org/presentationml/2006/main">
-  <p:tag name="KSO_WM_UNIT_HIGHLIGHT" val="0"/>
-  <p:tag name="KSO_WM_UNIT_COMPATIBLE" val="0"/>
-  <p:tag name="KSO_WM_UNIT_DIAGRAM_ISNUMVISUAL" val="0"/>
-  <p:tag name="KSO_WM_UNIT_DIAGRAM_ISREFERUNIT" val="0"/>
-  <p:tag name="KSO_WM_UNIT_ID" val="_9**"/>
-  <p:tag name="KSO_WM_UNIT_LAYERLEVEL" val="1"/>
-  <p:tag name="KSO_WM_TAG_VERSION" val="1.0"/>
-  <p:tag name="KSO_WM_BEAUTIFY_FLAG" val="#wm#"/>
-</p:tagLst>
-</file>
-
-<file path=ppt/tags/tag61.xml><?xml version="1.0" encoding="utf-8"?>
-<p:tagLst xmlns:a="http://schemas.openxmlformats.org/drawingml/2006/main" xmlns:r="http://schemas.openxmlformats.org/officeDocument/2006/relationships" xmlns:p="http://schemas.openxmlformats.org/presentationml/2006/main">
-  <p:tag name="KSO_WM_UNIT_HIGHLIGHT" val="0"/>
-  <p:tag name="KSO_WM_UNIT_COMPATIBLE" val="0"/>
-  <p:tag name="KSO_WM_UNIT_DIAGRAM_ISNUMVISUAL" val="0"/>
-  <p:tag name="KSO_WM_UNIT_DIAGRAM_ISREFERUNIT" val="0"/>
-  <p:tag name="KSO_WM_UNIT_ID" val="_9**"/>
-  <p:tag name="KSO_WM_UNIT_LAYERLEVEL" val="1"/>
-  <p:tag name="KSO_WM_TAG_VERSION" val="1.0"/>
-  <p:tag name="KSO_WM_BEAUTIFY_FLAG" val="#wm#"/>
-</p:tagLst>
-</file>
-
-<file path=ppt/tags/tag62.xml><?xml version="1.0" encoding="utf-8"?>
-<p:tagLst xmlns:a="http://schemas.openxmlformats.org/drawingml/2006/main" xmlns:r="http://schemas.openxmlformats.org/officeDocument/2006/relationships" xmlns:p="http://schemas.openxmlformats.org/presentationml/2006/main">
-  <p:tag name="KSO_WM_UNIT_HIGHLIGHT" val="0"/>
-  <p:tag name="KSO_WM_UNIT_COMPATIBLE" val="0"/>
-  <p:tag name="KSO_WM_UNIT_DIAGRAM_ISNUMVISUAL" val="0"/>
-  <p:tag name="KSO_WM_UNIT_DIAGRAM_ISREFERUNIT" val="0"/>
-  <p:tag name="KSO_WM_UNIT_ID" val="_9**"/>
-  <p:tag name="KSO_WM_UNIT_LAYERLEVEL" val="1"/>
-  <p:tag name="KSO_WM_TAG_VERSION" val="1.0"/>
-  <p:tag name="KSO_WM_BEAUTIFY_FLAG" val="#wm#"/>
-</p:tagLst>
-</file>
-
-<file path=ppt/tags/tag63.xml><?xml version="1.0" encoding="utf-8"?>
-<p:tagLst xmlns:a="http://schemas.openxmlformats.org/drawingml/2006/main" xmlns:r="http://schemas.openxmlformats.org/officeDocument/2006/relationships" xmlns:p="http://schemas.openxmlformats.org/presentationml/2006/main">
-  <p:tag name="KSO_WM_UNIT_HIGHLIGHT" val="0"/>
-  <p:tag name="KSO_WM_UNIT_COMPATIBLE" val="0"/>
-  <p:tag name="KSO_WM_UNIT_DIAGRAM_ISNUMVISUAL" val="0"/>
-  <p:tag name="KSO_WM_UNIT_DIAGRAM_ISREFERUNIT" val="0"/>
-  <p:tag name="KSO_WM_UNIT_ID" val="_9**"/>
-  <p:tag name="KSO_WM_UNIT_LAYERLEVEL" val="1"/>
-  <p:tag name="KSO_WM_TAG_VERSION" val="1.0"/>
-  <p:tag name="KSO_WM_BEAUTIFY_FLAG" val="#wm#"/>
-</p:tagLst>
-</file>
-
-<file path=ppt/tags/tag64.xml><?xml version="1.0" encoding="utf-8"?>
-<p:tagLst xmlns:a="http://schemas.openxmlformats.org/drawingml/2006/main" xmlns:r="http://schemas.openxmlformats.org/officeDocument/2006/relationships" xmlns:p="http://schemas.openxmlformats.org/presentationml/2006/main">
-  <p:tag name="KSO_WM_UNIT_HIGHLIGHT" val="0"/>
-  <p:tag name="KSO_WM_UNIT_COMPATIBLE" val="0"/>
-  <p:tag name="KSO_WM_UNIT_DIAGRAM_ISNUMVISUAL" val="0"/>
-  <p:tag name="KSO_WM_UNIT_DIAGRAM_ISREFERUNIT" val="0"/>
-  <p:tag name="KSO_WM_UNIT_ID" val="_9**"/>
-  <p:tag name="KSO_WM_UNIT_LAYERLEVEL" val="1"/>
-  <p:tag name="KSO_WM_TAG_VERSION" val="1.0"/>
-  <p:tag name="KSO_WM_BEAUTIFY_FLAG" val="#wm#"/>
-</p:tagLst>
-</file>
-
-<file path=ppt/tags/tag65.xml><?xml version="1.0" encoding="utf-8"?>
-<p:tagLst xmlns:a="http://schemas.openxmlformats.org/drawingml/2006/main" xmlns:r="http://schemas.openxmlformats.org/officeDocument/2006/relationships" xmlns:p="http://schemas.openxmlformats.org/presentationml/2006/main">
-  <p:tag name="KSO_WM_UNIT_HIGHLIGHT" val="0"/>
-  <p:tag name="KSO_WM_UNIT_COMPATIBLE" val="0"/>
-  <p:tag name="KSO_WM_UNIT_DIAGRAM_ISNUMVISUAL" val="0"/>
-  <p:tag name="KSO_WM_UNIT_DIAGRAM_ISREFERUNIT" val="0"/>
-  <p:tag name="KSO_WM_UNIT_ID" val="_9**"/>
-  <p:tag name="KSO_WM_UNIT_LAYERLEVEL" val="1"/>
-  <p:tag name="KSO_WM_TAG_VERSION" val="1.0"/>
-  <p:tag name="KSO_WM_BEAUTIFY_FLAG" val="#wm#"/>
-</p:tagLst>
-</file>
-
-<file path=ppt/tags/tag66.xml><?xml version="1.0" encoding="utf-8"?>
-<p:tagLst xmlns:a="http://schemas.openxmlformats.org/drawingml/2006/main" xmlns:r="http://schemas.openxmlformats.org/officeDocument/2006/relationships" xmlns:p="http://schemas.openxmlformats.org/presentationml/2006/main">
-  <p:tag name="KSO_WM_UNIT_HIGHLIGHT" val="0"/>
-  <p:tag name="KSO_WM_UNIT_COMPATIBLE" val="0"/>
-  <p:tag name="KSO_WM_UNIT_DIAGRAM_ISNUMVISUAL" val="0"/>
-  <p:tag name="KSO_WM_UNIT_DIAGRAM_ISREFERUNIT" val="0"/>
-  <p:tag name="KSO_WM_UNIT_ID" val="_9**"/>
-  <p:tag name="KSO_WM_UNIT_LAYERLEVEL" val="1"/>
-  <p:tag name="KSO_WM_TAG_VERSION" val="1.0"/>
-  <p:tag name="KSO_WM_BEAUTIFY_FLAG" val="#wm#"/>
-</p:tagLst>
-</file>
-
-<file path=ppt/tags/tag67.xml><?xml version="1.0" encoding="utf-8"?>
-<p:tagLst xmlns:a="http://schemas.openxmlformats.org/drawingml/2006/main" xmlns:r="http://schemas.openxmlformats.org/officeDocument/2006/relationships" xmlns:p="http://schemas.openxmlformats.org/presentationml/2006/main">
-  <p:tag name="KSO_WM_UNIT_HIGHLIGHT" val="0"/>
-  <p:tag name="KSO_WM_UNIT_COMPATIBLE" val="0"/>
-  <p:tag name="KSO_WM_UNIT_DIAGRAM_ISNUMVISUAL" val="0"/>
-  <p:tag name="KSO_WM_UNIT_DIAGRAM_ISREFERUNIT" val="0"/>
-  <p:tag name="KSO_WM_UNIT_ID" val="_10**"/>
-  <p:tag name="KSO_WM_UNIT_LAYERLEVEL" val="1"/>
-  <p:tag name="KSO_WM_TAG_VERSION" val="1.0"/>
-  <p:tag name="KSO_WM_BEAUTIFY_FLAG" val="#wm#"/>
-</p:tagLst>
-</file>
-
-<file path=ppt/tags/tag68.xml><?xml version="1.0" encoding="utf-8"?>
-<p:tagLst xmlns:a="http://schemas.openxmlformats.org/drawingml/2006/main" xmlns:r="http://schemas.openxmlformats.org/officeDocument/2006/relationships" xmlns:p="http://schemas.openxmlformats.org/presentationml/2006/main">
-  <p:tag name="KSO_WM_UNIT_HIGHLIGHT" val="0"/>
-  <p:tag name="KSO_WM_UNIT_COMPATIBLE" val="0"/>
-  <p:tag name="KSO_WM_UNIT_DIAGRAM_ISNUMVISUAL" val="0"/>
-  <p:tag name="KSO_WM_UNIT_DIAGRAM_ISREFERUNIT" val="0"/>
-  <p:tag name="KSO_WM_UNIT_ID" val="_10**"/>
-  <p:tag name="KSO_WM_UNIT_LAYERLEVEL" val="1"/>
-  <p:tag name="KSO_WM_TAG_VERSION" val="1.0"/>
-  <p:tag name="KSO_WM_BEAUTIFY_FLAG" val="#wm#"/>
-</p:tagLst>
-</file>
-
-<file path=ppt/tags/tag69.xml><?xml version="1.0" encoding="utf-8"?>
-<p:tagLst xmlns:a="http://schemas.openxmlformats.org/drawingml/2006/main" xmlns:r="http://schemas.openxmlformats.org/officeDocument/2006/relationships" xmlns:p="http://schemas.openxmlformats.org/presentationml/2006/main">
-  <p:tag name="KSO_WM_UNIT_HIGHLIGHT" val="0"/>
-  <p:tag name="KSO_WM_UNIT_COMPATIBLE" val="0"/>
-  <p:tag name="KSO_WM_UNIT_DIAGRAM_ISNUMVISUAL" val="0"/>
-  <p:tag name="KSO_WM_UNIT_DIAGRAM_ISREFERUNIT" val="0"/>
-  <p:tag name="KSO_WM_UNIT_ID" val="_10**"/>
-  <p:tag name="KSO_WM_UNIT_LAYERLEVEL" val="1"/>
-  <p:tag name="KSO_WM_TAG_VERSION" val="1.0"/>
-  <p:tag name="KSO_WM_BEAUTIFY_FLAG" val="#wm#"/>
-</p:tagLst>
-</file>
-
-<file path=ppt/tags/tag7.xml><?xml version="1.0" encoding="utf-8"?>
-<p:tagLst xmlns:a="http://schemas.openxmlformats.org/drawingml/2006/main" xmlns:r="http://schemas.openxmlformats.org/officeDocument/2006/relationships" xmlns:p="http://schemas.openxmlformats.org/presentationml/2006/main">
+<file path=ppt/tags/tag2.xml><?xml version="1.0" encoding="utf-8"?>
+<p:tagLst xmlns:p="http://schemas.openxmlformats.org/presentationml/2006/main">
   <p:tag name="KSO_WM_SLIDE_BACKGROUND_MASK_FLAG" val="1"/>
   <p:tag name="KSO_WM_UNIT_HIGHLIGHT" val="0"/>
   <p:tag name="KSO_WM_UNIT_COMPATIBLE" val="0"/>
@@ -15049,8 +14814,597 @@
 </p:tagLst>
 </file>
 
-<file path=ppt/tags/tag70.xml><?xml version="1.0" encoding="utf-8"?>
-<p:tagLst xmlns:a="http://schemas.openxmlformats.org/drawingml/2006/main" xmlns:r="http://schemas.openxmlformats.org/officeDocument/2006/relationships" xmlns:p="http://schemas.openxmlformats.org/presentationml/2006/main">
+<file path=ppt/tags/tag20.xml><?xml version="1.0" encoding="utf-8"?>
+<p:tagLst xmlns:p="http://schemas.openxmlformats.org/presentationml/2006/main">
+  <p:tag name="KSO_WM_UNIT_HIGHLIGHT" val="0"/>
+  <p:tag name="KSO_WM_UNIT_COMPATIBLE" val="0"/>
+  <p:tag name="KSO_WM_UNIT_DIAGRAM_ISNUMVISUAL" val="0"/>
+  <p:tag name="KSO_WM_UNIT_DIAGRAM_ISREFERUNIT" val="0"/>
+  <p:tag name="KSO_WM_UNIT_ID" val="_4**"/>
+  <p:tag name="KSO_WM_UNIT_LAYERLEVEL" val="1"/>
+  <p:tag name="KSO_WM_TAG_VERSION" val="1.0"/>
+  <p:tag name="KSO_WM_BEAUTIFY_FLAG" val="#wm#"/>
+</p:tagLst>
+</file>
+
+<file path=ppt/tags/tag21.xml><?xml version="1.0" encoding="utf-8"?>
+<p:tagLst xmlns:p="http://schemas.openxmlformats.org/presentationml/2006/main">
+  <p:tag name="KSO_WM_UNIT_HIGHLIGHT" val="0"/>
+  <p:tag name="KSO_WM_UNIT_COMPATIBLE" val="0"/>
+  <p:tag name="KSO_WM_UNIT_DIAGRAM_ISNUMVISUAL" val="0"/>
+  <p:tag name="KSO_WM_UNIT_DIAGRAM_ISREFERUNIT" val="0"/>
+  <p:tag name="KSO_WM_UNIT_ID" val="_4**"/>
+  <p:tag name="KSO_WM_UNIT_LAYERLEVEL" val="1"/>
+  <p:tag name="KSO_WM_TAG_VERSION" val="1.0"/>
+  <p:tag name="KSO_WM_BEAUTIFY_FLAG" val="#wm#"/>
+</p:tagLst>
+</file>
+
+<file path=ppt/tags/tag22.xml><?xml version="1.0" encoding="utf-8"?>
+<p:tagLst xmlns:p="http://schemas.openxmlformats.org/presentationml/2006/main">
+  <p:tag name="KSO_WM_UNIT_HIGHLIGHT" val="0"/>
+  <p:tag name="KSO_WM_UNIT_COMPATIBLE" val="0"/>
+  <p:tag name="KSO_WM_UNIT_DIAGRAM_ISNUMVISUAL" val="0"/>
+  <p:tag name="KSO_WM_UNIT_DIAGRAM_ISREFERUNIT" val="0"/>
+  <p:tag name="KSO_WM_UNIT_ID" val="_4**"/>
+  <p:tag name="KSO_WM_UNIT_LAYERLEVEL" val="1"/>
+  <p:tag name="KSO_WM_TAG_VERSION" val="1.0"/>
+  <p:tag name="KSO_WM_BEAUTIFY_FLAG" val="#wm#"/>
+</p:tagLst>
+</file>
+
+<file path=ppt/tags/tag23.xml><?xml version="1.0" encoding="utf-8"?>
+<p:tagLst xmlns:p="http://schemas.openxmlformats.org/presentationml/2006/main">
+  <p:tag name="KSO_WM_UNIT_HIGHLIGHT" val="0"/>
+  <p:tag name="KSO_WM_UNIT_COMPATIBLE" val="0"/>
+  <p:tag name="KSO_WM_UNIT_DIAGRAM_ISNUMVISUAL" val="0"/>
+  <p:tag name="KSO_WM_UNIT_DIAGRAM_ISREFERUNIT" val="0"/>
+  <p:tag name="KSO_WM_UNIT_ID" val="_4**"/>
+  <p:tag name="KSO_WM_UNIT_LAYERLEVEL" val="1"/>
+  <p:tag name="KSO_WM_TAG_VERSION" val="1.0"/>
+  <p:tag name="KSO_WM_BEAUTIFY_FLAG" val="#wm#"/>
+</p:tagLst>
+</file>
+
+<file path=ppt/tags/tag24.xml><?xml version="1.0" encoding="utf-8"?>
+<p:tagLst xmlns:p="http://schemas.openxmlformats.org/presentationml/2006/main">
+  <p:tag name="KSO_WM_UNIT_HIGHLIGHT" val="0"/>
+  <p:tag name="KSO_WM_UNIT_COMPATIBLE" val="0"/>
+  <p:tag name="KSO_WM_UNIT_DIAGRAM_ISNUMVISUAL" val="0"/>
+  <p:tag name="KSO_WM_UNIT_DIAGRAM_ISREFERUNIT" val="0"/>
+  <p:tag name="KSO_WM_UNIT_ID" val="_4**"/>
+  <p:tag name="KSO_WM_UNIT_LAYERLEVEL" val="1"/>
+  <p:tag name="KSO_WM_TAG_VERSION" val="1.0"/>
+  <p:tag name="KSO_WM_BEAUTIFY_FLAG" val="#wm#"/>
+</p:tagLst>
+</file>
+
+<file path=ppt/tags/tag25.xml><?xml version="1.0" encoding="utf-8"?>
+<p:tagLst xmlns:p="http://schemas.openxmlformats.org/presentationml/2006/main">
+  <p:tag name="KSO_WM_UNIT_HIGHLIGHT" val="0"/>
+  <p:tag name="KSO_WM_UNIT_COMPATIBLE" val="0"/>
+  <p:tag name="KSO_WM_UNIT_DIAGRAM_ISNUMVISUAL" val="0"/>
+  <p:tag name="KSO_WM_UNIT_DIAGRAM_ISREFERUNIT" val="0"/>
+  <p:tag name="KSO_WM_UNIT_ID" val="_4**"/>
+  <p:tag name="KSO_WM_UNIT_LAYERLEVEL" val="1"/>
+  <p:tag name="KSO_WM_TAG_VERSION" val="1.0"/>
+  <p:tag name="KSO_WM_BEAUTIFY_FLAG" val="#wm#"/>
+</p:tagLst>
+</file>
+
+<file path=ppt/tags/tag26.xml><?xml version="1.0" encoding="utf-8"?>
+<p:tagLst xmlns:p="http://schemas.openxmlformats.org/presentationml/2006/main">
+  <p:tag name="KSO_WM_UNIT_HIGHLIGHT" val="0"/>
+  <p:tag name="KSO_WM_UNIT_COMPATIBLE" val="0"/>
+  <p:tag name="KSO_WM_UNIT_DIAGRAM_ISNUMVISUAL" val="0"/>
+  <p:tag name="KSO_WM_UNIT_DIAGRAM_ISREFERUNIT" val="0"/>
+  <p:tag name="KSO_WM_UNIT_ID" val="_4**"/>
+  <p:tag name="KSO_WM_UNIT_LAYERLEVEL" val="1"/>
+  <p:tag name="KSO_WM_TAG_VERSION" val="1.0"/>
+  <p:tag name="KSO_WM_BEAUTIFY_FLAG" val="#wm#"/>
+</p:tagLst>
+</file>
+
+<file path=ppt/tags/tag27.xml><?xml version="1.0" encoding="utf-8"?>
+<p:tagLst xmlns:p="http://schemas.openxmlformats.org/presentationml/2006/main">
+  <p:tag name="KSO_WM_UNIT_HIGHLIGHT" val="0"/>
+  <p:tag name="KSO_WM_UNIT_COMPATIBLE" val="0"/>
+  <p:tag name="KSO_WM_UNIT_DIAGRAM_ISNUMVISUAL" val="0"/>
+  <p:tag name="KSO_WM_UNIT_DIAGRAM_ISREFERUNIT" val="0"/>
+  <p:tag name="KSO_WM_UNIT_ID" val="_5**"/>
+  <p:tag name="KSO_WM_UNIT_LAYERLEVEL" val="1"/>
+  <p:tag name="KSO_WM_TAG_VERSION" val="1.0"/>
+  <p:tag name="KSO_WM_BEAUTIFY_FLAG" val="#wm#"/>
+</p:tagLst>
+</file>
+
+<file path=ppt/tags/tag28.xml><?xml version="1.0" encoding="utf-8"?>
+<p:tagLst xmlns:p="http://schemas.openxmlformats.org/presentationml/2006/main">
+  <p:tag name="KSO_WM_UNIT_HIGHLIGHT" val="0"/>
+  <p:tag name="KSO_WM_UNIT_COMPATIBLE" val="0"/>
+  <p:tag name="KSO_WM_UNIT_DIAGRAM_ISNUMVISUAL" val="0"/>
+  <p:tag name="KSO_WM_UNIT_DIAGRAM_ISREFERUNIT" val="0"/>
+  <p:tag name="KSO_WM_UNIT_ID" val="_5**"/>
+  <p:tag name="KSO_WM_UNIT_LAYERLEVEL" val="1"/>
+  <p:tag name="KSO_WM_TAG_VERSION" val="1.0"/>
+  <p:tag name="KSO_WM_BEAUTIFY_FLAG" val="#wm#"/>
+</p:tagLst>
+</file>
+
+<file path=ppt/tags/tag29.xml><?xml version="1.0" encoding="utf-8"?>
+<p:tagLst xmlns:p="http://schemas.openxmlformats.org/presentationml/2006/main">
+  <p:tag name="KSO_WM_UNIT_HIGHLIGHT" val="0"/>
+  <p:tag name="KSO_WM_UNIT_COMPATIBLE" val="0"/>
+  <p:tag name="KSO_WM_UNIT_DIAGRAM_ISNUMVISUAL" val="0"/>
+  <p:tag name="KSO_WM_UNIT_DIAGRAM_ISREFERUNIT" val="0"/>
+  <p:tag name="KSO_WM_UNIT_ID" val="_5**"/>
+  <p:tag name="KSO_WM_UNIT_LAYERLEVEL" val="1"/>
+  <p:tag name="KSO_WM_TAG_VERSION" val="1.0"/>
+  <p:tag name="KSO_WM_BEAUTIFY_FLAG" val="#wm#"/>
+</p:tagLst>
+</file>
+
+<file path=ppt/tags/tag3.xml><?xml version="1.0" encoding="utf-8"?>
+<p:tagLst xmlns:p="http://schemas.openxmlformats.org/presentationml/2006/main">
+  <p:tag name="KSO_WM_SLIDE_BACKGROUND_MASK_FLAG" val="1"/>
+  <p:tag name="KSO_WM_UNIT_HIGHLIGHT" val="0"/>
+  <p:tag name="KSO_WM_UNIT_COMPATIBLE" val="0"/>
+  <p:tag name="KSO_WM_UNIT_DIAGRAM_ISNUMVISUAL" val="0"/>
+  <p:tag name="KSO_WM_UNIT_DIAGRAM_ISREFERUNIT" val="0"/>
+  <p:tag name="KSO_WM_UNIT_ID" val="_1**"/>
+  <p:tag name="KSO_WM_UNIT_LAYERLEVEL" val="1"/>
+  <p:tag name="KSO_WM_TAG_VERSION" val="1.0"/>
+  <p:tag name="KSO_WM_BEAUTIFY_FLAG" val="#wm#"/>
+</p:tagLst>
+</file>
+
+<file path=ppt/tags/tag30.xml><?xml version="1.0" encoding="utf-8"?>
+<p:tagLst xmlns:p="http://schemas.openxmlformats.org/presentationml/2006/main">
+  <p:tag name="KSO_WM_UNIT_HIGHLIGHT" val="0"/>
+  <p:tag name="KSO_WM_UNIT_COMPATIBLE" val="0"/>
+  <p:tag name="KSO_WM_UNIT_DIAGRAM_ISNUMVISUAL" val="0"/>
+  <p:tag name="KSO_WM_UNIT_DIAGRAM_ISREFERUNIT" val="0"/>
+  <p:tag name="KSO_WM_UNIT_ID" val="_5**"/>
+  <p:tag name="KSO_WM_UNIT_LAYERLEVEL" val="1"/>
+  <p:tag name="KSO_WM_TAG_VERSION" val="1.0"/>
+  <p:tag name="KSO_WM_BEAUTIFY_FLAG" val="#wm#"/>
+</p:tagLst>
+</file>
+
+<file path=ppt/tags/tag31.xml><?xml version="1.0" encoding="utf-8"?>
+<p:tagLst xmlns:p="http://schemas.openxmlformats.org/presentationml/2006/main">
+  <p:tag name="KSO_WM_UNIT_HIGHLIGHT" val="0"/>
+  <p:tag name="KSO_WM_UNIT_COMPATIBLE" val="0"/>
+  <p:tag name="KSO_WM_UNIT_DIAGRAM_ISNUMVISUAL" val="0"/>
+  <p:tag name="KSO_WM_UNIT_DIAGRAM_ISREFERUNIT" val="0"/>
+  <p:tag name="KSO_WM_UNIT_ID" val="_5**"/>
+  <p:tag name="KSO_WM_UNIT_LAYERLEVEL" val="1"/>
+  <p:tag name="KSO_WM_TAG_VERSION" val="1.0"/>
+  <p:tag name="KSO_WM_BEAUTIFY_FLAG" val="#wm#"/>
+</p:tagLst>
+</file>
+
+<file path=ppt/tags/tag32.xml><?xml version="1.0" encoding="utf-8"?>
+<p:tagLst xmlns:p="http://schemas.openxmlformats.org/presentationml/2006/main">
+  <p:tag name="KSO_WM_UNIT_HIGHLIGHT" val="0"/>
+  <p:tag name="KSO_WM_UNIT_COMPATIBLE" val="0"/>
+  <p:tag name="KSO_WM_UNIT_DIAGRAM_ISNUMVISUAL" val="0"/>
+  <p:tag name="KSO_WM_UNIT_DIAGRAM_ISREFERUNIT" val="0"/>
+  <p:tag name="KSO_WM_UNIT_ID" val="_5**"/>
+  <p:tag name="KSO_WM_UNIT_LAYERLEVEL" val="1"/>
+  <p:tag name="KSO_WM_TAG_VERSION" val="1.0"/>
+  <p:tag name="KSO_WM_BEAUTIFY_FLAG" val="#wm#"/>
+</p:tagLst>
+</file>
+
+<file path=ppt/tags/tag33.xml><?xml version="1.0" encoding="utf-8"?>
+<p:tagLst xmlns:p="http://schemas.openxmlformats.org/presentationml/2006/main">
+  <p:tag name="KSO_WM_UNIT_HIGHLIGHT" val="0"/>
+  <p:tag name="KSO_WM_UNIT_COMPATIBLE" val="0"/>
+  <p:tag name="KSO_WM_UNIT_DIAGRAM_ISNUMVISUAL" val="0"/>
+  <p:tag name="KSO_WM_UNIT_DIAGRAM_ISREFERUNIT" val="0"/>
+  <p:tag name="KSO_WM_UNIT_ID" val="_5**"/>
+  <p:tag name="KSO_WM_UNIT_LAYERLEVEL" val="1"/>
+  <p:tag name="KSO_WM_TAG_VERSION" val="1.0"/>
+  <p:tag name="KSO_WM_BEAUTIFY_FLAG" val="#wm#"/>
+</p:tagLst>
+</file>
+
+<file path=ppt/tags/tag34.xml><?xml version="1.0" encoding="utf-8"?>
+<p:tagLst xmlns:p="http://schemas.openxmlformats.org/presentationml/2006/main">
+  <p:tag name="KSO_WM_UNIT_HIGHLIGHT" val="0"/>
+  <p:tag name="KSO_WM_UNIT_COMPATIBLE" val="0"/>
+  <p:tag name="KSO_WM_UNIT_DIAGRAM_ISNUMVISUAL" val="0"/>
+  <p:tag name="KSO_WM_UNIT_DIAGRAM_ISREFERUNIT" val="0"/>
+  <p:tag name="KSO_WM_UNIT_ID" val="_5**"/>
+  <p:tag name="KSO_WM_UNIT_LAYERLEVEL" val="1"/>
+  <p:tag name="KSO_WM_TAG_VERSION" val="1.0"/>
+  <p:tag name="KSO_WM_BEAUTIFY_FLAG" val="#wm#"/>
+</p:tagLst>
+</file>
+
+<file path=ppt/tags/tag35.xml><?xml version="1.0" encoding="utf-8"?>
+<p:tagLst xmlns:p="http://schemas.openxmlformats.org/presentationml/2006/main">
+  <p:tag name="KSO_WM_UNIT_HIGHLIGHT" val="0"/>
+  <p:tag name="KSO_WM_UNIT_COMPATIBLE" val="0"/>
+  <p:tag name="KSO_WM_UNIT_DIAGRAM_ISNUMVISUAL" val="0"/>
+  <p:tag name="KSO_WM_UNIT_DIAGRAM_ISREFERUNIT" val="0"/>
+  <p:tag name="KSO_WM_UNIT_ID" val="_5**"/>
+  <p:tag name="KSO_WM_UNIT_LAYERLEVEL" val="1"/>
+  <p:tag name="KSO_WM_TAG_VERSION" val="1.0"/>
+  <p:tag name="KSO_WM_BEAUTIFY_FLAG" val="#wm#"/>
+</p:tagLst>
+</file>
+
+<file path=ppt/tags/tag36.xml><?xml version="1.0" encoding="utf-8"?>
+<p:tagLst xmlns:p="http://schemas.openxmlformats.org/presentationml/2006/main">
+  <p:tag name="KSO_WM_UNIT_HIGHLIGHT" val="0"/>
+  <p:tag name="KSO_WM_UNIT_COMPATIBLE" val="0"/>
+  <p:tag name="KSO_WM_UNIT_DIAGRAM_ISNUMVISUAL" val="0"/>
+  <p:tag name="KSO_WM_UNIT_DIAGRAM_ISREFERUNIT" val="0"/>
+  <p:tag name="KSO_WM_UNIT_ID" val="_5**"/>
+  <p:tag name="KSO_WM_UNIT_LAYERLEVEL" val="1"/>
+  <p:tag name="KSO_WM_TAG_VERSION" val="1.0"/>
+  <p:tag name="KSO_WM_BEAUTIFY_FLAG" val="#wm#"/>
+</p:tagLst>
+</file>
+
+<file path=ppt/tags/tag37.xml><?xml version="1.0" encoding="utf-8"?>
+<p:tagLst xmlns:p="http://schemas.openxmlformats.org/presentationml/2006/main">
+  <p:tag name="KSO_WM_UNIT_HIGHLIGHT" val="0"/>
+  <p:tag name="KSO_WM_UNIT_COMPATIBLE" val="0"/>
+  <p:tag name="KSO_WM_UNIT_DIAGRAM_ISNUMVISUAL" val="0"/>
+  <p:tag name="KSO_WM_UNIT_DIAGRAM_ISREFERUNIT" val="0"/>
+  <p:tag name="KSO_WM_UNIT_ID" val="_6**"/>
+  <p:tag name="KSO_WM_UNIT_LAYERLEVEL" val="1"/>
+  <p:tag name="KSO_WM_TAG_VERSION" val="1.0"/>
+  <p:tag name="KSO_WM_BEAUTIFY_FLAG" val="#wm#"/>
+</p:tagLst>
+</file>
+
+<file path=ppt/tags/tag38.xml><?xml version="1.0" encoding="utf-8"?>
+<p:tagLst xmlns:p="http://schemas.openxmlformats.org/presentationml/2006/main">
+  <p:tag name="KSO_WM_UNIT_HIGHLIGHT" val="0"/>
+  <p:tag name="KSO_WM_UNIT_COMPATIBLE" val="0"/>
+  <p:tag name="KSO_WM_UNIT_DIAGRAM_ISNUMVISUAL" val="0"/>
+  <p:tag name="KSO_WM_UNIT_DIAGRAM_ISREFERUNIT" val="0"/>
+  <p:tag name="KSO_WM_UNIT_ID" val="_6**"/>
+  <p:tag name="KSO_WM_UNIT_LAYERLEVEL" val="1"/>
+  <p:tag name="KSO_WM_TAG_VERSION" val="1.0"/>
+  <p:tag name="KSO_WM_BEAUTIFY_FLAG" val="#wm#"/>
+</p:tagLst>
+</file>
+
+<file path=ppt/tags/tag39.xml><?xml version="1.0" encoding="utf-8"?>
+<p:tagLst xmlns:p="http://schemas.openxmlformats.org/presentationml/2006/main">
+  <p:tag name="KSO_WM_UNIT_HIGHLIGHT" val="0"/>
+  <p:tag name="KSO_WM_UNIT_COMPATIBLE" val="0"/>
+  <p:tag name="KSO_WM_UNIT_DIAGRAM_ISNUMVISUAL" val="0"/>
+  <p:tag name="KSO_WM_UNIT_DIAGRAM_ISREFERUNIT" val="0"/>
+  <p:tag name="KSO_WM_UNIT_ID" val="_6**"/>
+  <p:tag name="KSO_WM_UNIT_LAYERLEVEL" val="1"/>
+  <p:tag name="KSO_WM_TAG_VERSION" val="1.0"/>
+  <p:tag name="KSO_WM_BEAUTIFY_FLAG" val="#wm#"/>
+</p:tagLst>
+</file>
+
+<file path=ppt/tags/tag4.xml><?xml version="1.0" encoding="utf-8"?>
+<p:tagLst xmlns:p="http://schemas.openxmlformats.org/presentationml/2006/main">
+  <p:tag name="KSO_WM_SLIDE_BACKGROUND_MASK_FLAG" val="1"/>
+  <p:tag name="KSO_WM_UNIT_HIGHLIGHT" val="0"/>
+  <p:tag name="KSO_WM_UNIT_COMPATIBLE" val="0"/>
+  <p:tag name="KSO_WM_UNIT_DIAGRAM_ISNUMVISUAL" val="0"/>
+  <p:tag name="KSO_WM_UNIT_DIAGRAM_ISREFERUNIT" val="0"/>
+  <p:tag name="KSO_WM_UNIT_ID" val="_1**"/>
+  <p:tag name="KSO_WM_UNIT_LAYERLEVEL" val="1"/>
+  <p:tag name="KSO_WM_TAG_VERSION" val="1.0"/>
+  <p:tag name="KSO_WM_BEAUTIFY_FLAG" val="#wm#"/>
+</p:tagLst>
+</file>
+
+<file path=ppt/tags/tag40.xml><?xml version="1.0" encoding="utf-8"?>
+<p:tagLst xmlns:p="http://schemas.openxmlformats.org/presentationml/2006/main">
+  <p:tag name="KSO_WM_UNIT_HIGHLIGHT" val="0"/>
+  <p:tag name="KSO_WM_UNIT_COMPATIBLE" val="0"/>
+  <p:tag name="KSO_WM_UNIT_DIAGRAM_ISNUMVISUAL" val="0"/>
+  <p:tag name="KSO_WM_UNIT_DIAGRAM_ISREFERUNIT" val="0"/>
+  <p:tag name="KSO_WM_UNIT_ID" val="_6**"/>
+  <p:tag name="KSO_WM_UNIT_LAYERLEVEL" val="1"/>
+  <p:tag name="KSO_WM_TAG_VERSION" val="1.0"/>
+  <p:tag name="KSO_WM_BEAUTIFY_FLAG" val="#wm#"/>
+</p:tagLst>
+</file>
+
+<file path=ppt/tags/tag41.xml><?xml version="1.0" encoding="utf-8"?>
+<p:tagLst xmlns:p="http://schemas.openxmlformats.org/presentationml/2006/main">
+  <p:tag name="KSO_WM_UNIT_HIGHLIGHT" val="0"/>
+  <p:tag name="KSO_WM_UNIT_COMPATIBLE" val="0"/>
+  <p:tag name="KSO_WM_UNIT_DIAGRAM_ISNUMVISUAL" val="0"/>
+  <p:tag name="KSO_WM_UNIT_DIAGRAM_ISREFERUNIT" val="0"/>
+  <p:tag name="KSO_WM_UNIT_ID" val="_6**"/>
+  <p:tag name="KSO_WM_UNIT_LAYERLEVEL" val="1"/>
+  <p:tag name="KSO_WM_TAG_VERSION" val="1.0"/>
+  <p:tag name="KSO_WM_BEAUTIFY_FLAG" val="#wm#"/>
+</p:tagLst>
+</file>
+
+<file path=ppt/tags/tag42.xml><?xml version="1.0" encoding="utf-8"?>
+<p:tagLst xmlns:p="http://schemas.openxmlformats.org/presentationml/2006/main">
+  <p:tag name="KSO_WM_UNIT_HIGHLIGHT" val="0"/>
+  <p:tag name="KSO_WM_UNIT_COMPATIBLE" val="0"/>
+  <p:tag name="KSO_WM_UNIT_DIAGRAM_ISNUMVISUAL" val="0"/>
+  <p:tag name="KSO_WM_UNIT_DIAGRAM_ISREFERUNIT" val="0"/>
+  <p:tag name="KSO_WM_UNIT_ID" val="_6**"/>
+  <p:tag name="KSO_WM_UNIT_LAYERLEVEL" val="1"/>
+  <p:tag name="KSO_WM_TAG_VERSION" val="1.0"/>
+  <p:tag name="KSO_WM_BEAUTIFY_FLAG" val="#wm#"/>
+</p:tagLst>
+</file>
+
+<file path=ppt/tags/tag43.xml><?xml version="1.0" encoding="utf-8"?>
+<p:tagLst xmlns:p="http://schemas.openxmlformats.org/presentationml/2006/main">
+  <p:tag name="KSO_WM_UNIT_HIGHLIGHT" val="0"/>
+  <p:tag name="KSO_WM_UNIT_COMPATIBLE" val="0"/>
+  <p:tag name="KSO_WM_UNIT_DIAGRAM_ISNUMVISUAL" val="0"/>
+  <p:tag name="KSO_WM_UNIT_DIAGRAM_ISREFERUNIT" val="0"/>
+  <p:tag name="KSO_WM_UNIT_ID" val="_7**"/>
+  <p:tag name="KSO_WM_UNIT_LAYERLEVEL" val="1"/>
+  <p:tag name="KSO_WM_TAG_VERSION" val="1.0"/>
+  <p:tag name="KSO_WM_BEAUTIFY_FLAG" val="#wm#"/>
+</p:tagLst>
+</file>
+
+<file path=ppt/tags/tag44.xml><?xml version="1.0" encoding="utf-8"?>
+<p:tagLst xmlns:p="http://schemas.openxmlformats.org/presentationml/2006/main">
+  <p:tag name="KSO_WM_UNIT_HIGHLIGHT" val="0"/>
+  <p:tag name="KSO_WM_UNIT_COMPATIBLE" val="0"/>
+  <p:tag name="KSO_WM_UNIT_DIAGRAM_ISNUMVISUAL" val="0"/>
+  <p:tag name="KSO_WM_UNIT_DIAGRAM_ISREFERUNIT" val="0"/>
+  <p:tag name="KSO_WM_UNIT_ID" val="_7**"/>
+  <p:tag name="KSO_WM_UNIT_LAYERLEVEL" val="1"/>
+  <p:tag name="KSO_WM_TAG_VERSION" val="1.0"/>
+  <p:tag name="KSO_WM_BEAUTIFY_FLAG" val="#wm#"/>
+</p:tagLst>
+</file>
+
+<file path=ppt/tags/tag45.xml><?xml version="1.0" encoding="utf-8"?>
+<p:tagLst xmlns:p="http://schemas.openxmlformats.org/presentationml/2006/main">
+  <p:tag name="KSO_WM_UNIT_HIGHLIGHT" val="0"/>
+  <p:tag name="KSO_WM_UNIT_COMPATIBLE" val="0"/>
+  <p:tag name="KSO_WM_UNIT_DIAGRAM_ISNUMVISUAL" val="0"/>
+  <p:tag name="KSO_WM_UNIT_DIAGRAM_ISREFERUNIT" val="0"/>
+  <p:tag name="KSO_WM_UNIT_ID" val="_7**"/>
+  <p:tag name="KSO_WM_UNIT_LAYERLEVEL" val="1"/>
+  <p:tag name="KSO_WM_TAG_VERSION" val="1.0"/>
+  <p:tag name="KSO_WM_BEAUTIFY_FLAG" val="#wm#"/>
+</p:tagLst>
+</file>
+
+<file path=ppt/tags/tag46.xml><?xml version="1.0" encoding="utf-8"?>
+<p:tagLst xmlns:p="http://schemas.openxmlformats.org/presentationml/2006/main">
+  <p:tag name="KSO_WM_UNIT_HIGHLIGHT" val="0"/>
+  <p:tag name="KSO_WM_UNIT_COMPATIBLE" val="0"/>
+  <p:tag name="KSO_WM_UNIT_DIAGRAM_ISNUMVISUAL" val="0"/>
+  <p:tag name="KSO_WM_UNIT_DIAGRAM_ISREFERUNIT" val="0"/>
+  <p:tag name="KSO_WM_UNIT_ID" val="_8**"/>
+  <p:tag name="KSO_WM_UNIT_LAYERLEVEL" val="1"/>
+  <p:tag name="KSO_WM_TAG_VERSION" val="1.0"/>
+  <p:tag name="KSO_WM_BEAUTIFY_FLAG" val="#wm#"/>
+</p:tagLst>
+</file>
+
+<file path=ppt/tags/tag47.xml><?xml version="1.0" encoding="utf-8"?>
+<p:tagLst xmlns:p="http://schemas.openxmlformats.org/presentationml/2006/main">
+  <p:tag name="KSO_WM_UNIT_HIGHLIGHT" val="0"/>
+  <p:tag name="KSO_WM_UNIT_COMPATIBLE" val="0"/>
+  <p:tag name="KSO_WM_UNIT_DIAGRAM_ISNUMVISUAL" val="0"/>
+  <p:tag name="KSO_WM_UNIT_DIAGRAM_ISREFERUNIT" val="0"/>
+  <p:tag name="KSO_WM_UNIT_ID" val="_8**"/>
+  <p:tag name="KSO_WM_UNIT_LAYERLEVEL" val="1"/>
+  <p:tag name="KSO_WM_TAG_VERSION" val="1.0"/>
+  <p:tag name="KSO_WM_BEAUTIFY_FLAG" val="#wm#"/>
+</p:tagLst>
+</file>
+
+<file path=ppt/tags/tag48.xml><?xml version="1.0" encoding="utf-8"?>
+<p:tagLst xmlns:p="http://schemas.openxmlformats.org/presentationml/2006/main">
+  <p:tag name="KSO_WM_UNIT_HIGHLIGHT" val="0"/>
+  <p:tag name="KSO_WM_UNIT_COMPATIBLE" val="0"/>
+  <p:tag name="KSO_WM_UNIT_DIAGRAM_ISNUMVISUAL" val="0"/>
+  <p:tag name="KSO_WM_UNIT_DIAGRAM_ISREFERUNIT" val="0"/>
+  <p:tag name="KSO_WM_UNIT_ID" val="_8**"/>
+  <p:tag name="KSO_WM_UNIT_LAYERLEVEL" val="1"/>
+  <p:tag name="KSO_WM_TAG_VERSION" val="1.0"/>
+  <p:tag name="KSO_WM_BEAUTIFY_FLAG" val="#wm#"/>
+</p:tagLst>
+</file>
+
+<file path=ppt/tags/tag49.xml><?xml version="1.0" encoding="utf-8"?>
+<p:tagLst xmlns:p="http://schemas.openxmlformats.org/presentationml/2006/main">
+  <p:tag name="KSO_WM_UNIT_HIGHLIGHT" val="0"/>
+  <p:tag name="KSO_WM_UNIT_COMPATIBLE" val="0"/>
+  <p:tag name="KSO_WM_UNIT_DIAGRAM_ISNUMVISUAL" val="0"/>
+  <p:tag name="KSO_WM_UNIT_DIAGRAM_ISREFERUNIT" val="0"/>
+  <p:tag name="KSO_WM_UNIT_ID" val="_8**"/>
+  <p:tag name="KSO_WM_UNIT_LAYERLEVEL" val="1"/>
+  <p:tag name="KSO_WM_TAG_VERSION" val="1.0"/>
+  <p:tag name="KSO_WM_BEAUTIFY_FLAG" val="#wm#"/>
+</p:tagLst>
+</file>
+
+<file path=ppt/tags/tag5.xml><?xml version="1.0" encoding="utf-8"?>
+<p:tagLst xmlns:p="http://schemas.openxmlformats.org/presentationml/2006/main">
+  <p:tag name="KSO_WM_SLIDE_BACKGROUND_MASK_FLAG" val="1"/>
+  <p:tag name="KSO_WM_UNIT_HIGHLIGHT" val="0"/>
+  <p:tag name="KSO_WM_UNIT_COMPATIBLE" val="0"/>
+  <p:tag name="KSO_WM_UNIT_DIAGRAM_ISNUMVISUAL" val="0"/>
+  <p:tag name="KSO_WM_UNIT_DIAGRAM_ISREFERUNIT" val="0"/>
+  <p:tag name="KSO_WM_UNIT_ID" val="_1**"/>
+  <p:tag name="KSO_WM_UNIT_LAYERLEVEL" val="1"/>
+  <p:tag name="KSO_WM_TAG_VERSION" val="1.0"/>
+  <p:tag name="KSO_WM_BEAUTIFY_FLAG" val="#wm#"/>
+</p:tagLst>
+</file>
+
+<file path=ppt/tags/tag50.xml><?xml version="1.0" encoding="utf-8"?>
+<p:tagLst xmlns:p="http://schemas.openxmlformats.org/presentationml/2006/main">
+  <p:tag name="KSO_WM_UNIT_HIGHLIGHT" val="0"/>
+  <p:tag name="KSO_WM_UNIT_COMPATIBLE" val="0"/>
+  <p:tag name="KSO_WM_UNIT_DIAGRAM_ISNUMVISUAL" val="0"/>
+  <p:tag name="KSO_WM_UNIT_DIAGRAM_ISREFERUNIT" val="0"/>
+  <p:tag name="KSO_WM_UNIT_ID" val="_8**"/>
+  <p:tag name="KSO_WM_UNIT_LAYERLEVEL" val="1"/>
+  <p:tag name="KSO_WM_TAG_VERSION" val="1.0"/>
+  <p:tag name="KSO_WM_BEAUTIFY_FLAG" val="#wm#"/>
+</p:tagLst>
+</file>
+
+<file path=ppt/tags/tag51.xml><?xml version="1.0" encoding="utf-8"?>
+<p:tagLst xmlns:p="http://schemas.openxmlformats.org/presentationml/2006/main">
+  <p:tag name="KSO_WM_UNIT_HIGHLIGHT" val="0"/>
+  <p:tag name="KSO_WM_UNIT_COMPATIBLE" val="0"/>
+  <p:tag name="KSO_WM_UNIT_DIAGRAM_ISNUMVISUAL" val="0"/>
+  <p:tag name="KSO_WM_UNIT_DIAGRAM_ISREFERUNIT" val="0"/>
+  <p:tag name="KSO_WM_UNIT_ID" val="_8**"/>
+  <p:tag name="KSO_WM_UNIT_LAYERLEVEL" val="1"/>
+  <p:tag name="KSO_WM_TAG_VERSION" val="1.0"/>
+  <p:tag name="KSO_WM_BEAUTIFY_FLAG" val="#wm#"/>
+</p:tagLst>
+</file>
+
+<file path=ppt/tags/tag52.xml><?xml version="1.0" encoding="utf-8"?>
+<p:tagLst xmlns:p="http://schemas.openxmlformats.org/presentationml/2006/main">
+  <p:tag name="KSO_WM_UNIT_HIGHLIGHT" val="0"/>
+  <p:tag name="KSO_WM_UNIT_COMPATIBLE" val="0"/>
+  <p:tag name="KSO_WM_UNIT_DIAGRAM_ISNUMVISUAL" val="0"/>
+  <p:tag name="KSO_WM_UNIT_DIAGRAM_ISREFERUNIT" val="0"/>
+  <p:tag name="KSO_WM_UNIT_ID" val="_8**"/>
+  <p:tag name="KSO_WM_UNIT_LAYERLEVEL" val="1"/>
+  <p:tag name="KSO_WM_TAG_VERSION" val="1.0"/>
+  <p:tag name="KSO_WM_BEAUTIFY_FLAG" val="#wm#"/>
+</p:tagLst>
+</file>
+
+<file path=ppt/tags/tag53.xml><?xml version="1.0" encoding="utf-8"?>
+<p:tagLst xmlns:p="http://schemas.openxmlformats.org/presentationml/2006/main">
+  <p:tag name="KSO_WM_UNIT_HIGHLIGHT" val="0"/>
+  <p:tag name="KSO_WM_UNIT_COMPATIBLE" val="0"/>
+  <p:tag name="KSO_WM_UNIT_DIAGRAM_ISNUMVISUAL" val="0"/>
+  <p:tag name="KSO_WM_UNIT_DIAGRAM_ISREFERUNIT" val="0"/>
+  <p:tag name="KSO_WM_UNIT_ID" val="_8**"/>
+  <p:tag name="KSO_WM_UNIT_LAYERLEVEL" val="1"/>
+  <p:tag name="KSO_WM_TAG_VERSION" val="1.0"/>
+  <p:tag name="KSO_WM_BEAUTIFY_FLAG" val="#wm#"/>
+</p:tagLst>
+</file>
+
+<file path=ppt/tags/tag54.xml><?xml version="1.0" encoding="utf-8"?>
+<p:tagLst xmlns:p="http://schemas.openxmlformats.org/presentationml/2006/main">
+  <p:tag name="KSO_WM_UNIT_HIGHLIGHT" val="0"/>
+  <p:tag name="KSO_WM_UNIT_COMPATIBLE" val="0"/>
+  <p:tag name="KSO_WM_UNIT_DIAGRAM_ISNUMVISUAL" val="0"/>
+  <p:tag name="KSO_WM_UNIT_DIAGRAM_ISREFERUNIT" val="0"/>
+  <p:tag name="KSO_WM_UNIT_ID" val="_9**"/>
+  <p:tag name="KSO_WM_UNIT_LAYERLEVEL" val="1"/>
+  <p:tag name="KSO_WM_TAG_VERSION" val="1.0"/>
+  <p:tag name="KSO_WM_BEAUTIFY_FLAG" val="#wm#"/>
+</p:tagLst>
+</file>
+
+<file path=ppt/tags/tag55.xml><?xml version="1.0" encoding="utf-8"?>
+<p:tagLst xmlns:p="http://schemas.openxmlformats.org/presentationml/2006/main">
+  <p:tag name="KSO_WM_UNIT_HIGHLIGHT" val="0"/>
+  <p:tag name="KSO_WM_UNIT_COMPATIBLE" val="0"/>
+  <p:tag name="KSO_WM_UNIT_DIAGRAM_ISNUMVISUAL" val="0"/>
+  <p:tag name="KSO_WM_UNIT_DIAGRAM_ISREFERUNIT" val="0"/>
+  <p:tag name="KSO_WM_UNIT_ID" val="_9**"/>
+  <p:tag name="KSO_WM_UNIT_LAYERLEVEL" val="1"/>
+  <p:tag name="KSO_WM_TAG_VERSION" val="1.0"/>
+  <p:tag name="KSO_WM_BEAUTIFY_FLAG" val="#wm#"/>
+</p:tagLst>
+</file>
+
+<file path=ppt/tags/tag56.xml><?xml version="1.0" encoding="utf-8"?>
+<p:tagLst xmlns:p="http://schemas.openxmlformats.org/presentationml/2006/main">
+  <p:tag name="KSO_WM_UNIT_HIGHLIGHT" val="0"/>
+  <p:tag name="KSO_WM_UNIT_COMPATIBLE" val="0"/>
+  <p:tag name="KSO_WM_UNIT_DIAGRAM_ISNUMVISUAL" val="0"/>
+  <p:tag name="KSO_WM_UNIT_DIAGRAM_ISREFERUNIT" val="0"/>
+  <p:tag name="KSO_WM_UNIT_ID" val="_9**"/>
+  <p:tag name="KSO_WM_UNIT_LAYERLEVEL" val="1"/>
+  <p:tag name="KSO_WM_TAG_VERSION" val="1.0"/>
+  <p:tag name="KSO_WM_BEAUTIFY_FLAG" val="#wm#"/>
+</p:tagLst>
+</file>
+
+<file path=ppt/tags/tag57.xml><?xml version="1.0" encoding="utf-8"?>
+<p:tagLst xmlns:p="http://schemas.openxmlformats.org/presentationml/2006/main">
+  <p:tag name="KSO_WM_UNIT_HIGHLIGHT" val="0"/>
+  <p:tag name="KSO_WM_UNIT_COMPATIBLE" val="0"/>
+  <p:tag name="KSO_WM_UNIT_DIAGRAM_ISNUMVISUAL" val="0"/>
+  <p:tag name="KSO_WM_UNIT_DIAGRAM_ISREFERUNIT" val="0"/>
+  <p:tag name="KSO_WM_UNIT_ID" val="_9**"/>
+  <p:tag name="KSO_WM_UNIT_LAYERLEVEL" val="1"/>
+  <p:tag name="KSO_WM_TAG_VERSION" val="1.0"/>
+  <p:tag name="KSO_WM_BEAUTIFY_FLAG" val="#wm#"/>
+</p:tagLst>
+</file>
+
+<file path=ppt/tags/tag58.xml><?xml version="1.0" encoding="utf-8"?>
+<p:tagLst xmlns:p="http://schemas.openxmlformats.org/presentationml/2006/main">
+  <p:tag name="KSO_WM_UNIT_HIGHLIGHT" val="0"/>
+  <p:tag name="KSO_WM_UNIT_COMPATIBLE" val="0"/>
+  <p:tag name="KSO_WM_UNIT_DIAGRAM_ISNUMVISUAL" val="0"/>
+  <p:tag name="KSO_WM_UNIT_DIAGRAM_ISREFERUNIT" val="0"/>
+  <p:tag name="KSO_WM_UNIT_ID" val="_9**"/>
+  <p:tag name="KSO_WM_UNIT_LAYERLEVEL" val="1"/>
+  <p:tag name="KSO_WM_TAG_VERSION" val="1.0"/>
+  <p:tag name="KSO_WM_BEAUTIFY_FLAG" val="#wm#"/>
+</p:tagLst>
+</file>
+
+<file path=ppt/tags/tag59.xml><?xml version="1.0" encoding="utf-8"?>
+<p:tagLst xmlns:p="http://schemas.openxmlformats.org/presentationml/2006/main">
+  <p:tag name="KSO_WM_UNIT_HIGHLIGHT" val="0"/>
+  <p:tag name="KSO_WM_UNIT_COMPATIBLE" val="0"/>
+  <p:tag name="KSO_WM_UNIT_DIAGRAM_ISNUMVISUAL" val="0"/>
+  <p:tag name="KSO_WM_UNIT_DIAGRAM_ISREFERUNIT" val="0"/>
+  <p:tag name="KSO_WM_UNIT_ID" val="_9**"/>
+  <p:tag name="KSO_WM_UNIT_LAYERLEVEL" val="1"/>
+  <p:tag name="KSO_WM_TAG_VERSION" val="1.0"/>
+  <p:tag name="KSO_WM_BEAUTIFY_FLAG" val="#wm#"/>
+</p:tagLst>
+</file>
+
+<file path=ppt/tags/tag6.xml><?xml version="1.0" encoding="utf-8"?>
+<p:tagLst xmlns:p="http://schemas.openxmlformats.org/presentationml/2006/main">
+  <p:tag name="KSO_WM_SLIDE_BACKGROUND_MASK_FLAG" val="1"/>
+  <p:tag name="KSO_WM_UNIT_HIGHLIGHT" val="0"/>
+  <p:tag name="KSO_WM_UNIT_COMPATIBLE" val="0"/>
+  <p:tag name="KSO_WM_UNIT_DIAGRAM_ISNUMVISUAL" val="0"/>
+  <p:tag name="KSO_WM_UNIT_DIAGRAM_ISREFERUNIT" val="0"/>
+  <p:tag name="KSO_WM_UNIT_ID" val="_1**"/>
+  <p:tag name="KSO_WM_UNIT_LAYERLEVEL" val="1"/>
+  <p:tag name="KSO_WM_TAG_VERSION" val="1.0"/>
+  <p:tag name="KSO_WM_BEAUTIFY_FLAG" val="#wm#"/>
+</p:tagLst>
+</file>
+
+<file path=ppt/tags/tag60.xml><?xml version="1.0" encoding="utf-8"?>
+<p:tagLst xmlns:p="http://schemas.openxmlformats.org/presentationml/2006/main">
+  <p:tag name="KSO_WM_UNIT_HIGHLIGHT" val="0"/>
+  <p:tag name="KSO_WM_UNIT_COMPATIBLE" val="0"/>
+  <p:tag name="KSO_WM_UNIT_DIAGRAM_ISNUMVISUAL" val="0"/>
+  <p:tag name="KSO_WM_UNIT_DIAGRAM_ISREFERUNIT" val="0"/>
+  <p:tag name="KSO_WM_UNIT_ID" val="_9**"/>
+  <p:tag name="KSO_WM_UNIT_LAYERLEVEL" val="1"/>
+  <p:tag name="KSO_WM_TAG_VERSION" val="1.0"/>
+  <p:tag name="KSO_WM_BEAUTIFY_FLAG" val="#wm#"/>
+</p:tagLst>
+</file>
+
+<file path=ppt/tags/tag61.xml><?xml version="1.0" encoding="utf-8"?>
+<p:tagLst xmlns:p="http://schemas.openxmlformats.org/presentationml/2006/main">
   <p:tag name="KSO_WM_UNIT_HIGHLIGHT" val="0"/>
   <p:tag name="KSO_WM_UNIT_COMPATIBLE" val="0"/>
   <p:tag name="KSO_WM_UNIT_DIAGRAM_ISNUMVISUAL" val="0"/>
@@ -15062,8 +15416,8 @@
 </p:tagLst>
 </file>
 
-<file path=ppt/tags/tag71.xml><?xml version="1.0" encoding="utf-8"?>
-<p:tagLst xmlns:a="http://schemas.openxmlformats.org/drawingml/2006/main" xmlns:r="http://schemas.openxmlformats.org/officeDocument/2006/relationships" xmlns:p="http://schemas.openxmlformats.org/presentationml/2006/main">
+<file path=ppt/tags/tag62.xml><?xml version="1.0" encoding="utf-8"?>
+<p:tagLst xmlns:p="http://schemas.openxmlformats.org/presentationml/2006/main">
   <p:tag name="KSO_WM_UNIT_HIGHLIGHT" val="0"/>
   <p:tag name="KSO_WM_UNIT_COMPATIBLE" val="0"/>
   <p:tag name="KSO_WM_UNIT_DIAGRAM_ISNUMVISUAL" val="0"/>
@@ -15075,8 +15429,8 @@
 </p:tagLst>
 </file>
 
-<file path=ppt/tags/tag72.xml><?xml version="1.0" encoding="utf-8"?>
-<p:tagLst xmlns:a="http://schemas.openxmlformats.org/drawingml/2006/main" xmlns:r="http://schemas.openxmlformats.org/officeDocument/2006/relationships" xmlns:p="http://schemas.openxmlformats.org/presentationml/2006/main">
+<file path=ppt/tags/tag63.xml><?xml version="1.0" encoding="utf-8"?>
+<p:tagLst xmlns:p="http://schemas.openxmlformats.org/presentationml/2006/main">
   <p:tag name="KSO_WM_UNIT_HIGHLIGHT" val="0"/>
   <p:tag name="KSO_WM_UNIT_COMPATIBLE" val="0"/>
   <p:tag name="KSO_WM_UNIT_DIAGRAM_ISNUMVISUAL" val="0"/>
@@ -15088,8 +15442,47 @@
 </p:tagLst>
 </file>
 
-<file path=ppt/tags/tag73.xml><?xml version="1.0" encoding="utf-8"?>
-<p:tagLst xmlns:a="http://schemas.openxmlformats.org/drawingml/2006/main" xmlns:r="http://schemas.openxmlformats.org/officeDocument/2006/relationships" xmlns:p="http://schemas.openxmlformats.org/presentationml/2006/main">
+<file path=ppt/tags/tag64.xml><?xml version="1.0" encoding="utf-8"?>
+<p:tagLst xmlns:p="http://schemas.openxmlformats.org/presentationml/2006/main">
+  <p:tag name="KSO_WM_UNIT_HIGHLIGHT" val="0"/>
+  <p:tag name="KSO_WM_UNIT_COMPATIBLE" val="0"/>
+  <p:tag name="KSO_WM_UNIT_DIAGRAM_ISNUMVISUAL" val="0"/>
+  <p:tag name="KSO_WM_UNIT_DIAGRAM_ISREFERUNIT" val="0"/>
+  <p:tag name="KSO_WM_UNIT_ID" val="_10**"/>
+  <p:tag name="KSO_WM_UNIT_LAYERLEVEL" val="1"/>
+  <p:tag name="KSO_WM_TAG_VERSION" val="1.0"/>
+  <p:tag name="KSO_WM_BEAUTIFY_FLAG" val="#wm#"/>
+</p:tagLst>
+</file>
+
+<file path=ppt/tags/tag65.xml><?xml version="1.0" encoding="utf-8"?>
+<p:tagLst xmlns:p="http://schemas.openxmlformats.org/presentationml/2006/main">
+  <p:tag name="KSO_WM_UNIT_HIGHLIGHT" val="0"/>
+  <p:tag name="KSO_WM_UNIT_COMPATIBLE" val="0"/>
+  <p:tag name="KSO_WM_UNIT_DIAGRAM_ISNUMVISUAL" val="0"/>
+  <p:tag name="KSO_WM_UNIT_DIAGRAM_ISREFERUNIT" val="0"/>
+  <p:tag name="KSO_WM_UNIT_ID" val="_10**"/>
+  <p:tag name="KSO_WM_UNIT_LAYERLEVEL" val="1"/>
+  <p:tag name="KSO_WM_TAG_VERSION" val="1.0"/>
+  <p:tag name="KSO_WM_BEAUTIFY_FLAG" val="#wm#"/>
+</p:tagLst>
+</file>
+
+<file path=ppt/tags/tag66.xml><?xml version="1.0" encoding="utf-8"?>
+<p:tagLst xmlns:p="http://schemas.openxmlformats.org/presentationml/2006/main">
+  <p:tag name="KSO_WM_UNIT_HIGHLIGHT" val="0"/>
+  <p:tag name="KSO_WM_UNIT_COMPATIBLE" val="0"/>
+  <p:tag name="KSO_WM_UNIT_DIAGRAM_ISNUMVISUAL" val="0"/>
+  <p:tag name="KSO_WM_UNIT_DIAGRAM_ISREFERUNIT" val="0"/>
+  <p:tag name="KSO_WM_UNIT_ID" val="_10**"/>
+  <p:tag name="KSO_WM_UNIT_LAYERLEVEL" val="1"/>
+  <p:tag name="KSO_WM_TAG_VERSION" val="1.0"/>
+  <p:tag name="KSO_WM_BEAUTIFY_FLAG" val="#wm#"/>
+</p:tagLst>
+</file>
+
+<file path=ppt/tags/tag67.xml><?xml version="1.0" encoding="utf-8"?>
+<p:tagLst xmlns:p="http://schemas.openxmlformats.org/presentationml/2006/main">
   <p:tag name="KSO_WM_UNIT_HIGHLIGHT" val="0"/>
   <p:tag name="KSO_WM_UNIT_COMPATIBLE" val="0"/>
   <p:tag name="KSO_WM_UNIT_DIAGRAM_ISNUMVISUAL" val="0"/>
@@ -15101,8 +15494,8 @@
 </p:tagLst>
 </file>
 
-<file path=ppt/tags/tag74.xml><?xml version="1.0" encoding="utf-8"?>
-<p:tagLst xmlns:a="http://schemas.openxmlformats.org/drawingml/2006/main" xmlns:r="http://schemas.openxmlformats.org/officeDocument/2006/relationships" xmlns:p="http://schemas.openxmlformats.org/presentationml/2006/main">
+<file path=ppt/tags/tag68.xml><?xml version="1.0" encoding="utf-8"?>
+<p:tagLst xmlns:p="http://schemas.openxmlformats.org/presentationml/2006/main">
   <p:tag name="KSO_WM_UNIT_HIGHLIGHT" val="0"/>
   <p:tag name="KSO_WM_UNIT_COMPATIBLE" val="0"/>
   <p:tag name="KSO_WM_UNIT_DIAGRAM_ISNUMVISUAL" val="0"/>
@@ -15114,8 +15507,8 @@
 </p:tagLst>
 </file>
 
-<file path=ppt/tags/tag75.xml><?xml version="1.0" encoding="utf-8"?>
-<p:tagLst xmlns:a="http://schemas.openxmlformats.org/drawingml/2006/main" xmlns:r="http://schemas.openxmlformats.org/officeDocument/2006/relationships" xmlns:p="http://schemas.openxmlformats.org/presentationml/2006/main">
+<file path=ppt/tags/tag69.xml><?xml version="1.0" encoding="utf-8"?>
+<p:tagLst xmlns:p="http://schemas.openxmlformats.org/presentationml/2006/main">
   <p:tag name="KSO_WM_UNIT_HIGHLIGHT" val="0"/>
   <p:tag name="KSO_WM_UNIT_COMPATIBLE" val="0"/>
   <p:tag name="KSO_WM_UNIT_DIAGRAM_ISNUMVISUAL" val="0"/>
@@ -15127,8 +15520,21 @@
 </p:tagLst>
 </file>
 
-<file path=ppt/tags/tag76.xml><?xml version="1.0" encoding="utf-8"?>
-<p:tagLst xmlns:a="http://schemas.openxmlformats.org/drawingml/2006/main" xmlns:r="http://schemas.openxmlformats.org/officeDocument/2006/relationships" xmlns:p="http://schemas.openxmlformats.org/presentationml/2006/main">
+<file path=ppt/tags/tag7.xml><?xml version="1.0" encoding="utf-8"?>
+<p:tagLst xmlns:p="http://schemas.openxmlformats.org/presentationml/2006/main">
+  <p:tag name="KSO_WM_UNIT_HIGHLIGHT" val="0"/>
+  <p:tag name="KSO_WM_UNIT_COMPATIBLE" val="0"/>
+  <p:tag name="KSO_WM_UNIT_DIAGRAM_ISNUMVISUAL" val="0"/>
+  <p:tag name="KSO_WM_UNIT_DIAGRAM_ISREFERUNIT" val="0"/>
+  <p:tag name="KSO_WM_UNIT_ID" val="_2**"/>
+  <p:tag name="KSO_WM_UNIT_LAYERLEVEL" val="1"/>
+  <p:tag name="KSO_WM_TAG_VERSION" val="1.0"/>
+  <p:tag name="KSO_WM_BEAUTIFY_FLAG" val="#wm#"/>
+</p:tagLst>
+</file>
+
+<file path=ppt/tags/tag70.xml><?xml version="1.0" encoding="utf-8"?>
+<p:tagLst xmlns:p="http://schemas.openxmlformats.org/presentationml/2006/main">
   <p:tag name="KSO_WM_UNIT_HIGHLIGHT" val="0"/>
   <p:tag name="KSO_WM_UNIT_COMPATIBLE" val="0"/>
   <p:tag name="KSO_WM_UNIT_DIAGRAM_ISNUMVISUAL" val="0"/>
@@ -15140,8 +15546,8 @@
 </p:tagLst>
 </file>
 
-<file path=ppt/tags/tag77.xml><?xml version="1.0" encoding="utf-8"?>
-<p:tagLst xmlns:a="http://schemas.openxmlformats.org/drawingml/2006/main" xmlns:r="http://schemas.openxmlformats.org/officeDocument/2006/relationships" xmlns:p="http://schemas.openxmlformats.org/presentationml/2006/main">
+<file path=ppt/tags/tag71.xml><?xml version="1.0" encoding="utf-8"?>
+<p:tagLst xmlns:p="http://schemas.openxmlformats.org/presentationml/2006/main">
   <p:tag name="KSO_WM_UNIT_HIGHLIGHT" val="0"/>
   <p:tag name="KSO_WM_UNIT_COMPATIBLE" val="0"/>
   <p:tag name="KSO_WM_UNIT_DIAGRAM_ISNUMVISUAL" val="0"/>
@@ -15155,8 +15561,8 @@
 </p:tagLst>
 </file>
 
-<file path=ppt/tags/tag78.xml><?xml version="1.0" encoding="utf-8"?>
-<p:tagLst xmlns:a="http://schemas.openxmlformats.org/drawingml/2006/main" xmlns:r="http://schemas.openxmlformats.org/officeDocument/2006/relationships" xmlns:p="http://schemas.openxmlformats.org/presentationml/2006/main">
+<file path=ppt/tags/tag72.xml><?xml version="1.0" encoding="utf-8"?>
+<p:tagLst xmlns:p="http://schemas.openxmlformats.org/presentationml/2006/main">
   <p:tag name="KSO_WM_UNIT_HIGHLIGHT" val="0"/>
   <p:tag name="KSO_WM_UNIT_COMPATIBLE" val="0"/>
   <p:tag name="KSO_WM_UNIT_DIAGRAM_ISNUMVISUAL" val="0"/>
@@ -15168,8 +15574,8 @@
 </p:tagLst>
 </file>
 
-<file path=ppt/tags/tag79.xml><?xml version="1.0" encoding="utf-8"?>
-<p:tagLst xmlns:a="http://schemas.openxmlformats.org/drawingml/2006/main" xmlns:r="http://schemas.openxmlformats.org/officeDocument/2006/relationships" xmlns:p="http://schemas.openxmlformats.org/presentationml/2006/main">
+<file path=ppt/tags/tag73.xml><?xml version="1.0" encoding="utf-8"?>
+<p:tagLst xmlns:p="http://schemas.openxmlformats.org/presentationml/2006/main">
   <p:tag name="KSO_WM_UNIT_HIGHLIGHT" val="0"/>
   <p:tag name="KSO_WM_UNIT_COMPATIBLE" val="0"/>
   <p:tag name="KSO_WM_UNIT_DIAGRAM_ISNUMVISUAL" val="0"/>
@@ -15181,22 +15587,8 @@
 </p:tagLst>
 </file>
 
-<file path=ppt/tags/tag8.xml><?xml version="1.0" encoding="utf-8"?>
-<p:tagLst xmlns:a="http://schemas.openxmlformats.org/drawingml/2006/main" xmlns:r="http://schemas.openxmlformats.org/officeDocument/2006/relationships" xmlns:p="http://schemas.openxmlformats.org/presentationml/2006/main">
-  <p:tag name="KSO_WM_SLIDE_BACKGROUND_MASK_FLAG" val="1"/>
-  <p:tag name="KSO_WM_UNIT_HIGHLIGHT" val="0"/>
-  <p:tag name="KSO_WM_UNIT_COMPATIBLE" val="0"/>
-  <p:tag name="KSO_WM_UNIT_DIAGRAM_ISNUMVISUAL" val="0"/>
-  <p:tag name="KSO_WM_UNIT_DIAGRAM_ISREFERUNIT" val="0"/>
-  <p:tag name="KSO_WM_UNIT_ID" val="_1**"/>
-  <p:tag name="KSO_WM_UNIT_LAYERLEVEL" val="1"/>
-  <p:tag name="KSO_WM_TAG_VERSION" val="1.0"/>
-  <p:tag name="KSO_WM_BEAUTIFY_FLAG" val="#wm#"/>
-</p:tagLst>
-</file>
-
-<file path=ppt/tags/tag80.xml><?xml version="1.0" encoding="utf-8"?>
-<p:tagLst xmlns:a="http://schemas.openxmlformats.org/drawingml/2006/main" xmlns:r="http://schemas.openxmlformats.org/officeDocument/2006/relationships" xmlns:p="http://schemas.openxmlformats.org/presentationml/2006/main">
+<file path=ppt/tags/tag74.xml><?xml version="1.0" encoding="utf-8"?>
+<p:tagLst xmlns:p="http://schemas.openxmlformats.org/presentationml/2006/main">
   <p:tag name="KSO_WM_SLIDE_BACKGROUND_TYPE" val="general"/>
   <p:tag name="KSO_WM_SLIDE_BK_DARK_LIGHT" val="2"/>
   <p:tag name="KSO_WM_UNIT_HIGHLIGHT" val="0"/>
@@ -15210,8 +15602,8 @@
 </p:tagLst>
 </file>
 
-<file path=ppt/tags/tag81.xml><?xml version="1.0" encoding="utf-8"?>
-<p:tagLst xmlns:a="http://schemas.openxmlformats.org/drawingml/2006/main" xmlns:r="http://schemas.openxmlformats.org/officeDocument/2006/relationships" xmlns:p="http://schemas.openxmlformats.org/presentationml/2006/main">
+<file path=ppt/tags/tag75.xml><?xml version="1.0" encoding="utf-8"?>
+<p:tagLst xmlns:p="http://schemas.openxmlformats.org/presentationml/2006/main">
   <p:tag name="KSO_WM_SLIDE_BACKGROUND_TYPE" val="general"/>
   <p:tag name="KSO_WM_SLIDE_BK_DARK_LIGHT" val="2"/>
   <p:tag name="KSO_WM_UNIT_HIGHLIGHT" val="0"/>
@@ -15225,8 +15617,8 @@
 </p:tagLst>
 </file>
 
-<file path=ppt/tags/tag82.xml><?xml version="1.0" encoding="utf-8"?>
-<p:tagLst xmlns:a="http://schemas.openxmlformats.org/drawingml/2006/main" xmlns:r="http://schemas.openxmlformats.org/officeDocument/2006/relationships" xmlns:p="http://schemas.openxmlformats.org/presentationml/2006/main">
+<file path=ppt/tags/tag76.xml><?xml version="1.0" encoding="utf-8"?>
+<p:tagLst xmlns:p="http://schemas.openxmlformats.org/presentationml/2006/main">
   <p:tag name="KSO_WM_UNIT_HIGHLIGHT" val="0"/>
   <p:tag name="KSO_WM_UNIT_COMPATIBLE" val="0"/>
   <p:tag name="KSO_WM_UNIT_DIAGRAM_ISNUMVISUAL" val="0"/>
@@ -15240,8 +15632,8 @@
 </p:tagLst>
 </file>
 
-<file path=ppt/tags/tag83.xml><?xml version="1.0" encoding="utf-8"?>
-<p:tagLst xmlns:a="http://schemas.openxmlformats.org/drawingml/2006/main" xmlns:r="http://schemas.openxmlformats.org/officeDocument/2006/relationships" xmlns:p="http://schemas.openxmlformats.org/presentationml/2006/main">
+<file path=ppt/tags/tag77.xml><?xml version="1.0" encoding="utf-8"?>
+<p:tagLst xmlns:p="http://schemas.openxmlformats.org/presentationml/2006/main">
   <p:tag name="KSO_WM_UNIT_HIGHLIGHT" val="0"/>
   <p:tag name="KSO_WM_UNIT_COMPATIBLE" val="0"/>
   <p:tag name="KSO_WM_UNIT_DIAGRAM_ISNUMVISUAL" val="0"/>
@@ -15255,8 +15647,8 @@
 </p:tagLst>
 </file>
 
-<file path=ppt/tags/tag84.xml><?xml version="1.0" encoding="utf-8"?>
-<p:tagLst xmlns:a="http://schemas.openxmlformats.org/drawingml/2006/main" xmlns:r="http://schemas.openxmlformats.org/officeDocument/2006/relationships" xmlns:p="http://schemas.openxmlformats.org/presentationml/2006/main">
+<file path=ppt/tags/tag78.xml><?xml version="1.0" encoding="utf-8"?>
+<p:tagLst xmlns:p="http://schemas.openxmlformats.org/presentationml/2006/main">
   <p:tag name="KSO_WM_UNIT_HIGHLIGHT" val="0"/>
   <p:tag name="KSO_WM_UNIT_COMPATIBLE" val="0"/>
   <p:tag name="KSO_WM_UNIT_DIAGRAM_ISNUMVISUAL" val="0"/>
@@ -15270,8 +15662,8 @@
 </p:tagLst>
 </file>
 
-<file path=ppt/tags/tag85.xml><?xml version="1.0" encoding="utf-8"?>
-<p:tagLst xmlns:a="http://schemas.openxmlformats.org/drawingml/2006/main" xmlns:r="http://schemas.openxmlformats.org/officeDocument/2006/relationships" xmlns:p="http://schemas.openxmlformats.org/presentationml/2006/main">
+<file path=ppt/tags/tag79.xml><?xml version="1.0" encoding="utf-8"?>
+<p:tagLst xmlns:p="http://schemas.openxmlformats.org/presentationml/2006/main">
   <p:tag name="KSO_WM_UNIT_HIGHLIGHT" val="0"/>
   <p:tag name="KSO_WM_UNIT_COMPATIBLE" val="0"/>
   <p:tag name="KSO_WM_UNIT_DIAGRAM_ISNUMVISUAL" val="0"/>
@@ -15285,8 +15677,21 @@
 </p:tagLst>
 </file>
 
-<file path=ppt/tags/tag86.xml><?xml version="1.0" encoding="utf-8"?>
-<p:tagLst xmlns:a="http://schemas.openxmlformats.org/drawingml/2006/main" xmlns:r="http://schemas.openxmlformats.org/officeDocument/2006/relationships" xmlns:p="http://schemas.openxmlformats.org/presentationml/2006/main">
+<file path=ppt/tags/tag8.xml><?xml version="1.0" encoding="utf-8"?>
+<p:tagLst xmlns:p="http://schemas.openxmlformats.org/presentationml/2006/main">
+  <p:tag name="KSO_WM_UNIT_HIGHLIGHT" val="0"/>
+  <p:tag name="KSO_WM_UNIT_COMPATIBLE" val="0"/>
+  <p:tag name="KSO_WM_UNIT_DIAGRAM_ISNUMVISUAL" val="0"/>
+  <p:tag name="KSO_WM_UNIT_DIAGRAM_ISREFERUNIT" val="0"/>
+  <p:tag name="KSO_WM_UNIT_ID" val="_2**"/>
+  <p:tag name="KSO_WM_UNIT_LAYERLEVEL" val="1"/>
+  <p:tag name="KSO_WM_TAG_VERSION" val="1.0"/>
+  <p:tag name="KSO_WM_BEAUTIFY_FLAG" val="#wm#"/>
+</p:tagLst>
+</file>
+
+<file path=ppt/tags/tag80.xml><?xml version="1.0" encoding="utf-8"?>
+<p:tagLst xmlns:p="http://schemas.openxmlformats.org/presentationml/2006/main">
   <p:tag name="KSO_WM_UNIT_TYPE" val="i"/>
   <p:tag name="KSO_WM_UNIT_SUBTYPE" val="h"/>
   <p:tag name="KSO_WM_SLIDE_BACKGROUND_TYPE" val="frame"/>
@@ -15304,8 +15709,8 @@
 </p:tagLst>
 </file>
 
-<file path=ppt/tags/tag87.xml><?xml version="1.0" encoding="utf-8"?>
-<p:tagLst xmlns:a="http://schemas.openxmlformats.org/drawingml/2006/main" xmlns:r="http://schemas.openxmlformats.org/officeDocument/2006/relationships" xmlns:p="http://schemas.openxmlformats.org/presentationml/2006/main">
+<file path=ppt/tags/tag81.xml><?xml version="1.0" encoding="utf-8"?>
+<p:tagLst xmlns:p="http://schemas.openxmlformats.org/presentationml/2006/main">
   <p:tag name="KSO_WM_SLIDE_BACKGROUND_TYPE" val="frame"/>
   <p:tag name="KSO_WM_SLIDE_BK_DARK_LIGHT" val="2"/>
   <p:tag name="KSO_WM_UNIT_HIGHLIGHT" val="0"/>
@@ -15319,8 +15724,8 @@
 </p:tagLst>
 </file>
 
-<file path=ppt/tags/tag88.xml><?xml version="1.0" encoding="utf-8"?>
-<p:tagLst xmlns:a="http://schemas.openxmlformats.org/drawingml/2006/main" xmlns:r="http://schemas.openxmlformats.org/officeDocument/2006/relationships" xmlns:p="http://schemas.openxmlformats.org/presentationml/2006/main">
+<file path=ppt/tags/tag82.xml><?xml version="1.0" encoding="utf-8"?>
+<p:tagLst xmlns:p="http://schemas.openxmlformats.org/presentationml/2006/main">
   <p:tag name="KSO_WM_SLIDE_BACKGROUND_TYPE" val="frame"/>
   <p:tag name="KSO_WM_SLIDE_BK_DARK_LIGHT" val="2"/>
   <p:tag name="KSO_WM_UNIT_HIGHLIGHT" val="0"/>
@@ -15334,8 +15739,8 @@
 </p:tagLst>
 </file>
 
-<file path=ppt/tags/tag89.xml><?xml version="1.0" encoding="utf-8"?>
-<p:tagLst xmlns:a="http://schemas.openxmlformats.org/drawingml/2006/main" xmlns:r="http://schemas.openxmlformats.org/officeDocument/2006/relationships" xmlns:p="http://schemas.openxmlformats.org/presentationml/2006/main">
+<file path=ppt/tags/tag83.xml><?xml version="1.0" encoding="utf-8"?>
+<p:tagLst xmlns:p="http://schemas.openxmlformats.org/presentationml/2006/main">
   <p:tag name="KSO_WM_UNIT_HIGHLIGHT" val="0"/>
   <p:tag name="KSO_WM_UNIT_COMPATIBLE" val="0"/>
   <p:tag name="KSO_WM_UNIT_DIAGRAM_ISNUMVISUAL" val="0"/>
@@ -15349,22 +15754,8 @@
 </p:tagLst>
 </file>
 
-<file path=ppt/tags/tag9.xml><?xml version="1.0" encoding="utf-8"?>
-<p:tagLst xmlns:a="http://schemas.openxmlformats.org/drawingml/2006/main" xmlns:r="http://schemas.openxmlformats.org/officeDocument/2006/relationships" xmlns:p="http://schemas.openxmlformats.org/presentationml/2006/main">
-  <p:tag name="KSO_WM_SLIDE_BACKGROUND_MASK_FLAG" val="1"/>
-  <p:tag name="KSO_WM_UNIT_HIGHLIGHT" val="0"/>
-  <p:tag name="KSO_WM_UNIT_COMPATIBLE" val="0"/>
-  <p:tag name="KSO_WM_UNIT_DIAGRAM_ISNUMVISUAL" val="0"/>
-  <p:tag name="KSO_WM_UNIT_DIAGRAM_ISREFERUNIT" val="0"/>
-  <p:tag name="KSO_WM_UNIT_ID" val="_1**"/>
-  <p:tag name="KSO_WM_UNIT_LAYERLEVEL" val="1"/>
-  <p:tag name="KSO_WM_TAG_VERSION" val="1.0"/>
-  <p:tag name="KSO_WM_BEAUTIFY_FLAG" val="#wm#"/>
-</p:tagLst>
-</file>
-
-<file path=ppt/tags/tag90.xml><?xml version="1.0" encoding="utf-8"?>
-<p:tagLst xmlns:a="http://schemas.openxmlformats.org/drawingml/2006/main" xmlns:r="http://schemas.openxmlformats.org/officeDocument/2006/relationships" xmlns:p="http://schemas.openxmlformats.org/presentationml/2006/main">
+<file path=ppt/tags/tag84.xml><?xml version="1.0" encoding="utf-8"?>
+<p:tagLst xmlns:p="http://schemas.openxmlformats.org/presentationml/2006/main">
   <p:tag name="KSO_WM_UNIT_HIGHLIGHT" val="0"/>
   <p:tag name="KSO_WM_UNIT_COMPATIBLE" val="0"/>
   <p:tag name="KSO_WM_UNIT_DIAGRAM_ISNUMVISUAL" val="0"/>
@@ -15378,8 +15769,8 @@
 </p:tagLst>
 </file>
 
-<file path=ppt/tags/tag91.xml><?xml version="1.0" encoding="utf-8"?>
-<p:tagLst xmlns:a="http://schemas.openxmlformats.org/drawingml/2006/main" xmlns:r="http://schemas.openxmlformats.org/officeDocument/2006/relationships" xmlns:p="http://schemas.openxmlformats.org/presentationml/2006/main">
+<file path=ppt/tags/tag85.xml><?xml version="1.0" encoding="utf-8"?>
+<p:tagLst xmlns:p="http://schemas.openxmlformats.org/presentationml/2006/main">
   <p:tag name="KSO_WM_UNIT_HIGHLIGHT" val="0"/>
   <p:tag name="KSO_WM_UNIT_COMPATIBLE" val="0"/>
   <p:tag name="KSO_WM_UNIT_DIAGRAM_ISNUMVISUAL" val="0"/>
@@ -15393,8 +15784,8 @@
 </p:tagLst>
 </file>
 
-<file path=ppt/tags/tag92.xml><?xml version="1.0" encoding="utf-8"?>
-<p:tagLst xmlns:a="http://schemas.openxmlformats.org/drawingml/2006/main" xmlns:r="http://schemas.openxmlformats.org/officeDocument/2006/relationships" xmlns:p="http://schemas.openxmlformats.org/presentationml/2006/main">
+<file path=ppt/tags/tag86.xml><?xml version="1.0" encoding="utf-8"?>
+<p:tagLst xmlns:p="http://schemas.openxmlformats.org/presentationml/2006/main">
   <p:tag name="KSO_WM_UNIT_HIGHLIGHT" val="0"/>
   <p:tag name="KSO_WM_UNIT_COMPATIBLE" val="0"/>
   <p:tag name="KSO_WM_UNIT_DIAGRAM_ISNUMVISUAL" val="0"/>
@@ -15408,8 +15799,8 @@
 </p:tagLst>
 </file>
 
-<file path=ppt/tags/tag93.xml><?xml version="1.0" encoding="utf-8"?>
-<p:tagLst xmlns:a="http://schemas.openxmlformats.org/drawingml/2006/main" xmlns:r="http://schemas.openxmlformats.org/officeDocument/2006/relationships" xmlns:p="http://schemas.openxmlformats.org/presentationml/2006/main">
+<file path=ppt/tags/tag87.xml><?xml version="1.0" encoding="utf-8"?>
+<p:tagLst xmlns:p="http://schemas.openxmlformats.org/presentationml/2006/main">
   <p:tag name="KSO_WM_UNIT_HIGHLIGHT" val="0"/>
   <p:tag name="KSO_WM_UNIT_COMPATIBLE" val="0"/>
   <p:tag name="KSO_WM_UNIT_DIAGRAM_ISNUMVISUAL" val="0"/>
@@ -15423,8 +15814,8 @@
 </p:tagLst>
 </file>
 
-<file path=ppt/tags/tag94.xml><?xml version="1.0" encoding="utf-8"?>
-<p:tagLst xmlns:a="http://schemas.openxmlformats.org/drawingml/2006/main" xmlns:r="http://schemas.openxmlformats.org/officeDocument/2006/relationships" xmlns:p="http://schemas.openxmlformats.org/presentationml/2006/main">
+<file path=ppt/tags/tag88.xml><?xml version="1.0" encoding="utf-8"?>
+<p:tagLst xmlns:p="http://schemas.openxmlformats.org/presentationml/2006/main">
   <p:tag name="KSO_WM_UNIT_TYPE" val="i"/>
   <p:tag name="KSO_WM_UNIT_SUBTYPE" val="h"/>
   <p:tag name="KSO_WM_SLIDE_BACKGROUND_TYPE" val="leftRight"/>
@@ -15442,8 +15833,8 @@
 </p:tagLst>
 </file>
 
-<file path=ppt/tags/tag95.xml><?xml version="1.0" encoding="utf-8"?>
-<p:tagLst xmlns:a="http://schemas.openxmlformats.org/drawingml/2006/main" xmlns:r="http://schemas.openxmlformats.org/officeDocument/2006/relationships" xmlns:p="http://schemas.openxmlformats.org/presentationml/2006/main">
+<file path=ppt/tags/tag89.xml><?xml version="1.0" encoding="utf-8"?>
+<p:tagLst xmlns:p="http://schemas.openxmlformats.org/presentationml/2006/main">
   <p:tag name="KSO_WM_SLIDE_BACKGROUND_TYPE" val="leftRight"/>
   <p:tag name="KSO_WM_SLIDE_BK_DARK_LIGHT" val="2"/>
   <p:tag name="KSO_WM_UNIT_HIGHLIGHT" val="0"/>
@@ -15457,8 +15848,21 @@
 </p:tagLst>
 </file>
 
-<file path=ppt/tags/tag96.xml><?xml version="1.0" encoding="utf-8"?>
-<p:tagLst xmlns:a="http://schemas.openxmlformats.org/drawingml/2006/main" xmlns:r="http://schemas.openxmlformats.org/officeDocument/2006/relationships" xmlns:p="http://schemas.openxmlformats.org/presentationml/2006/main">
+<file path=ppt/tags/tag9.xml><?xml version="1.0" encoding="utf-8"?>
+<p:tagLst xmlns:p="http://schemas.openxmlformats.org/presentationml/2006/main">
+  <p:tag name="KSO_WM_UNIT_HIGHLIGHT" val="0"/>
+  <p:tag name="KSO_WM_UNIT_COMPATIBLE" val="0"/>
+  <p:tag name="KSO_WM_UNIT_DIAGRAM_ISNUMVISUAL" val="0"/>
+  <p:tag name="KSO_WM_UNIT_DIAGRAM_ISREFERUNIT" val="0"/>
+  <p:tag name="KSO_WM_UNIT_ID" val="_2**"/>
+  <p:tag name="KSO_WM_UNIT_LAYERLEVEL" val="1"/>
+  <p:tag name="KSO_WM_TAG_VERSION" val="1.0"/>
+  <p:tag name="KSO_WM_BEAUTIFY_FLAG" val="#wm#"/>
+</p:tagLst>
+</file>
+
+<file path=ppt/tags/tag90.xml><?xml version="1.0" encoding="utf-8"?>
+<p:tagLst xmlns:p="http://schemas.openxmlformats.org/presentationml/2006/main">
   <p:tag name="KSO_WM_UNIT_HIGHLIGHT" val="0"/>
   <p:tag name="KSO_WM_UNIT_COMPATIBLE" val="0"/>
   <p:tag name="KSO_WM_UNIT_DIAGRAM_ISNUMVISUAL" val="0"/>
@@ -15472,8 +15876,8 @@
 </p:tagLst>
 </file>
 
-<file path=ppt/tags/tag97.xml><?xml version="1.0" encoding="utf-8"?>
-<p:tagLst xmlns:a="http://schemas.openxmlformats.org/drawingml/2006/main" xmlns:r="http://schemas.openxmlformats.org/officeDocument/2006/relationships" xmlns:p="http://schemas.openxmlformats.org/presentationml/2006/main">
+<file path=ppt/tags/tag91.xml><?xml version="1.0" encoding="utf-8"?>
+<p:tagLst xmlns:p="http://schemas.openxmlformats.org/presentationml/2006/main">
   <p:tag name="KSO_WM_UNIT_HIGHLIGHT" val="0"/>
   <p:tag name="KSO_WM_UNIT_COMPATIBLE" val="0"/>
   <p:tag name="KSO_WM_UNIT_DIAGRAM_ISNUMVISUAL" val="0"/>
@@ -15487,8 +15891,8 @@
 </p:tagLst>
 </file>
 
-<file path=ppt/tags/tag98.xml><?xml version="1.0" encoding="utf-8"?>
-<p:tagLst xmlns:a="http://schemas.openxmlformats.org/drawingml/2006/main" xmlns:r="http://schemas.openxmlformats.org/officeDocument/2006/relationships" xmlns:p="http://schemas.openxmlformats.org/presentationml/2006/main">
+<file path=ppt/tags/tag92.xml><?xml version="1.0" encoding="utf-8"?>
+<p:tagLst xmlns:p="http://schemas.openxmlformats.org/presentationml/2006/main">
   <p:tag name="KSO_WM_UNIT_HIGHLIGHT" val="0"/>
   <p:tag name="KSO_WM_UNIT_COMPATIBLE" val="0"/>
   <p:tag name="KSO_WM_UNIT_DIAGRAM_ISNUMVISUAL" val="0"/>
@@ -15502,8 +15906,8 @@
 </p:tagLst>
 </file>
 
-<file path=ppt/tags/tag99.xml><?xml version="1.0" encoding="utf-8"?>
-<p:tagLst xmlns:a="http://schemas.openxmlformats.org/drawingml/2006/main" xmlns:r="http://schemas.openxmlformats.org/officeDocument/2006/relationships" xmlns:p="http://schemas.openxmlformats.org/presentationml/2006/main">
+<file path=ppt/tags/tag93.xml><?xml version="1.0" encoding="utf-8"?>
+<p:tagLst xmlns:p="http://schemas.openxmlformats.org/presentationml/2006/main">
   <p:tag name="KSO_WM_UNIT_HIGHLIGHT" val="0"/>
   <p:tag name="KSO_WM_UNIT_COMPATIBLE" val="0"/>
   <p:tag name="KSO_WM_UNIT_DIAGRAM_ISNUMVISUAL" val="0"/>
@@ -15513,6 +15917,100 @@
   <p:tag name="KSO_WM_TAG_VERSION" val="1.0"/>
   <p:tag name="KSO_WM_BEAUTIFY_FLAG" val="#wm#"/>
   <p:tag name="KSO_WM_SLIDE_BACKGROUND_TYPE" val="leftRight"/>
+  <p:tag name="KSO_WM_SLIDE_BK_DARK_LIGHT" val="2"/>
+</p:tagLst>
+</file>
+
+<file path=ppt/tags/tag94.xml><?xml version="1.0" encoding="utf-8"?>
+<p:tagLst xmlns:p="http://schemas.openxmlformats.org/presentationml/2006/main">
+  <p:tag name="KSO_WM_UNIT_HIGHLIGHT" val="0"/>
+  <p:tag name="KSO_WM_UNIT_COMPATIBLE" val="0"/>
+  <p:tag name="KSO_WM_UNIT_DIAGRAM_ISNUMVISUAL" val="0"/>
+  <p:tag name="KSO_WM_UNIT_DIAGRAM_ISREFERUNIT" val="0"/>
+  <p:tag name="KSO_WM_UNIT_ID" val="_14**"/>
+  <p:tag name="KSO_WM_UNIT_LAYERLEVEL" val="1"/>
+  <p:tag name="KSO_WM_TAG_VERSION" val="1.0"/>
+  <p:tag name="KSO_WM_BEAUTIFY_FLAG" val="#wm#"/>
+  <p:tag name="KSO_WM_SLIDE_BACKGROUND_TYPE" val="leftRight"/>
+  <p:tag name="KSO_WM_SLIDE_BK_DARK_LIGHT" val="2"/>
+</p:tagLst>
+</file>
+
+<file path=ppt/tags/tag95.xml><?xml version="1.0" encoding="utf-8"?>
+<p:tagLst xmlns:p="http://schemas.openxmlformats.org/presentationml/2006/main">
+  <p:tag name="KSO_WM_UNIT_HIGHLIGHT" val="0"/>
+  <p:tag name="KSO_WM_UNIT_COMPATIBLE" val="0"/>
+  <p:tag name="KSO_WM_UNIT_DIAGRAM_ISNUMVISUAL" val="0"/>
+  <p:tag name="KSO_WM_UNIT_DIAGRAM_ISREFERUNIT" val="0"/>
+  <p:tag name="KSO_WM_UNIT_ID" val="_14**"/>
+  <p:tag name="KSO_WM_UNIT_LAYERLEVEL" val="1"/>
+  <p:tag name="KSO_WM_TAG_VERSION" val="1.0"/>
+  <p:tag name="KSO_WM_BEAUTIFY_FLAG" val="#wm#"/>
+  <p:tag name="KSO_WM_SLIDE_BACKGROUND_TYPE" val="leftRight"/>
+  <p:tag name="KSO_WM_SLIDE_BK_DARK_LIGHT" val="2"/>
+</p:tagLst>
+</file>
+
+<file path=ppt/tags/tag96.xml><?xml version="1.0" encoding="utf-8"?>
+<p:tagLst xmlns:p="http://schemas.openxmlformats.org/presentationml/2006/main">
+  <p:tag name="KSO_WM_UNIT_TYPE" val="i"/>
+  <p:tag name="KSO_WM_UNIT_SUBTYPE" val="h"/>
+  <p:tag name="KSO_WM_SLIDE_BACKGROUND_TYPE" val="topBottom"/>
+  <p:tag name="KSO_WM_SLIDE_BK_DARK_LIGHT" val="2"/>
+  <p:tag name="KSO_WM_UNIT_HIGHLIGHT" val="0"/>
+  <p:tag name="KSO_WM_UNIT_COMPATIBLE" val="0"/>
+  <p:tag name="KSO_WM_UNIT_DIAGRAM_ISNUMVISUAL" val="0"/>
+  <p:tag name="KSO_WM_UNIT_DIAGRAM_ISREFERUNIT" val="0"/>
+  <p:tag name="KSO_WM_UNIT_INDEX" val="0"/>
+  <p:tag name="KSO_WM_UNIT_ID" val="_15*i*0"/>
+  <p:tag name="KSO_WM_UNIT_BK_DARK_LIGHT" val="2"/>
+  <p:tag name="KSO_WM_UNIT_LAYERLEVEL" val="1"/>
+  <p:tag name="KSO_WM_TAG_VERSION" val="1.0"/>
+  <p:tag name="KSO_WM_BEAUTIFY_FLAG" val="#wm#"/>
+</p:tagLst>
+</file>
+
+<file path=ppt/tags/tag97.xml><?xml version="1.0" encoding="utf-8"?>
+<p:tagLst xmlns:p="http://schemas.openxmlformats.org/presentationml/2006/main">
+  <p:tag name="KSO_WM_SLIDE_BACKGROUND_TYPE" val="topBottom"/>
+  <p:tag name="KSO_WM_SLIDE_BK_DARK_LIGHT" val="2"/>
+  <p:tag name="KSO_WM_UNIT_HIGHLIGHT" val="0"/>
+  <p:tag name="KSO_WM_UNIT_COMPATIBLE" val="0"/>
+  <p:tag name="KSO_WM_UNIT_DIAGRAM_ISNUMVISUAL" val="0"/>
+  <p:tag name="KSO_WM_UNIT_DIAGRAM_ISREFERUNIT" val="0"/>
+  <p:tag name="KSO_WM_UNIT_ID" val="_15**"/>
+  <p:tag name="KSO_WM_UNIT_LAYERLEVEL" val="1"/>
+  <p:tag name="KSO_WM_TAG_VERSION" val="1.0"/>
+  <p:tag name="KSO_WM_BEAUTIFY_FLAG" val="#wm#"/>
+</p:tagLst>
+</file>
+
+<file path=ppt/tags/tag98.xml><?xml version="1.0" encoding="utf-8"?>
+<p:tagLst xmlns:p="http://schemas.openxmlformats.org/presentationml/2006/main">
+  <p:tag name="KSO_WM_SLIDE_BACKGROUND_TYPE" val="topBottom"/>
+  <p:tag name="KSO_WM_SLIDE_BK_DARK_LIGHT" val="2"/>
+  <p:tag name="KSO_WM_UNIT_HIGHLIGHT" val="0"/>
+  <p:tag name="KSO_WM_UNIT_COMPATIBLE" val="0"/>
+  <p:tag name="KSO_WM_UNIT_DIAGRAM_ISNUMVISUAL" val="0"/>
+  <p:tag name="KSO_WM_UNIT_DIAGRAM_ISREFERUNIT" val="0"/>
+  <p:tag name="KSO_WM_UNIT_ID" val="_15**"/>
+  <p:tag name="KSO_WM_UNIT_LAYERLEVEL" val="1"/>
+  <p:tag name="KSO_WM_TAG_VERSION" val="1.0"/>
+  <p:tag name="KSO_WM_BEAUTIFY_FLAG" val="#wm#"/>
+</p:tagLst>
+</file>
+
+<file path=ppt/tags/tag99.xml><?xml version="1.0" encoding="utf-8"?>
+<p:tagLst xmlns:p="http://schemas.openxmlformats.org/presentationml/2006/main">
+  <p:tag name="KSO_WM_UNIT_HIGHLIGHT" val="0"/>
+  <p:tag name="KSO_WM_UNIT_COMPATIBLE" val="0"/>
+  <p:tag name="KSO_WM_UNIT_DIAGRAM_ISNUMVISUAL" val="0"/>
+  <p:tag name="KSO_WM_UNIT_DIAGRAM_ISREFERUNIT" val="0"/>
+  <p:tag name="KSO_WM_UNIT_ID" val="_15**"/>
+  <p:tag name="KSO_WM_UNIT_LAYERLEVEL" val="1"/>
+  <p:tag name="KSO_WM_TAG_VERSION" val="1.0"/>
+  <p:tag name="KSO_WM_BEAUTIFY_FLAG" val="#wm#"/>
+  <p:tag name="KSO_WM_SLIDE_BACKGROUND_TYPE" val="topBottom"/>
   <p:tag name="KSO_WM_SLIDE_BK_DARK_LIGHT" val="2"/>
 </p:tagLst>
 </file>
@@ -15708,11 +16206,9 @@
       </a:bgFillStyleLst>
     </a:fmtScheme>
   </a:themeElements>
-  <a:objectDefaults/>
-  <a:extraClrSchemeLst/>
   <a:extLst>
     <a:ext uri="{05A4C25C-085E-4340-85A3-A5531E510DB2}">
-      <thm15:themeFamily xmlns="" xmlns:thm15="http://schemas.microsoft.com/office/thememl/2012/main" name="Office Theme" id="{62F939B6-93AF-4DB8-9C6B-D6C7DFDC589F}" vid="{4A3C46E8-61CC-4603-A589-7422A47A8E4A}"/>
+      <thm15:themeFamily xmlns:thm15="http://schemas.microsoft.com/office/thememl/2012/main" name="Office Theme" id="{62F939B6-93AF-4DB8-9C6B-D6C7DFDC589F}" vid="{4A3C46E8-61CC-4603-A589-7422A47A8E4A}"/>
     </a:ext>
   </a:extLst>
 </a:theme>
@@ -15996,7 +16492,10 @@
       </a:bgFillStyleLst>
     </a:fmtScheme>
   </a:themeElements>
-  <a:objectDefaults/>
-  <a:extraClrSchemeLst/>
+  <a:extLst>
+    <a:ext uri="{05A4C25C-085E-4340-85A3-A5531E510DB2}">
+      <thm15:themeFamily xmlns:thm15="http://schemas.microsoft.com/office/thememl/2012/main" name="Office Theme" id="{62F939B6-93AF-4DB8-9C6B-D6C7DFDC589F}" vid="{4A3C46E8-61CC-4603-A589-7422A47A8E4A}"/>
+    </a:ext>
+  </a:extLst>
 </a:theme>
 </file>